--- a/Диплом мой/Презентация/Presentation_Filatov_RK6-123.pptx
+++ b/Диплом мой/Презентация/Presentation_Filatov_RK6-123.pptx
@@ -5,10 +5,10 @@
     <p:sldMasterId id="2147483660" r:id="rId1"/>
   </p:sldMasterIdLst>
   <p:notesMasterIdLst>
-    <p:notesMasterId r:id="rId8"/>
+    <p:notesMasterId r:id="rId16"/>
   </p:notesMasterIdLst>
   <p:handoutMasterIdLst>
-    <p:handoutMasterId r:id="rId9"/>
+    <p:handoutMasterId r:id="rId17"/>
   </p:handoutMasterIdLst>
   <p:sldIdLst>
     <p:sldId id="256" r:id="rId2"/>
@@ -17,6 +17,14 @@
     <p:sldId id="259" r:id="rId5"/>
     <p:sldId id="260" r:id="rId6"/>
     <p:sldId id="261" r:id="rId7"/>
+    <p:sldId id="262" r:id="rId8"/>
+    <p:sldId id="263" r:id="rId9"/>
+    <p:sldId id="264" r:id="rId10"/>
+    <p:sldId id="265" r:id="rId11"/>
+    <p:sldId id="266" r:id="rId12"/>
+    <p:sldId id="267" r:id="rId13"/>
+    <p:sldId id="268" r:id="rId14"/>
+    <p:sldId id="269" r:id="rId15"/>
   </p:sldIdLst>
   <p:sldSz cx="9144000" cy="6858000" type="screen4x3"/>
   <p:notesSz cx="6858000" cy="9144000"/>
@@ -5138,6 +5146,379 @@
 </p:sld>
 </file>
 
+<file path=ppt/slides/slide10.xml><?xml version="1.0" encoding="utf-8"?>
+<p:sld xmlns:a="http://schemas.openxmlformats.org/drawingml/2006/main" xmlns:r="http://schemas.openxmlformats.org/officeDocument/2006/relationships" xmlns:p="http://schemas.openxmlformats.org/presentationml/2006/main">
+  <p:cSld>
+    <p:spTree>
+      <p:nvGrpSpPr>
+        <p:cNvPr id="1" name=""/>
+        <p:cNvGrpSpPr/>
+        <p:nvPr/>
+      </p:nvGrpSpPr>
+      <p:grpSpPr>
+        <a:xfrm>
+          <a:off x="0" y="0"/>
+          <a:ext cx="0" cy="0"/>
+          <a:chOff x="0" y="0"/>
+          <a:chExt cx="0" cy="0"/>
+        </a:xfrm>
+      </p:grpSpPr>
+      <p:sp>
+        <p:nvSpPr>
+          <p:cNvPr id="2" name="Заголовок 1"/>
+          <p:cNvSpPr>
+            <a:spLocks noGrp="1"/>
+          </p:cNvSpPr>
+          <p:nvPr>
+            <p:ph type="title"/>
+          </p:nvPr>
+        </p:nvSpPr>
+        <p:spPr>
+          <a:xfrm>
+            <a:off x="457200" y="642918"/>
+            <a:ext cx="8229600" cy="857256"/>
+          </a:xfrm>
+        </p:spPr>
+        <p:txBody>
+          <a:bodyPr>
+            <a:normAutofit/>
+          </a:bodyPr>
+          <a:lstStyle/>
+          <a:p>
+            <a:r>
+              <a:rPr lang="ru-RU" sz="3200" dirty="0" smtClean="0"/>
+              <a:t>Интерфейс разработанной САПР</a:t>
+            </a:r>
+            <a:endParaRPr lang="ru-RU" sz="3200" dirty="0"/>
+          </a:p>
+        </p:txBody>
+      </p:sp>
+      <p:pic>
+        <p:nvPicPr>
+          <p:cNvPr id="4" name="Содержимое 3" descr="Редактор внешних связей.jpg"/>
+          <p:cNvPicPr>
+            <a:picLocks noGrp="1" noChangeAspect="1"/>
+          </p:cNvPicPr>
+          <p:nvPr>
+            <p:ph idx="1"/>
+          </p:nvPr>
+        </p:nvPicPr>
+        <p:blipFill>
+          <a:blip r:embed="rId2" cstate="print"/>
+          <a:stretch>
+            <a:fillRect/>
+          </a:stretch>
+        </p:blipFill>
+        <p:spPr>
+          <a:xfrm>
+            <a:off x="642910" y="1643050"/>
+            <a:ext cx="8101993" cy="4930788"/>
+          </a:xfrm>
+        </p:spPr>
+      </p:pic>
+    </p:spTree>
+  </p:cSld>
+  <p:clrMapOvr>
+    <a:masterClrMapping/>
+  </p:clrMapOvr>
+  <p:timing>
+    <p:tnLst>
+      <p:par>
+        <p:cTn id="1" dur="indefinite" restart="never" nodeType="tmRoot"/>
+      </p:par>
+    </p:tnLst>
+  </p:timing>
+</p:sld>
+</file>
+
+<file path=ppt/slides/slide11.xml><?xml version="1.0" encoding="utf-8"?>
+<p:sld xmlns:a="http://schemas.openxmlformats.org/drawingml/2006/main" xmlns:r="http://schemas.openxmlformats.org/officeDocument/2006/relationships" xmlns:p="http://schemas.openxmlformats.org/presentationml/2006/main">
+  <p:cSld>
+    <p:spTree>
+      <p:nvGrpSpPr>
+        <p:cNvPr id="1" name=""/>
+        <p:cNvGrpSpPr/>
+        <p:nvPr/>
+      </p:nvGrpSpPr>
+      <p:grpSpPr>
+        <a:xfrm>
+          <a:off x="0" y="0"/>
+          <a:ext cx="0" cy="0"/>
+          <a:chOff x="0" y="0"/>
+          <a:chExt cx="0" cy="0"/>
+        </a:xfrm>
+      </p:grpSpPr>
+      <p:sp>
+        <p:nvSpPr>
+          <p:cNvPr id="2" name="Заголовок 1"/>
+          <p:cNvSpPr>
+            <a:spLocks noGrp="1"/>
+          </p:cNvSpPr>
+          <p:nvPr>
+            <p:ph type="title"/>
+          </p:nvPr>
+        </p:nvSpPr>
+        <p:spPr>
+          <a:xfrm>
+            <a:off x="457200" y="714356"/>
+            <a:ext cx="8229600" cy="642942"/>
+          </a:xfrm>
+        </p:spPr>
+        <p:txBody>
+          <a:bodyPr>
+            <a:normAutofit/>
+          </a:bodyPr>
+          <a:lstStyle/>
+          <a:p>
+            <a:r>
+              <a:rPr lang="ru-RU" sz="3200" dirty="0" smtClean="0"/>
+              <a:t>Интерфейс рабочего места диспетчера</a:t>
+            </a:r>
+            <a:endParaRPr lang="ru-RU" sz="3200" dirty="0"/>
+          </a:p>
+        </p:txBody>
+      </p:sp>
+      <p:pic>
+        <p:nvPicPr>
+          <p:cNvPr id="4" name="Содержимое 3" descr="интерфейс АРМ_ДСП.jpg"/>
+          <p:cNvPicPr>
+            <a:picLocks noGrp="1" noChangeAspect="1"/>
+          </p:cNvPicPr>
+          <p:nvPr>
+            <p:ph idx="1"/>
+          </p:nvPr>
+        </p:nvPicPr>
+        <p:blipFill>
+          <a:blip r:embed="rId2" cstate="print"/>
+          <a:stretch>
+            <a:fillRect/>
+          </a:stretch>
+        </p:blipFill>
+        <p:spPr>
+          <a:xfrm>
+            <a:off x="285720" y="1454286"/>
+            <a:ext cx="8572560" cy="5119552"/>
+          </a:xfrm>
+        </p:spPr>
+      </p:pic>
+    </p:spTree>
+  </p:cSld>
+  <p:clrMapOvr>
+    <a:masterClrMapping/>
+  </p:clrMapOvr>
+</p:sld>
+</file>
+
+<file path=ppt/slides/slide12.xml><?xml version="1.0" encoding="utf-8"?>
+<p:sld xmlns:a="http://schemas.openxmlformats.org/drawingml/2006/main" xmlns:r="http://schemas.openxmlformats.org/officeDocument/2006/relationships" xmlns:p="http://schemas.openxmlformats.org/presentationml/2006/main">
+  <p:cSld>
+    <p:spTree>
+      <p:nvGrpSpPr>
+        <p:cNvPr id="1" name=""/>
+        <p:cNvGrpSpPr/>
+        <p:nvPr/>
+      </p:nvGrpSpPr>
+      <p:grpSpPr>
+        <a:xfrm>
+          <a:off x="0" y="0"/>
+          <a:ext cx="0" cy="0"/>
+          <a:chOff x="0" y="0"/>
+          <a:chExt cx="0" cy="0"/>
+        </a:xfrm>
+      </p:grpSpPr>
+      <p:sp>
+        <p:nvSpPr>
+          <p:cNvPr id="2" name="Заголовок 1"/>
+          <p:cNvSpPr>
+            <a:spLocks noGrp="1"/>
+          </p:cNvSpPr>
+          <p:nvPr>
+            <p:ph type="title"/>
+          </p:nvPr>
+        </p:nvSpPr>
+        <p:spPr>
+          <a:xfrm>
+            <a:off x="457200" y="642918"/>
+            <a:ext cx="8229600" cy="714380"/>
+          </a:xfrm>
+        </p:spPr>
+        <p:txBody>
+          <a:bodyPr>
+            <a:normAutofit/>
+          </a:bodyPr>
+          <a:lstStyle/>
+          <a:p>
+            <a:r>
+              <a:rPr lang="ru-RU" sz="3200" dirty="0" smtClean="0"/>
+              <a:t>Интерфейс имитатора станции</a:t>
+            </a:r>
+            <a:endParaRPr lang="ru-RU" sz="3200" dirty="0"/>
+          </a:p>
+        </p:txBody>
+      </p:sp>
+      <p:pic>
+        <p:nvPicPr>
+          <p:cNvPr id="4" name="Содержимое 3" descr="Интерфейс Иммитатор.jpg"/>
+          <p:cNvPicPr>
+            <a:picLocks noGrp="1" noChangeAspect="1"/>
+          </p:cNvPicPr>
+          <p:nvPr>
+            <p:ph idx="1"/>
+          </p:nvPr>
+        </p:nvPicPr>
+        <p:blipFill>
+          <a:blip r:embed="rId2" cstate="print"/>
+          <a:stretch>
+            <a:fillRect/>
+          </a:stretch>
+        </p:blipFill>
+        <p:spPr>
+          <a:xfrm>
+            <a:off x="357158" y="1346808"/>
+            <a:ext cx="8429684" cy="5227029"/>
+          </a:xfrm>
+        </p:spPr>
+      </p:pic>
+    </p:spTree>
+  </p:cSld>
+  <p:clrMapOvr>
+    <a:masterClrMapping/>
+  </p:clrMapOvr>
+</p:sld>
+</file>
+
+<file path=ppt/slides/slide13.xml><?xml version="1.0" encoding="utf-8"?>
+<p:sld xmlns:a="http://schemas.openxmlformats.org/drawingml/2006/main" xmlns:r="http://schemas.openxmlformats.org/officeDocument/2006/relationships" xmlns:p="http://schemas.openxmlformats.org/presentationml/2006/main">
+  <p:cSld>
+    <p:spTree>
+      <p:nvGrpSpPr>
+        <p:cNvPr id="1" name=""/>
+        <p:cNvGrpSpPr/>
+        <p:nvPr/>
+      </p:nvGrpSpPr>
+      <p:grpSpPr>
+        <a:xfrm>
+          <a:off x="0" y="0"/>
+          <a:ext cx="0" cy="0"/>
+          <a:chOff x="0" y="0"/>
+          <a:chExt cx="0" cy="0"/>
+        </a:xfrm>
+      </p:grpSpPr>
+      <p:sp>
+        <p:nvSpPr>
+          <p:cNvPr id="2" name="Заголовок 1"/>
+          <p:cNvSpPr>
+            <a:spLocks noGrp="1"/>
+          </p:cNvSpPr>
+          <p:nvPr>
+            <p:ph type="title"/>
+          </p:nvPr>
+        </p:nvSpPr>
+        <p:spPr>
+          <a:xfrm>
+            <a:off x="457200" y="642918"/>
+            <a:ext cx="8229600" cy="642942"/>
+          </a:xfrm>
+        </p:spPr>
+        <p:txBody>
+          <a:bodyPr>
+            <a:normAutofit/>
+          </a:bodyPr>
+          <a:lstStyle/>
+          <a:p>
+            <a:r>
+              <a:rPr lang="ru-RU" sz="3200" dirty="0" smtClean="0"/>
+              <a:t>Организационно – экономическая часть</a:t>
+            </a:r>
+            <a:endParaRPr lang="ru-RU" sz="3200" dirty="0"/>
+          </a:p>
+        </p:txBody>
+      </p:sp>
+      <p:pic>
+        <p:nvPicPr>
+          <p:cNvPr id="4" name="Содержимое 3" descr="Листы_temp(10).jpg"/>
+          <p:cNvPicPr>
+            <a:picLocks noGrp="1" noChangeAspect="1"/>
+          </p:cNvPicPr>
+          <p:nvPr>
+            <p:ph idx="1"/>
+          </p:nvPr>
+        </p:nvPicPr>
+        <p:blipFill>
+          <a:blip r:embed="rId2" cstate="print"/>
+          <a:stretch>
+            <a:fillRect/>
+          </a:stretch>
+        </p:blipFill>
+        <p:spPr>
+          <a:xfrm>
+            <a:off x="285720" y="1336456"/>
+            <a:ext cx="8538581" cy="5237384"/>
+          </a:xfrm>
+        </p:spPr>
+      </p:pic>
+    </p:spTree>
+  </p:cSld>
+  <p:clrMapOvr>
+    <a:masterClrMapping/>
+  </p:clrMapOvr>
+</p:sld>
+</file>
+
+<file path=ppt/slides/slide14.xml><?xml version="1.0" encoding="utf-8"?>
+<p:sld xmlns:a="http://schemas.openxmlformats.org/drawingml/2006/main" xmlns:r="http://schemas.openxmlformats.org/officeDocument/2006/relationships" xmlns:p="http://schemas.openxmlformats.org/presentationml/2006/main">
+  <p:cSld>
+    <p:spTree>
+      <p:nvGrpSpPr>
+        <p:cNvPr id="1" name=""/>
+        <p:cNvGrpSpPr/>
+        <p:nvPr/>
+      </p:nvGrpSpPr>
+      <p:grpSpPr>
+        <a:xfrm>
+          <a:off x="0" y="0"/>
+          <a:ext cx="0" cy="0"/>
+          <a:chOff x="0" y="0"/>
+          <a:chExt cx="0" cy="0"/>
+        </a:xfrm>
+      </p:grpSpPr>
+      <p:sp>
+        <p:nvSpPr>
+          <p:cNvPr id="2" name="Заголовок 1"/>
+          <p:cNvSpPr>
+            <a:spLocks noGrp="1"/>
+          </p:cNvSpPr>
+          <p:nvPr>
+            <p:ph type="title"/>
+          </p:nvPr>
+        </p:nvSpPr>
+        <p:spPr>
+          <a:xfrm>
+            <a:off x="457200" y="1143000"/>
+            <a:ext cx="8229600" cy="4071950"/>
+          </a:xfrm>
+        </p:spPr>
+        <p:txBody>
+          <a:bodyPr/>
+          <a:lstStyle/>
+          <a:p>
+            <a:pPr algn="ctr"/>
+            <a:r>
+              <a:rPr lang="ru-RU" dirty="0" smtClean="0"/>
+              <a:t>Спасибо за внимание!</a:t>
+            </a:r>
+            <a:endParaRPr lang="ru-RU" dirty="0"/>
+          </a:p>
+        </p:txBody>
+      </p:sp>
+    </p:spTree>
+  </p:cSld>
+  <p:clrMapOvr>
+    <a:masterClrMapping/>
+  </p:clrMapOvr>
+</p:sld>
+</file>
+
 <file path=ppt/slides/slide2.xml><?xml version="1.0" encoding="utf-8"?>
 <p:sld xmlns:a="http://schemas.openxmlformats.org/drawingml/2006/main" xmlns:r="http://schemas.openxmlformats.org/officeDocument/2006/relationships" xmlns:p="http://schemas.openxmlformats.org/presentationml/2006/main">
   <p:cSld>
@@ -5168,21 +5549,21 @@
         <p:spPr>
           <a:xfrm>
             <a:off x="457200" y="642918"/>
-            <a:ext cx="8229600" cy="857256"/>
+            <a:ext cx="8229600" cy="1357322"/>
           </a:xfrm>
         </p:spPr>
         <p:txBody>
           <a:bodyPr>
-            <a:normAutofit fontScale="90000"/>
+            <a:noAutofit/>
           </a:bodyPr>
           <a:lstStyle/>
           <a:p>
             <a:pPr algn="ctr"/>
             <a:r>
-              <a:rPr lang="ru-RU" dirty="0" smtClean="0"/>
+              <a:rPr lang="ru-RU" sz="3800" dirty="0" smtClean="0"/>
               <a:t>Задачи дипломного проектирования</a:t>
             </a:r>
-            <a:endParaRPr lang="ru-RU" dirty="0"/>
+            <a:endParaRPr lang="ru-RU" sz="3800" dirty="0"/>
           </a:p>
         </p:txBody>
       </p:sp>
@@ -5198,13 +5579,13 @@
         </p:nvSpPr>
         <p:spPr>
           <a:xfrm>
-            <a:off x="457200" y="1571612"/>
-            <a:ext cx="8229600" cy="4643470"/>
+            <a:off x="457200" y="2071678"/>
+            <a:ext cx="8229600" cy="4143404"/>
           </a:xfrm>
         </p:spPr>
         <p:txBody>
           <a:bodyPr>
-            <a:normAutofit/>
+            <a:normAutofit lnSpcReduction="10000"/>
           </a:bodyPr>
           <a:lstStyle/>
           <a:p>
@@ -5420,10 +5801,10 @@
           <a:lstStyle/>
           <a:p>
             <a:r>
-              <a:rPr lang="ru-RU" sz="3400" dirty="0" smtClean="0"/>
+              <a:rPr lang="ru-RU" sz="3200" dirty="0" smtClean="0"/>
               <a:t>Структура разработанной системы МПЦ</a:t>
             </a:r>
-            <a:endParaRPr lang="ru-RU" sz="3400" dirty="0"/>
+            <a:endParaRPr lang="ru-RU" sz="3200" dirty="0"/>
           </a:p>
         </p:txBody>
       </p:sp>
@@ -5495,7 +5876,7 @@
         <p:spPr>
           <a:xfrm>
             <a:off x="457200" y="642918"/>
-            <a:ext cx="8229600" cy="1071570"/>
+            <a:ext cx="8229600" cy="928694"/>
           </a:xfrm>
         </p:spPr>
         <p:txBody>
@@ -5505,10 +5886,10 @@
           <a:lstStyle/>
           <a:p>
             <a:r>
-              <a:rPr lang="ru-RU" sz="3400" dirty="0" smtClean="0"/>
+              <a:rPr lang="ru-RU" sz="3200" dirty="0" smtClean="0"/>
               <a:t>Структура программного обеспечения</a:t>
             </a:r>
-            <a:endParaRPr lang="ru-RU" sz="3400" dirty="0"/>
+            <a:endParaRPr lang="ru-RU" sz="3200" dirty="0"/>
           </a:p>
         </p:txBody>
       </p:sp>
@@ -5590,10 +5971,10 @@
           <a:lstStyle/>
           <a:p>
             <a:r>
-              <a:rPr lang="ru-RU" sz="3400" dirty="0" smtClean="0"/>
+              <a:rPr lang="ru-RU" sz="3200" dirty="0" smtClean="0"/>
               <a:t>Протокол обмена данными </a:t>
             </a:r>
-            <a:endParaRPr lang="ru-RU" sz="3400" dirty="0"/>
+            <a:endParaRPr lang="ru-RU" sz="3200" dirty="0"/>
           </a:p>
         </p:txBody>
       </p:sp>
@@ -5615,8 +5996,271 @@
         </p:blipFill>
         <p:spPr>
           <a:xfrm>
-            <a:off x="457200" y="1714489"/>
-            <a:ext cx="8401080" cy="4500594"/>
+            <a:off x="457200" y="1643050"/>
+            <a:ext cx="8401080" cy="4572033"/>
+          </a:xfrm>
+        </p:spPr>
+      </p:pic>
+    </p:spTree>
+  </p:cSld>
+  <p:clrMapOvr>
+    <a:masterClrMapping/>
+  </p:clrMapOvr>
+  <p:timing>
+    <p:tnLst>
+      <p:par>
+        <p:cTn id="1" dur="indefinite" restart="never" nodeType="tmRoot"/>
+      </p:par>
+    </p:tnLst>
+  </p:timing>
+</p:sld>
+</file>
+
+<file path=ppt/slides/slide7.xml><?xml version="1.0" encoding="utf-8"?>
+<p:sld xmlns:a="http://schemas.openxmlformats.org/drawingml/2006/main" xmlns:r="http://schemas.openxmlformats.org/officeDocument/2006/relationships" xmlns:p="http://schemas.openxmlformats.org/presentationml/2006/main">
+  <p:cSld>
+    <p:spTree>
+      <p:nvGrpSpPr>
+        <p:cNvPr id="1" name=""/>
+        <p:cNvGrpSpPr/>
+        <p:nvPr/>
+      </p:nvGrpSpPr>
+      <p:grpSpPr>
+        <a:xfrm>
+          <a:off x="0" y="0"/>
+          <a:ext cx="0" cy="0"/>
+          <a:chOff x="0" y="0"/>
+          <a:chExt cx="0" cy="0"/>
+        </a:xfrm>
+      </p:grpSpPr>
+      <p:sp>
+        <p:nvSpPr>
+          <p:cNvPr id="2" name="Заголовок 1"/>
+          <p:cNvSpPr>
+            <a:spLocks noGrp="1"/>
+          </p:cNvSpPr>
+          <p:nvPr>
+            <p:ph type="title"/>
+          </p:nvPr>
+        </p:nvSpPr>
+        <p:spPr>
+          <a:xfrm>
+            <a:off x="457200" y="642918"/>
+            <a:ext cx="8229600" cy="785818"/>
+          </a:xfrm>
+        </p:spPr>
+        <p:txBody>
+          <a:bodyPr>
+            <a:noAutofit/>
+          </a:bodyPr>
+          <a:lstStyle/>
+          <a:p>
+            <a:r>
+              <a:rPr lang="ru-RU" sz="2800" dirty="0" smtClean="0"/>
+              <a:t>Структура технического приложения при ручном кодировании алгоритмов</a:t>
+            </a:r>
+            <a:endParaRPr lang="ru-RU" sz="2800" dirty="0"/>
+          </a:p>
+        </p:txBody>
+      </p:sp>
+      <p:pic>
+        <p:nvPicPr>
+          <p:cNvPr id="6" name="Содержимое 5" descr="Листы_temp(5).jpg"/>
+          <p:cNvPicPr>
+            <a:picLocks noGrp="1" noChangeAspect="1"/>
+          </p:cNvPicPr>
+          <p:nvPr>
+            <p:ph idx="1"/>
+          </p:nvPr>
+        </p:nvPicPr>
+        <p:blipFill>
+          <a:blip r:embed="rId2" cstate="print"/>
+          <a:stretch>
+            <a:fillRect/>
+          </a:stretch>
+        </p:blipFill>
+        <p:spPr>
+          <a:xfrm>
+            <a:off x="1142976" y="1624864"/>
+            <a:ext cx="7072362" cy="4948974"/>
+          </a:xfrm>
+        </p:spPr>
+      </p:pic>
+    </p:spTree>
+  </p:cSld>
+  <p:clrMapOvr>
+    <a:masterClrMapping/>
+  </p:clrMapOvr>
+  <p:timing>
+    <p:tnLst>
+      <p:par>
+        <p:cTn id="1" dur="indefinite" restart="never" nodeType="tmRoot"/>
+      </p:par>
+    </p:tnLst>
+  </p:timing>
+</p:sld>
+</file>
+
+<file path=ppt/slides/slide8.xml><?xml version="1.0" encoding="utf-8"?>
+<p:sld xmlns:a="http://schemas.openxmlformats.org/drawingml/2006/main" xmlns:r="http://schemas.openxmlformats.org/officeDocument/2006/relationships" xmlns:p="http://schemas.openxmlformats.org/presentationml/2006/main">
+  <p:cSld>
+    <p:spTree>
+      <p:nvGrpSpPr>
+        <p:cNvPr id="1" name=""/>
+        <p:cNvGrpSpPr/>
+        <p:nvPr/>
+      </p:nvGrpSpPr>
+      <p:grpSpPr>
+        <a:xfrm>
+          <a:off x="0" y="0"/>
+          <a:ext cx="0" cy="0"/>
+          <a:chOff x="0" y="0"/>
+          <a:chExt cx="0" cy="0"/>
+        </a:xfrm>
+      </p:grpSpPr>
+      <p:sp>
+        <p:nvSpPr>
+          <p:cNvPr id="2" name="Заголовок 1"/>
+          <p:cNvSpPr>
+            <a:spLocks noGrp="1"/>
+          </p:cNvSpPr>
+          <p:nvPr>
+            <p:ph type="title"/>
+          </p:nvPr>
+        </p:nvSpPr>
+        <p:spPr>
+          <a:xfrm>
+            <a:off x="457200" y="642918"/>
+            <a:ext cx="8229600" cy="928694"/>
+          </a:xfrm>
+        </p:spPr>
+        <p:txBody>
+          <a:bodyPr>
+            <a:noAutofit/>
+          </a:bodyPr>
+          <a:lstStyle/>
+          <a:p>
+            <a:r>
+              <a:rPr lang="ru-RU" sz="3200" dirty="0" smtClean="0"/>
+              <a:t>Автоматизированное кодирование алгоритмов</a:t>
+            </a:r>
+            <a:endParaRPr lang="ru-RU" sz="3200" dirty="0"/>
+          </a:p>
+        </p:txBody>
+      </p:sp>
+      <p:pic>
+        <p:nvPicPr>
+          <p:cNvPr id="4" name="Содержимое 3" descr="Листы_temp(6).jpg"/>
+          <p:cNvPicPr>
+            <a:picLocks noGrp="1" noChangeAspect="1"/>
+          </p:cNvPicPr>
+          <p:nvPr>
+            <p:ph idx="1"/>
+          </p:nvPr>
+        </p:nvPicPr>
+        <p:blipFill>
+          <a:blip r:embed="rId2" cstate="print"/>
+          <a:stretch>
+            <a:fillRect/>
+          </a:stretch>
+        </p:blipFill>
+        <p:spPr>
+          <a:xfrm>
+            <a:off x="1071538" y="1643050"/>
+            <a:ext cx="7143799" cy="4930788"/>
+          </a:xfrm>
+        </p:spPr>
+      </p:pic>
+    </p:spTree>
+  </p:cSld>
+  <p:clrMapOvr>
+    <a:masterClrMapping/>
+  </p:clrMapOvr>
+  <p:timing>
+    <p:tnLst>
+      <p:par>
+        <p:cTn id="1" dur="indefinite" restart="never" nodeType="tmRoot"/>
+      </p:par>
+    </p:tnLst>
+  </p:timing>
+</p:sld>
+</file>
+
+<file path=ppt/slides/slide9.xml><?xml version="1.0" encoding="utf-8"?>
+<p:sld xmlns:a="http://schemas.openxmlformats.org/drawingml/2006/main" xmlns:r="http://schemas.openxmlformats.org/officeDocument/2006/relationships" xmlns:p="http://schemas.openxmlformats.org/presentationml/2006/main">
+  <p:cSld>
+    <p:spTree>
+      <p:nvGrpSpPr>
+        <p:cNvPr id="1" name=""/>
+        <p:cNvGrpSpPr/>
+        <p:nvPr/>
+      </p:nvGrpSpPr>
+      <p:grpSpPr>
+        <a:xfrm>
+          <a:off x="0" y="0"/>
+          <a:ext cx="0" cy="0"/>
+          <a:chOff x="0" y="0"/>
+          <a:chExt cx="0" cy="0"/>
+        </a:xfrm>
+      </p:grpSpPr>
+      <p:sp>
+        <p:nvSpPr>
+          <p:cNvPr id="2" name="Заголовок 1"/>
+          <p:cNvSpPr>
+            <a:spLocks noGrp="1"/>
+          </p:cNvSpPr>
+          <p:nvPr>
+            <p:ph type="title"/>
+          </p:nvPr>
+        </p:nvSpPr>
+        <p:spPr>
+          <a:xfrm>
+            <a:off x="457200" y="642918"/>
+            <a:ext cx="8229600" cy="1000132"/>
+          </a:xfrm>
+        </p:spPr>
+        <p:txBody>
+          <a:bodyPr>
+            <a:normAutofit/>
+          </a:bodyPr>
+          <a:lstStyle/>
+          <a:p>
+            <a:r>
+              <a:rPr lang="ru-RU" sz="2800" dirty="0" smtClean="0"/>
+              <a:t>Структура технического приложения при </a:t>
+            </a:r>
+            <a:r>
+              <a:rPr lang="ru-RU" sz="2800" dirty="0" smtClean="0"/>
+              <a:t>автоматизированном </a:t>
+            </a:r>
+            <a:r>
+              <a:rPr lang="ru-RU" sz="2800" dirty="0" smtClean="0"/>
+              <a:t>кодировании алгоритмов</a:t>
+            </a:r>
+            <a:endParaRPr lang="ru-RU" sz="2800" dirty="0"/>
+          </a:p>
+        </p:txBody>
+      </p:sp>
+      <p:pic>
+        <p:nvPicPr>
+          <p:cNvPr id="4" name="Содержимое 3" descr="Листы_temp(7).jpg"/>
+          <p:cNvPicPr>
+            <a:picLocks noGrp="1" noChangeAspect="1"/>
+          </p:cNvPicPr>
+          <p:nvPr>
+            <p:ph idx="1"/>
+          </p:nvPr>
+        </p:nvPicPr>
+        <p:blipFill>
+          <a:blip r:embed="rId2" cstate="print"/>
+          <a:stretch>
+            <a:fillRect/>
+          </a:stretch>
+        </p:blipFill>
+        <p:spPr>
+          <a:xfrm>
+            <a:off x="2000232" y="1571613"/>
+            <a:ext cx="5357850" cy="5072098"/>
           </a:xfrm>
         </p:spPr>
       </p:pic>

--- a/Диплом мой/Презентация/Presentation_Filatov_RK6-123.pptx
+++ b/Диплом мой/Презентация/Presentation_Filatov_RK6-123.pptx
@@ -1,14 +1,14 @@
 
 <file path=ppt/presentation.xml><?xml version="1.0" encoding="utf-8"?>
-<p:presentation xmlns:a="http://schemas.openxmlformats.org/drawingml/2006/main" xmlns:r="http://schemas.openxmlformats.org/officeDocument/2006/relationships" xmlns:p="http://schemas.openxmlformats.org/presentationml/2006/main" saveSubsetFonts="1">
+<p:presentation xmlns:a="http://schemas.openxmlformats.org/drawingml/2006/main" xmlns:r="http://schemas.openxmlformats.org/officeDocument/2006/relationships" xmlns:p="http://schemas.openxmlformats.org/presentationml/2006/main" showSpecialPlsOnTitleSld="0" saveSubsetFonts="1">
   <p:sldMasterIdLst>
     <p:sldMasterId id="2147483660" r:id="rId1"/>
   </p:sldMasterIdLst>
   <p:notesMasterIdLst>
-    <p:notesMasterId r:id="rId16"/>
+    <p:notesMasterId r:id="rId17"/>
   </p:notesMasterIdLst>
   <p:handoutMasterIdLst>
-    <p:handoutMasterId r:id="rId17"/>
+    <p:handoutMasterId r:id="rId18"/>
   </p:handoutMasterIdLst>
   <p:sldIdLst>
     <p:sldId id="256" r:id="rId2"/>
@@ -24,7 +24,8 @@
     <p:sldId id="266" r:id="rId12"/>
     <p:sldId id="267" r:id="rId13"/>
     <p:sldId id="268" r:id="rId14"/>
-    <p:sldId id="269" r:id="rId15"/>
+    <p:sldId id="270" r:id="rId15"/>
+    <p:sldId id="269" r:id="rId16"/>
   </p:sldIdLst>
   <p:sldSz cx="9144000" cy="6858000" type="screen4x3"/>
   <p:notesSz cx="6858000" cy="9144000"/>
@@ -208,7 +209,8 @@
           <a:p>
             <a:fld id="{E0849B89-1FF6-4C86-913D-2041E081409D}" type="datetimeFigureOut">
               <a:rPr lang="ru-RU" smtClean="0"/>
-              <a:t>12.06.2015</a:t>
+              <a:pPr/>
+              <a:t>13.06.2015</a:t>
             </a:fld>
             <a:endParaRPr lang="ru-RU"/>
           </a:p>
@@ -274,6 +276,7 @@
           <a:p>
             <a:fld id="{57235A1C-442F-4BA9-8695-B49D8E0F4FFE}" type="slidenum">
               <a:rPr lang="ru-RU" smtClean="0"/>
+              <a:pPr/>
               <a:t>‹#›</a:t>
             </a:fld>
             <a:endParaRPr lang="ru-RU"/>
@@ -368,7 +371,8 @@
           <a:p>
             <a:fld id="{B1730844-14C6-48C0-A5D6-3038B5537A2D}" type="datetimeFigureOut">
               <a:rPr lang="ru-RU" smtClean="0"/>
-              <a:t>12.06.2015</a:t>
+              <a:pPr/>
+              <a:t>13.06.2015</a:t>
             </a:fld>
             <a:endParaRPr lang="ru-RU"/>
           </a:p>
@@ -529,6 +533,7 @@
           <a:p>
             <a:fld id="{89B21455-E0D5-40E1-8154-12887F6AA80C}" type="slidenum">
               <a:rPr lang="ru-RU" smtClean="0"/>
+              <a:pPr/>
               <a:t>‹#›</a:t>
             </a:fld>
             <a:endParaRPr lang="ru-RU"/>
@@ -732,7 +737,817 @@
           <a:p>
             <a:fld id="{89B21455-E0D5-40E1-8154-12887F6AA80C}" type="slidenum">
               <a:rPr lang="ru-RU" smtClean="0"/>
+              <a:pPr/>
               <a:t>1</a:t>
+            </a:fld>
+            <a:endParaRPr lang="ru-RU"/>
+          </a:p>
+        </p:txBody>
+      </p:sp>
+    </p:spTree>
+  </p:cSld>
+  <p:clrMapOvr>
+    <a:masterClrMapping/>
+  </p:clrMapOvr>
+</p:notes>
+</file>
+
+<file path=ppt/notesSlides/notesSlide10.xml><?xml version="1.0" encoding="utf-8"?>
+<p:notes xmlns:a="http://schemas.openxmlformats.org/drawingml/2006/main" xmlns:r="http://schemas.openxmlformats.org/officeDocument/2006/relationships" xmlns:p="http://schemas.openxmlformats.org/presentationml/2006/main">
+  <p:cSld>
+    <p:spTree>
+      <p:nvGrpSpPr>
+        <p:cNvPr id="1" name=""/>
+        <p:cNvGrpSpPr/>
+        <p:nvPr/>
+      </p:nvGrpSpPr>
+      <p:grpSpPr>
+        <a:xfrm>
+          <a:off x="0" y="0"/>
+          <a:ext cx="0" cy="0"/>
+          <a:chOff x="0" y="0"/>
+          <a:chExt cx="0" cy="0"/>
+        </a:xfrm>
+      </p:grpSpPr>
+      <p:sp>
+        <p:nvSpPr>
+          <p:cNvPr id="2" name="Образ слайда 1"/>
+          <p:cNvSpPr>
+            <a:spLocks noGrp="1" noRot="1" noChangeAspect="1"/>
+          </p:cNvSpPr>
+          <p:nvPr>
+            <p:ph type="sldImg"/>
+          </p:nvPr>
+        </p:nvSpPr>
+        <p:spPr/>
+      </p:sp>
+      <p:sp>
+        <p:nvSpPr>
+          <p:cNvPr id="3" name="Заметки 2"/>
+          <p:cNvSpPr>
+            <a:spLocks noGrp="1"/>
+          </p:cNvSpPr>
+          <p:nvPr>
+            <p:ph type="body" idx="1"/>
+          </p:nvPr>
+        </p:nvSpPr>
+        <p:spPr/>
+        <p:txBody>
+          <a:bodyPr>
+            <a:normAutofit/>
+          </a:bodyPr>
+          <a:lstStyle/>
+          <a:p>
+            <a:r>
+              <a:rPr lang="ru-RU" dirty="0" smtClean="0"/>
+              <a:t>На слайде</a:t>
+            </a:r>
+            <a:r>
+              <a:rPr lang="ru-RU" baseline="0" dirty="0" smtClean="0"/>
+              <a:t> </a:t>
+            </a:r>
+            <a:r>
+              <a:rPr lang="ru-RU" dirty="0" smtClean="0"/>
+              <a:t>представлен интерфейс программы редактора внешних связей, которая предназначена для создания схемы БМРЦ станции.</a:t>
+            </a:r>
+          </a:p>
+          <a:p>
+            <a:r>
+              <a:rPr lang="ru-RU" dirty="0" smtClean="0"/>
+              <a:t>Функционал каждого элемента схемы БМРЦ доступен</a:t>
+            </a:r>
+            <a:r>
+              <a:rPr lang="ru-RU" baseline="0" dirty="0" smtClean="0"/>
+              <a:t> по правому клику по нему.</a:t>
+            </a:r>
+            <a:endParaRPr lang="ru-RU" dirty="0" smtClean="0"/>
+          </a:p>
+          <a:p>
+            <a:endParaRPr lang="ru-RU" dirty="0"/>
+          </a:p>
+        </p:txBody>
+      </p:sp>
+      <p:sp>
+        <p:nvSpPr>
+          <p:cNvPr id="4" name="Номер слайда 3"/>
+          <p:cNvSpPr>
+            <a:spLocks noGrp="1"/>
+          </p:cNvSpPr>
+          <p:nvPr>
+            <p:ph type="sldNum" sz="quarter" idx="10"/>
+          </p:nvPr>
+        </p:nvSpPr>
+        <p:spPr/>
+        <p:txBody>
+          <a:bodyPr/>
+          <a:lstStyle/>
+          <a:p>
+            <a:fld id="{89B21455-E0D5-40E1-8154-12887F6AA80C}" type="slidenum">
+              <a:rPr lang="ru-RU" smtClean="0"/>
+              <a:pPr/>
+              <a:t>10</a:t>
+            </a:fld>
+            <a:endParaRPr lang="ru-RU"/>
+          </a:p>
+        </p:txBody>
+      </p:sp>
+    </p:spTree>
+  </p:cSld>
+  <p:clrMapOvr>
+    <a:masterClrMapping/>
+  </p:clrMapOvr>
+</p:notes>
+</file>
+
+<file path=ppt/notesSlides/notesSlide11.xml><?xml version="1.0" encoding="utf-8"?>
+<p:notes xmlns:a="http://schemas.openxmlformats.org/drawingml/2006/main" xmlns:r="http://schemas.openxmlformats.org/officeDocument/2006/relationships" xmlns:p="http://schemas.openxmlformats.org/presentationml/2006/main">
+  <p:cSld>
+    <p:spTree>
+      <p:nvGrpSpPr>
+        <p:cNvPr id="1" name=""/>
+        <p:cNvGrpSpPr/>
+        <p:nvPr/>
+      </p:nvGrpSpPr>
+      <p:grpSpPr>
+        <a:xfrm>
+          <a:off x="0" y="0"/>
+          <a:ext cx="0" cy="0"/>
+          <a:chOff x="0" y="0"/>
+          <a:chExt cx="0" cy="0"/>
+        </a:xfrm>
+      </p:grpSpPr>
+      <p:sp>
+        <p:nvSpPr>
+          <p:cNvPr id="2" name="Образ слайда 1"/>
+          <p:cNvSpPr>
+            <a:spLocks noGrp="1" noRot="1" noChangeAspect="1"/>
+          </p:cNvSpPr>
+          <p:nvPr>
+            <p:ph type="sldImg"/>
+          </p:nvPr>
+        </p:nvSpPr>
+        <p:spPr/>
+      </p:sp>
+      <p:sp>
+        <p:nvSpPr>
+          <p:cNvPr id="3" name="Заметки 2"/>
+          <p:cNvSpPr>
+            <a:spLocks noGrp="1"/>
+          </p:cNvSpPr>
+          <p:nvPr>
+            <p:ph type="body" idx="1"/>
+          </p:nvPr>
+        </p:nvSpPr>
+        <p:spPr/>
+        <p:txBody>
+          <a:bodyPr>
+            <a:normAutofit/>
+          </a:bodyPr>
+          <a:lstStyle/>
+          <a:p>
+            <a:r>
+              <a:rPr lang="ru-RU" sz="1200" kern="1200" dirty="0" smtClean="0">
+                <a:solidFill>
+                  <a:schemeClr val="tx1"/>
+                </a:solidFill>
+                <a:latin typeface="+mn-lt"/>
+                <a:ea typeface="+mn-ea"/>
+                <a:cs typeface="+mn-cs"/>
+              </a:rPr>
+              <a:t>Интерфейс рабочего места диспетчера разработан полностью в соответствии с железнодорожной тематикой. </a:t>
+            </a:r>
+            <a:endParaRPr lang="ru-RU" sz="1200" kern="1200" baseline="0" dirty="0" smtClean="0">
+              <a:solidFill>
+                <a:schemeClr val="tx1"/>
+              </a:solidFill>
+              <a:latin typeface="+mn-lt"/>
+              <a:ea typeface="+mn-ea"/>
+              <a:cs typeface="+mn-cs"/>
+            </a:endParaRPr>
+          </a:p>
+          <a:p>
+            <a:r>
+              <a:rPr lang="ru-RU" sz="1200" kern="1200" dirty="0" smtClean="0">
+                <a:solidFill>
+                  <a:schemeClr val="tx1"/>
+                </a:solidFill>
+                <a:latin typeface="+mn-lt"/>
+                <a:ea typeface="+mn-ea"/>
+                <a:cs typeface="+mn-cs"/>
+              </a:rPr>
+              <a:t>В системе предусмотрено включение и отключение режимов автоблокировки (кнопки АБ) и </a:t>
+            </a:r>
+            <a:r>
+              <a:rPr lang="ru-RU" sz="1200" kern="1200" dirty="0" err="1" smtClean="0">
+                <a:solidFill>
+                  <a:schemeClr val="tx1"/>
+                </a:solidFill>
+                <a:latin typeface="+mn-lt"/>
+                <a:ea typeface="+mn-ea"/>
+                <a:cs typeface="+mn-cs"/>
+              </a:rPr>
+              <a:t>автодействия</a:t>
+            </a:r>
+            <a:r>
+              <a:rPr lang="ru-RU" sz="1200" kern="1200" dirty="0" smtClean="0">
+                <a:solidFill>
+                  <a:schemeClr val="tx1"/>
+                </a:solidFill>
+                <a:latin typeface="+mn-lt"/>
+                <a:ea typeface="+mn-ea"/>
+                <a:cs typeface="+mn-cs"/>
+              </a:rPr>
+              <a:t> (кнопки АПРИЕМ, АД). </a:t>
+            </a:r>
+            <a:endParaRPr lang="ru-RU" dirty="0" smtClean="0"/>
+          </a:p>
+          <a:p>
+            <a:r>
+              <a:rPr lang="ru-RU" sz="1200" kern="1200" dirty="0" smtClean="0">
+                <a:solidFill>
+                  <a:schemeClr val="tx1"/>
+                </a:solidFill>
+                <a:latin typeface="+mn-lt"/>
+                <a:ea typeface="+mn-ea"/>
+                <a:cs typeface="+mn-cs"/>
+              </a:rPr>
+              <a:t>Автоблокировка</a:t>
+            </a:r>
+            <a:r>
+              <a:rPr lang="ru-RU" sz="1200" b="1" kern="1200" dirty="0" smtClean="0">
+                <a:solidFill>
+                  <a:schemeClr val="tx1"/>
+                </a:solidFill>
+                <a:latin typeface="+mn-lt"/>
+                <a:ea typeface="+mn-ea"/>
+                <a:cs typeface="+mn-cs"/>
+              </a:rPr>
+              <a:t> —</a:t>
+            </a:r>
+            <a:r>
+              <a:rPr lang="ru-RU" sz="1200" kern="1200" dirty="0" smtClean="0">
+                <a:solidFill>
+                  <a:schemeClr val="tx1"/>
+                </a:solidFill>
+                <a:latin typeface="+mn-lt"/>
+                <a:ea typeface="+mn-ea"/>
+                <a:cs typeface="+mn-cs"/>
+              </a:rPr>
+              <a:t> это система автоматического регулирования движением поездов, когда управление сигнальными показаниями светофоров происходит автоматически под воздействием поезда. </a:t>
+            </a:r>
+          </a:p>
+          <a:p>
+            <a:r>
+              <a:rPr lang="ru-RU" sz="1200" kern="1200" dirty="0" err="1" smtClean="0">
+                <a:solidFill>
+                  <a:schemeClr val="tx1"/>
+                </a:solidFill>
+                <a:latin typeface="+mn-lt"/>
+                <a:ea typeface="+mn-ea"/>
+                <a:cs typeface="+mn-cs"/>
+              </a:rPr>
+              <a:t>Автодействие</a:t>
+            </a:r>
+            <a:r>
+              <a:rPr lang="ru-RU" sz="1200" kern="1200" dirty="0" smtClean="0">
+                <a:solidFill>
+                  <a:schemeClr val="tx1"/>
+                </a:solidFill>
+                <a:latin typeface="+mn-lt"/>
+                <a:ea typeface="+mn-ea"/>
+                <a:cs typeface="+mn-cs"/>
+              </a:rPr>
+              <a:t> – режим автоматического циклического задания одного или нескольких маршрутов. </a:t>
+            </a:r>
+            <a:endParaRPr lang="ru-RU" dirty="0" smtClean="0"/>
+          </a:p>
+          <a:p>
+            <a:endParaRPr lang="ru-RU" dirty="0"/>
+          </a:p>
+        </p:txBody>
+      </p:sp>
+      <p:sp>
+        <p:nvSpPr>
+          <p:cNvPr id="4" name="Номер слайда 3"/>
+          <p:cNvSpPr>
+            <a:spLocks noGrp="1"/>
+          </p:cNvSpPr>
+          <p:nvPr>
+            <p:ph type="sldNum" sz="quarter" idx="10"/>
+          </p:nvPr>
+        </p:nvSpPr>
+        <p:spPr/>
+        <p:txBody>
+          <a:bodyPr/>
+          <a:lstStyle/>
+          <a:p>
+            <a:fld id="{89B21455-E0D5-40E1-8154-12887F6AA80C}" type="slidenum">
+              <a:rPr lang="ru-RU" smtClean="0"/>
+              <a:pPr/>
+              <a:t>11</a:t>
+            </a:fld>
+            <a:endParaRPr lang="ru-RU"/>
+          </a:p>
+        </p:txBody>
+      </p:sp>
+    </p:spTree>
+  </p:cSld>
+  <p:clrMapOvr>
+    <a:masterClrMapping/>
+  </p:clrMapOvr>
+</p:notes>
+</file>
+
+<file path=ppt/notesSlides/notesSlide12.xml><?xml version="1.0" encoding="utf-8"?>
+<p:notes xmlns:a="http://schemas.openxmlformats.org/drawingml/2006/main" xmlns:r="http://schemas.openxmlformats.org/officeDocument/2006/relationships" xmlns:p="http://schemas.openxmlformats.org/presentationml/2006/main">
+  <p:cSld>
+    <p:spTree>
+      <p:nvGrpSpPr>
+        <p:cNvPr id="1" name=""/>
+        <p:cNvGrpSpPr/>
+        <p:nvPr/>
+      </p:nvGrpSpPr>
+      <p:grpSpPr>
+        <a:xfrm>
+          <a:off x="0" y="0"/>
+          <a:ext cx="0" cy="0"/>
+          <a:chOff x="0" y="0"/>
+          <a:chExt cx="0" cy="0"/>
+        </a:xfrm>
+      </p:grpSpPr>
+      <p:sp>
+        <p:nvSpPr>
+          <p:cNvPr id="2" name="Образ слайда 1"/>
+          <p:cNvSpPr>
+            <a:spLocks noGrp="1" noRot="1" noChangeAspect="1"/>
+          </p:cNvSpPr>
+          <p:nvPr>
+            <p:ph type="sldImg"/>
+          </p:nvPr>
+        </p:nvSpPr>
+        <p:spPr/>
+      </p:sp>
+      <p:sp>
+        <p:nvSpPr>
+          <p:cNvPr id="3" name="Заметки 2"/>
+          <p:cNvSpPr>
+            <a:spLocks noGrp="1"/>
+          </p:cNvSpPr>
+          <p:nvPr>
+            <p:ph type="body" idx="1"/>
+          </p:nvPr>
+        </p:nvSpPr>
+        <p:spPr/>
+        <p:txBody>
+          <a:bodyPr>
+            <a:normAutofit/>
+          </a:bodyPr>
+          <a:lstStyle/>
+          <a:p>
+            <a:r>
+              <a:rPr lang="ru-RU" dirty="0" smtClean="0"/>
+              <a:t>Имитатор – это программа</a:t>
+            </a:r>
+            <a:r>
+              <a:rPr lang="ru-RU" baseline="0" dirty="0" smtClean="0"/>
+              <a:t> имитирующая состояние поля станции. </a:t>
+            </a:r>
+            <a:r>
+              <a:rPr lang="ru-RU" sz="1200" kern="1200" dirty="0" smtClean="0">
+                <a:solidFill>
+                  <a:schemeClr val="tx1"/>
+                </a:solidFill>
+                <a:latin typeface="+mn-lt"/>
+                <a:ea typeface="+mn-ea"/>
+                <a:cs typeface="+mn-cs"/>
+              </a:rPr>
+              <a:t>Для автоматического тестирования были разработанные специальные методы, моделирующие поведение станции в течение дня. А именно – подача поездов, включение и выключение </a:t>
+            </a:r>
+            <a:r>
+              <a:rPr lang="ru-RU" sz="1200" kern="1200" dirty="0" err="1" smtClean="0">
+                <a:solidFill>
+                  <a:schemeClr val="tx1"/>
+                </a:solidFill>
+                <a:latin typeface="+mn-lt"/>
+                <a:ea typeface="+mn-ea"/>
+                <a:cs typeface="+mn-cs"/>
+              </a:rPr>
+              <a:t>автодействий</a:t>
+            </a:r>
+            <a:r>
+              <a:rPr lang="ru-RU" sz="1200" kern="1200" dirty="0" smtClean="0">
+                <a:solidFill>
+                  <a:schemeClr val="tx1"/>
+                </a:solidFill>
+                <a:latin typeface="+mn-lt"/>
+                <a:ea typeface="+mn-ea"/>
+                <a:cs typeface="+mn-cs"/>
+              </a:rPr>
+              <a:t>, отказ работы стрелок и т.п. </a:t>
+            </a:r>
+          </a:p>
+          <a:p>
+            <a:r>
+              <a:rPr lang="ru-RU" sz="1200" kern="1200" dirty="0" smtClean="0">
+                <a:solidFill>
+                  <a:schemeClr val="tx1"/>
+                </a:solidFill>
+                <a:latin typeface="+mn-lt"/>
+                <a:ea typeface="+mn-ea"/>
+                <a:cs typeface="+mn-cs"/>
+              </a:rPr>
+              <a:t>Программное</a:t>
+            </a:r>
+            <a:r>
+              <a:rPr lang="ru-RU" sz="1200" kern="1200" baseline="0" dirty="0" smtClean="0">
+                <a:solidFill>
+                  <a:schemeClr val="tx1"/>
+                </a:solidFill>
+                <a:latin typeface="+mn-lt"/>
+                <a:ea typeface="+mn-ea"/>
+                <a:cs typeface="+mn-cs"/>
+              </a:rPr>
+              <a:t> обеспечение отработало без сбоев.</a:t>
+            </a:r>
+            <a:endParaRPr lang="ru-RU" dirty="0"/>
+          </a:p>
+        </p:txBody>
+      </p:sp>
+      <p:sp>
+        <p:nvSpPr>
+          <p:cNvPr id="4" name="Номер слайда 3"/>
+          <p:cNvSpPr>
+            <a:spLocks noGrp="1"/>
+          </p:cNvSpPr>
+          <p:nvPr>
+            <p:ph type="sldNum" sz="quarter" idx="10"/>
+          </p:nvPr>
+        </p:nvSpPr>
+        <p:spPr/>
+        <p:txBody>
+          <a:bodyPr/>
+          <a:lstStyle/>
+          <a:p>
+            <a:fld id="{89B21455-E0D5-40E1-8154-12887F6AA80C}" type="slidenum">
+              <a:rPr lang="ru-RU" smtClean="0"/>
+              <a:pPr/>
+              <a:t>12</a:t>
+            </a:fld>
+            <a:endParaRPr lang="ru-RU"/>
+          </a:p>
+        </p:txBody>
+      </p:sp>
+    </p:spTree>
+  </p:cSld>
+  <p:clrMapOvr>
+    <a:masterClrMapping/>
+  </p:clrMapOvr>
+</p:notes>
+</file>
+
+<file path=ppt/notesSlides/notesSlide13.xml><?xml version="1.0" encoding="utf-8"?>
+<p:notes xmlns:a="http://schemas.openxmlformats.org/drawingml/2006/main" xmlns:r="http://schemas.openxmlformats.org/officeDocument/2006/relationships" xmlns:p="http://schemas.openxmlformats.org/presentationml/2006/main">
+  <p:cSld>
+    <p:spTree>
+      <p:nvGrpSpPr>
+        <p:cNvPr id="1" name=""/>
+        <p:cNvGrpSpPr/>
+        <p:nvPr/>
+      </p:nvGrpSpPr>
+      <p:grpSpPr>
+        <a:xfrm>
+          <a:off x="0" y="0"/>
+          <a:ext cx="0" cy="0"/>
+          <a:chOff x="0" y="0"/>
+          <a:chExt cx="0" cy="0"/>
+        </a:xfrm>
+      </p:grpSpPr>
+      <p:sp>
+        <p:nvSpPr>
+          <p:cNvPr id="2" name="Образ слайда 1"/>
+          <p:cNvSpPr>
+            <a:spLocks noGrp="1" noRot="1" noChangeAspect="1"/>
+          </p:cNvSpPr>
+          <p:nvPr>
+            <p:ph type="sldImg"/>
+          </p:nvPr>
+        </p:nvSpPr>
+        <p:spPr/>
+      </p:sp>
+      <p:sp>
+        <p:nvSpPr>
+          <p:cNvPr id="3" name="Заметки 2"/>
+          <p:cNvSpPr>
+            <a:spLocks noGrp="1"/>
+          </p:cNvSpPr>
+          <p:nvPr>
+            <p:ph type="body" idx="1"/>
+          </p:nvPr>
+        </p:nvSpPr>
+        <p:spPr/>
+        <p:txBody>
+          <a:bodyPr>
+            <a:normAutofit/>
+          </a:bodyPr>
+          <a:lstStyle/>
+          <a:p>
+            <a:pPr marL="0" marR="0" indent="0" algn="l" defTabSz="914400" rtl="0" eaLnBrk="1" fontAlgn="auto" latinLnBrk="0" hangingPunct="1">
+              <a:lnSpc>
+                <a:spcPct val="100000"/>
+              </a:lnSpc>
+              <a:spcBef>
+                <a:spcPts val="0"/>
+              </a:spcBef>
+              <a:spcAft>
+                <a:spcPts val="0"/>
+              </a:spcAft>
+              <a:buClrTx/>
+              <a:buSzTx/>
+              <a:buFontTx/>
+              <a:buNone/>
+              <a:tabLst/>
+              <a:defRPr/>
+            </a:pPr>
+            <a:r>
+              <a:rPr lang="ru-RU" sz="1200" kern="1200" dirty="0" smtClean="0">
+                <a:solidFill>
+                  <a:schemeClr val="tx1"/>
+                </a:solidFill>
+                <a:effectLst/>
+                <a:latin typeface="+mn-lt"/>
+                <a:ea typeface="+mn-ea"/>
+                <a:cs typeface="+mn-cs"/>
+              </a:rPr>
+              <a:t>Также в</a:t>
+            </a:r>
+            <a:r>
+              <a:rPr lang="ru-RU" sz="1200" kern="1200" baseline="0" dirty="0" smtClean="0">
+                <a:solidFill>
+                  <a:schemeClr val="tx1"/>
+                </a:solidFill>
+                <a:effectLst/>
+                <a:latin typeface="+mn-lt"/>
+                <a:ea typeface="+mn-ea"/>
+                <a:cs typeface="+mn-cs"/>
+              </a:rPr>
+              <a:t> </a:t>
+            </a:r>
+            <a:r>
+              <a:rPr lang="ru-RU" sz="1200" kern="1200" dirty="0" smtClean="0">
+                <a:solidFill>
+                  <a:schemeClr val="tx1"/>
+                </a:solidFill>
+                <a:effectLst/>
+                <a:latin typeface="+mn-lt"/>
+                <a:ea typeface="+mn-ea"/>
+                <a:cs typeface="+mn-cs"/>
+              </a:rPr>
+              <a:t>дипломном проекте был проведен анализ материальных расходов и затрат времени на разработку программного</a:t>
+            </a:r>
+            <a:r>
+              <a:rPr lang="ru-RU" sz="1200" kern="1200" baseline="0" dirty="0" smtClean="0">
+                <a:solidFill>
+                  <a:schemeClr val="tx1"/>
+                </a:solidFill>
+                <a:effectLst/>
+                <a:latin typeface="+mn-lt"/>
+                <a:ea typeface="+mn-ea"/>
+                <a:cs typeface="+mn-cs"/>
+              </a:rPr>
+              <a:t> обеспечения.</a:t>
+            </a:r>
+          </a:p>
+          <a:p>
+            <a:pPr marL="0" marR="0" indent="0" algn="l" defTabSz="914400" rtl="0" eaLnBrk="1" fontAlgn="auto" latinLnBrk="0" hangingPunct="1">
+              <a:lnSpc>
+                <a:spcPct val="100000"/>
+              </a:lnSpc>
+              <a:spcBef>
+                <a:spcPts val="0"/>
+              </a:spcBef>
+              <a:spcAft>
+                <a:spcPts val="0"/>
+              </a:spcAft>
+              <a:buClrTx/>
+              <a:buSzTx/>
+              <a:buFontTx/>
+              <a:buNone/>
+              <a:tabLst/>
+              <a:defRPr/>
+            </a:pPr>
+            <a:r>
+              <a:rPr lang="ru-RU" sz="1200" kern="1200" baseline="0" dirty="0" smtClean="0">
+                <a:solidFill>
+                  <a:schemeClr val="tx1"/>
+                </a:solidFill>
+                <a:effectLst/>
+                <a:latin typeface="+mn-lt"/>
+                <a:ea typeface="+mn-ea"/>
+                <a:cs typeface="+mn-cs"/>
+              </a:rPr>
+              <a:t>В ходе расчетов выявлено, </a:t>
+            </a:r>
+            <a:r>
+              <a:rPr lang="ru-RU" sz="1200" kern="1200" dirty="0" smtClean="0">
+                <a:solidFill>
+                  <a:schemeClr val="tx1"/>
+                </a:solidFill>
+                <a:latin typeface="+mn-lt"/>
+                <a:ea typeface="+mn-ea"/>
+                <a:cs typeface="+mn-cs"/>
+              </a:rPr>
+              <a:t>что разработка с</a:t>
+            </a:r>
+            <a:r>
+              <a:rPr lang="ru-RU" sz="1200" kern="1200" baseline="0" dirty="0" smtClean="0">
+                <a:solidFill>
+                  <a:schemeClr val="tx1"/>
+                </a:solidFill>
+                <a:latin typeface="+mn-lt"/>
+                <a:ea typeface="+mn-ea"/>
+                <a:cs typeface="+mn-cs"/>
+              </a:rPr>
+              <a:t> учетом </a:t>
+            </a:r>
+            <a:r>
+              <a:rPr lang="ru-RU" sz="1200" kern="1200" dirty="0" smtClean="0">
+                <a:solidFill>
+                  <a:schemeClr val="tx1"/>
+                </a:solidFill>
+                <a:latin typeface="+mn-lt"/>
+                <a:ea typeface="+mn-ea"/>
+                <a:cs typeface="+mn-cs"/>
+              </a:rPr>
+              <a:t>использования</a:t>
+            </a:r>
+            <a:r>
+              <a:rPr lang="ru-RU" sz="1200" kern="1200" baseline="0" dirty="0" smtClean="0">
+                <a:solidFill>
+                  <a:schemeClr val="tx1"/>
+                </a:solidFill>
+                <a:latin typeface="+mn-lt"/>
+                <a:ea typeface="+mn-ea"/>
+                <a:cs typeface="+mn-cs"/>
+              </a:rPr>
+              <a:t> САПР и выполнения в срок,</a:t>
+            </a:r>
+            <a:r>
+              <a:rPr lang="ru-RU" sz="1200" kern="1200" dirty="0" smtClean="0">
+                <a:solidFill>
+                  <a:schemeClr val="tx1"/>
+                </a:solidFill>
+                <a:latin typeface="+mn-lt"/>
+                <a:ea typeface="+mn-ea"/>
+                <a:cs typeface="+mn-cs"/>
+              </a:rPr>
+              <a:t> полностью окупается при установке на малую типовую станцию железнодорожного транспорта в 32 стрелки.</a:t>
+            </a:r>
+            <a:endParaRPr lang="ru-RU" dirty="0" smtClean="0"/>
+          </a:p>
+          <a:p>
+            <a:pPr marL="0" marR="0" indent="0" algn="l" defTabSz="914400" rtl="0" eaLnBrk="1" fontAlgn="auto" latinLnBrk="0" hangingPunct="1">
+              <a:lnSpc>
+                <a:spcPct val="100000"/>
+              </a:lnSpc>
+              <a:spcBef>
+                <a:spcPts val="0"/>
+              </a:spcBef>
+              <a:spcAft>
+                <a:spcPts val="0"/>
+              </a:spcAft>
+              <a:buClrTx/>
+              <a:buSzTx/>
+              <a:buFontTx/>
+              <a:buNone/>
+              <a:tabLst/>
+              <a:defRPr/>
+            </a:pPr>
+            <a:endParaRPr lang="ru-RU" sz="1200" kern="1200" dirty="0" smtClean="0">
+              <a:solidFill>
+                <a:schemeClr val="tx1"/>
+              </a:solidFill>
+              <a:effectLst/>
+              <a:latin typeface="+mn-lt"/>
+              <a:ea typeface="+mn-ea"/>
+              <a:cs typeface="+mn-cs"/>
+            </a:endParaRPr>
+          </a:p>
+          <a:p>
+            <a:endParaRPr lang="ru-RU" dirty="0"/>
+          </a:p>
+        </p:txBody>
+      </p:sp>
+      <p:sp>
+        <p:nvSpPr>
+          <p:cNvPr id="4" name="Номер слайда 3"/>
+          <p:cNvSpPr>
+            <a:spLocks noGrp="1"/>
+          </p:cNvSpPr>
+          <p:nvPr>
+            <p:ph type="sldNum" sz="quarter" idx="10"/>
+          </p:nvPr>
+        </p:nvSpPr>
+        <p:spPr/>
+        <p:txBody>
+          <a:bodyPr/>
+          <a:lstStyle/>
+          <a:p>
+            <a:fld id="{89B21455-E0D5-40E1-8154-12887F6AA80C}" type="slidenum">
+              <a:rPr lang="ru-RU" smtClean="0"/>
+              <a:pPr/>
+              <a:t>13</a:t>
+            </a:fld>
+            <a:endParaRPr lang="ru-RU"/>
+          </a:p>
+        </p:txBody>
+      </p:sp>
+    </p:spTree>
+  </p:cSld>
+  <p:clrMapOvr>
+    <a:masterClrMapping/>
+  </p:clrMapOvr>
+</p:notes>
+</file>
+
+<file path=ppt/notesSlides/notesSlide14.xml><?xml version="1.0" encoding="utf-8"?>
+<p:notes xmlns:a="http://schemas.openxmlformats.org/drawingml/2006/main" xmlns:r="http://schemas.openxmlformats.org/officeDocument/2006/relationships" xmlns:p="http://schemas.openxmlformats.org/presentationml/2006/main">
+  <p:cSld>
+    <p:spTree>
+      <p:nvGrpSpPr>
+        <p:cNvPr id="1" name=""/>
+        <p:cNvGrpSpPr/>
+        <p:nvPr/>
+      </p:nvGrpSpPr>
+      <p:grpSpPr>
+        <a:xfrm>
+          <a:off x="0" y="0"/>
+          <a:ext cx="0" cy="0"/>
+          <a:chOff x="0" y="0"/>
+          <a:chExt cx="0" cy="0"/>
+        </a:xfrm>
+      </p:grpSpPr>
+      <p:sp>
+        <p:nvSpPr>
+          <p:cNvPr id="2" name="Образ слайда 1"/>
+          <p:cNvSpPr>
+            <a:spLocks noGrp="1" noRot="1" noChangeAspect="1"/>
+          </p:cNvSpPr>
+          <p:nvPr>
+            <p:ph type="sldImg"/>
+          </p:nvPr>
+        </p:nvSpPr>
+        <p:spPr/>
+      </p:sp>
+      <p:sp>
+        <p:nvSpPr>
+          <p:cNvPr id="3" name="Заметки 2"/>
+          <p:cNvSpPr>
+            <a:spLocks noGrp="1"/>
+          </p:cNvSpPr>
+          <p:nvPr>
+            <p:ph type="body" idx="1"/>
+          </p:nvPr>
+        </p:nvSpPr>
+        <p:spPr/>
+        <p:txBody>
+          <a:bodyPr>
+            <a:normAutofit/>
+          </a:bodyPr>
+          <a:lstStyle/>
+          <a:p>
+            <a:r>
+              <a:rPr lang="ru-RU" dirty="0" smtClean="0"/>
+              <a:t>Разработанная система МПЦ успешно выполнила свои функции, а именно - демонстрация возможностей компании, проработка структуры системы в целом, разработка сопутствующих системе МПЦ интерфейсов.</a:t>
+            </a:r>
+          </a:p>
+          <a:p>
+            <a:r>
+              <a:rPr lang="ru-RU" dirty="0" smtClean="0"/>
+              <a:t>Работа по автоматизации и ускорению разработки системы МПЦ еще не закончена, но уже есть наработки в этом направлении в виде реализации комплекса программ САПР и начала работ по созданию технического приложения.</a:t>
+            </a:r>
+            <a:endParaRPr lang="ru-RU" dirty="0"/>
+          </a:p>
+        </p:txBody>
+      </p:sp>
+      <p:sp>
+        <p:nvSpPr>
+          <p:cNvPr id="4" name="Номер слайда 3"/>
+          <p:cNvSpPr>
+            <a:spLocks noGrp="1"/>
+          </p:cNvSpPr>
+          <p:nvPr>
+            <p:ph type="sldNum" sz="quarter" idx="10"/>
+          </p:nvPr>
+        </p:nvSpPr>
+        <p:spPr/>
+        <p:txBody>
+          <a:bodyPr/>
+          <a:lstStyle/>
+          <a:p>
+            <a:fld id="{89B21455-E0D5-40E1-8154-12887F6AA80C}" type="slidenum">
+              <a:rPr lang="ru-RU" smtClean="0"/>
+              <a:pPr/>
+              <a:t>14</a:t>
             </a:fld>
             <a:endParaRPr lang="ru-RU"/>
           </a:p>
@@ -828,10 +1643,8 @@
                 <a:ea typeface="+mn-ea"/>
                 <a:cs typeface="+mn-cs"/>
               </a:rPr>
-              <a:t>Непосредственно создание системы МПЦ предполагалось в первую очередь для проработки структуры и функционала системы в общем, и вторично в рекламных целях для демонстрации возможностей компании. </a:t>
-            </a:r>
-          </a:p>
-          <a:p>
+              <a:t>Непосредственно создание системы МПЦ предполагалось в первую очередь для проработки структуры и функционала системы в общем, и вторично в рекламных целях для демонстрации возможностей компании</a:t>
+            </a:r>
             <a:r>
               <a:rPr lang="ru-RU" sz="1200" b="0" i="0" kern="1200" baseline="0" dirty="0" smtClean="0">
                 <a:solidFill>
@@ -842,9 +1655,9 @@
                 <a:ea typeface="+mn-ea"/>
                 <a:cs typeface="+mn-cs"/>
               </a:rPr>
-              <a:t>Разработка и использование САПР это долгосрочная задача, работы по которой еще не закончены на текущий момент. Разработанная система МПЦ работает с вручную закодированными алгоритмами.</a:t>
-            </a:r>
-            <a:endParaRPr lang="ru-RU" sz="1200" kern="1200" dirty="0">
+              <a:t>.</a:t>
+            </a:r>
+            <a:endParaRPr lang="ru-RU" sz="1200" b="0" i="0" kern="1200" baseline="0" dirty="0" smtClean="0">
               <a:solidFill>
                 <a:schemeClr val="tx1"/>
               </a:solidFill>
@@ -873,6 +1686,7 @@
           <a:p>
             <a:fld id="{89B21455-E0D5-40E1-8154-12887F6AA80C}" type="slidenum">
               <a:rPr lang="ru-RU" smtClean="0"/>
+              <a:pPr/>
               <a:t>2</a:t>
             </a:fld>
             <a:endParaRPr lang="ru-RU"/>
@@ -935,11 +1749,31 @@
           <a:p>
             <a:r>
               <a:rPr lang="ru-RU" dirty="0" smtClean="0"/>
-              <a:t>Система</a:t>
+              <a:t>Системы</a:t>
             </a:r>
             <a:r>
               <a:rPr lang="ru-RU" baseline="0" dirty="0" smtClean="0"/>
-              <a:t> централизации стрелок и сигналов в независимости от типа представляет собой комплекс технических решений, основные функции которого это контроль и управление станционными </a:t>
+              <a:t> </a:t>
+            </a:r>
+            <a:r>
+              <a:rPr lang="ru-RU" baseline="0" dirty="0" smtClean="0"/>
+              <a:t>централизации стрелок и </a:t>
+            </a:r>
+            <a:r>
+              <a:rPr lang="ru-RU" baseline="0" dirty="0" smtClean="0"/>
+              <a:t>сигналов могут быть релейными или микропроцессорными. В </a:t>
+            </a:r>
+            <a:r>
+              <a:rPr lang="ru-RU" baseline="0" dirty="0" smtClean="0"/>
+              <a:t>независимости от </a:t>
+            </a:r>
+            <a:r>
+              <a:rPr lang="ru-RU" baseline="0" dirty="0" smtClean="0"/>
+              <a:t>типа такие системы представляют </a:t>
+            </a:r>
+            <a:r>
+              <a:rPr lang="ru-RU" baseline="0" dirty="0" smtClean="0"/>
+              <a:t>собой комплекс технических решений, основные функции которого это контроль и управление станционными </a:t>
             </a:r>
             <a:r>
               <a:rPr lang="ru-RU" baseline="0" dirty="0" err="1" smtClean="0"/>
@@ -947,7 +1781,7 @@
             </a:r>
             <a:r>
               <a:rPr lang="ru-RU" baseline="0" dirty="0" smtClean="0"/>
-              <a:t>. По сравнению с устаревающими системами релейной централизации, системы микропроцессорной централизации обладают рядом преимуществ. В системах МПЦ управление станцией осуществляется через АСДК – автоматизированную систему диспетчерского контроля, которая представляет собой персональный компьютер с установленной программой контроля и управления станцией. </a:t>
+              <a:t>. По сравнению с устаревающими системами релейной централизации, системы микропроцессорной централизации обладают рядом преимуществ. </a:t>
             </a:r>
             <a:endParaRPr lang="ru-RU" dirty="0"/>
           </a:p>
@@ -970,7 +1804,1095 @@
           <a:p>
             <a:fld id="{89B21455-E0D5-40E1-8154-12887F6AA80C}" type="slidenum">
               <a:rPr lang="ru-RU" smtClean="0"/>
+              <a:pPr/>
               <a:t>3</a:t>
+            </a:fld>
+            <a:endParaRPr lang="ru-RU"/>
+          </a:p>
+        </p:txBody>
+      </p:sp>
+    </p:spTree>
+  </p:cSld>
+  <p:clrMapOvr>
+    <a:masterClrMapping/>
+  </p:clrMapOvr>
+</p:notes>
+</file>
+
+<file path=ppt/notesSlides/notesSlide4.xml><?xml version="1.0" encoding="utf-8"?>
+<p:notes xmlns:a="http://schemas.openxmlformats.org/drawingml/2006/main" xmlns:r="http://schemas.openxmlformats.org/officeDocument/2006/relationships" xmlns:p="http://schemas.openxmlformats.org/presentationml/2006/main">
+  <p:cSld>
+    <p:spTree>
+      <p:nvGrpSpPr>
+        <p:cNvPr id="1" name=""/>
+        <p:cNvGrpSpPr/>
+        <p:nvPr/>
+      </p:nvGrpSpPr>
+      <p:grpSpPr>
+        <a:xfrm>
+          <a:off x="0" y="0"/>
+          <a:ext cx="0" cy="0"/>
+          <a:chOff x="0" y="0"/>
+          <a:chExt cx="0" cy="0"/>
+        </a:xfrm>
+      </p:grpSpPr>
+      <p:sp>
+        <p:nvSpPr>
+          <p:cNvPr id="2" name="Образ слайда 1"/>
+          <p:cNvSpPr>
+            <a:spLocks noGrp="1" noRot="1" noChangeAspect="1"/>
+          </p:cNvSpPr>
+          <p:nvPr>
+            <p:ph type="sldImg"/>
+          </p:nvPr>
+        </p:nvSpPr>
+        <p:spPr/>
+      </p:sp>
+      <p:sp>
+        <p:nvSpPr>
+          <p:cNvPr id="3" name="Заметки 2"/>
+          <p:cNvSpPr>
+            <a:spLocks noGrp="1"/>
+          </p:cNvSpPr>
+          <p:nvPr>
+            <p:ph type="body" idx="1"/>
+          </p:nvPr>
+        </p:nvSpPr>
+        <p:spPr/>
+        <p:txBody>
+          <a:bodyPr>
+            <a:normAutofit/>
+          </a:bodyPr>
+          <a:lstStyle/>
+          <a:p>
+            <a:r>
+              <a:rPr lang="ru-RU" sz="1200" kern="1200" dirty="0" smtClean="0">
+                <a:solidFill>
+                  <a:schemeClr val="tx1"/>
+                </a:solidFill>
+                <a:latin typeface="+mn-lt"/>
+                <a:ea typeface="+mn-ea"/>
+                <a:cs typeface="+mn-cs"/>
+              </a:rPr>
+              <a:t>Разработанная МПЦ строится по трехуровневой структуре.</a:t>
+            </a:r>
+            <a:r>
+              <a:rPr lang="ru-RU" sz="1200" kern="1200" baseline="0" dirty="0" smtClean="0">
+                <a:solidFill>
+                  <a:schemeClr val="tx1"/>
+                </a:solidFill>
+                <a:latin typeface="+mn-lt"/>
+                <a:ea typeface="+mn-ea"/>
+                <a:cs typeface="+mn-cs"/>
+              </a:rPr>
+              <a:t> </a:t>
+            </a:r>
+            <a:r>
+              <a:rPr lang="ru-RU" sz="1200" kern="1200" dirty="0" smtClean="0">
+                <a:solidFill>
+                  <a:schemeClr val="tx1"/>
+                </a:solidFill>
+                <a:latin typeface="+mn-lt"/>
+                <a:ea typeface="+mn-ea"/>
+                <a:cs typeface="+mn-cs"/>
+              </a:rPr>
+              <a:t>Верхним уровнем являются автоматизированные рабочие места диспетчера в количестве до 3-х штук, и дежурного электромеханика. Второй уровень включает в себя источники питания, контроллеры, </a:t>
+            </a:r>
+            <a:r>
+              <a:rPr lang="ru-RU" sz="1200" kern="1200" baseline="0" dirty="0" smtClean="0">
+                <a:solidFill>
+                  <a:schemeClr val="tx1"/>
+                </a:solidFill>
+                <a:latin typeface="+mn-lt"/>
+                <a:ea typeface="+mn-ea"/>
+                <a:cs typeface="+mn-cs"/>
+              </a:rPr>
+              <a:t> различные блоки</a:t>
+            </a:r>
+            <a:r>
+              <a:rPr lang="ru-RU" sz="1200" kern="1200" dirty="0" smtClean="0">
+                <a:solidFill>
+                  <a:schemeClr val="tx1"/>
+                </a:solidFill>
+                <a:latin typeface="+mn-lt"/>
+                <a:ea typeface="+mn-ea"/>
+                <a:cs typeface="+mn-cs"/>
+              </a:rPr>
+              <a:t>  и непосредственно управляющий</a:t>
+            </a:r>
+            <a:r>
+              <a:rPr lang="ru-RU" sz="1200" kern="1200" baseline="0" dirty="0" smtClean="0">
+                <a:solidFill>
+                  <a:schemeClr val="tx1"/>
+                </a:solidFill>
+                <a:latin typeface="+mn-lt"/>
+                <a:ea typeface="+mn-ea"/>
+                <a:cs typeface="+mn-cs"/>
+              </a:rPr>
+              <a:t> вычислительный комплекс (УВК), в который и устанавливается разработанное программное обеспечение. </a:t>
+            </a:r>
+            <a:r>
+              <a:rPr lang="ru-RU" sz="1200" kern="1200" dirty="0" smtClean="0">
+                <a:solidFill>
+                  <a:schemeClr val="tx1"/>
+                </a:solidFill>
+                <a:latin typeface="+mn-lt"/>
+                <a:ea typeface="+mn-ea"/>
+                <a:cs typeface="+mn-cs"/>
+              </a:rPr>
+              <a:t>Третий уровень</a:t>
+            </a:r>
+            <a:r>
+              <a:rPr lang="ru-RU" sz="1200" kern="1200" baseline="0" dirty="0" smtClean="0">
+                <a:solidFill>
+                  <a:schemeClr val="tx1"/>
+                </a:solidFill>
+                <a:latin typeface="+mn-lt"/>
+                <a:ea typeface="+mn-ea"/>
+                <a:cs typeface="+mn-cs"/>
+              </a:rPr>
+              <a:t> – это напольное оборудование станции, стрелки, светофоры и т. п.</a:t>
+            </a:r>
+            <a:endParaRPr lang="ru-RU" dirty="0"/>
+          </a:p>
+        </p:txBody>
+      </p:sp>
+      <p:sp>
+        <p:nvSpPr>
+          <p:cNvPr id="4" name="Номер слайда 3"/>
+          <p:cNvSpPr>
+            <a:spLocks noGrp="1"/>
+          </p:cNvSpPr>
+          <p:nvPr>
+            <p:ph type="sldNum" sz="quarter" idx="10"/>
+          </p:nvPr>
+        </p:nvSpPr>
+        <p:spPr/>
+        <p:txBody>
+          <a:bodyPr/>
+          <a:lstStyle/>
+          <a:p>
+            <a:fld id="{89B21455-E0D5-40E1-8154-12887F6AA80C}" type="slidenum">
+              <a:rPr lang="ru-RU" smtClean="0"/>
+              <a:pPr/>
+              <a:t>4</a:t>
+            </a:fld>
+            <a:endParaRPr lang="ru-RU"/>
+          </a:p>
+        </p:txBody>
+      </p:sp>
+    </p:spTree>
+  </p:cSld>
+  <p:clrMapOvr>
+    <a:masterClrMapping/>
+  </p:clrMapOvr>
+</p:notes>
+</file>
+
+<file path=ppt/notesSlides/notesSlide5.xml><?xml version="1.0" encoding="utf-8"?>
+<p:notes xmlns:a="http://schemas.openxmlformats.org/drawingml/2006/main" xmlns:r="http://schemas.openxmlformats.org/officeDocument/2006/relationships" xmlns:p="http://schemas.openxmlformats.org/presentationml/2006/main">
+  <p:cSld>
+    <p:spTree>
+      <p:nvGrpSpPr>
+        <p:cNvPr id="1" name=""/>
+        <p:cNvGrpSpPr/>
+        <p:nvPr/>
+      </p:nvGrpSpPr>
+      <p:grpSpPr>
+        <a:xfrm>
+          <a:off x="0" y="0"/>
+          <a:ext cx="0" cy="0"/>
+          <a:chOff x="0" y="0"/>
+          <a:chExt cx="0" cy="0"/>
+        </a:xfrm>
+      </p:grpSpPr>
+      <p:sp>
+        <p:nvSpPr>
+          <p:cNvPr id="2" name="Образ слайда 1"/>
+          <p:cNvSpPr>
+            <a:spLocks noGrp="1" noRot="1" noChangeAspect="1"/>
+          </p:cNvSpPr>
+          <p:nvPr>
+            <p:ph type="sldImg"/>
+          </p:nvPr>
+        </p:nvSpPr>
+        <p:spPr/>
+      </p:sp>
+      <p:sp>
+        <p:nvSpPr>
+          <p:cNvPr id="3" name="Заметки 2"/>
+          <p:cNvSpPr>
+            <a:spLocks noGrp="1"/>
+          </p:cNvSpPr>
+          <p:nvPr>
+            <p:ph type="body" idx="1"/>
+          </p:nvPr>
+        </p:nvSpPr>
+        <p:spPr/>
+        <p:txBody>
+          <a:bodyPr>
+            <a:normAutofit/>
+          </a:bodyPr>
+          <a:lstStyle/>
+          <a:p>
+            <a:pPr marL="0" marR="0" indent="0" algn="l" defTabSz="914400" rtl="0" eaLnBrk="1" fontAlgn="auto" latinLnBrk="0" hangingPunct="1">
+              <a:lnSpc>
+                <a:spcPct val="100000"/>
+              </a:lnSpc>
+              <a:spcBef>
+                <a:spcPts val="0"/>
+              </a:spcBef>
+              <a:spcAft>
+                <a:spcPts val="0"/>
+              </a:spcAft>
+              <a:buClrTx/>
+              <a:buSzTx/>
+              <a:buFontTx/>
+              <a:buNone/>
+              <a:tabLst/>
+              <a:defRPr/>
+            </a:pPr>
+            <a:r>
+              <a:rPr lang="ru-RU" dirty="0" smtClean="0"/>
+              <a:t>Теперь о структуре</a:t>
+            </a:r>
+            <a:r>
+              <a:rPr lang="ru-RU" baseline="0" dirty="0" smtClean="0"/>
+              <a:t> программного обеспечения. </a:t>
+            </a:r>
+            <a:r>
+              <a:rPr lang="ru-RU" dirty="0" smtClean="0"/>
+              <a:t>Центром системы является ядро станции, в нем реализованы</a:t>
+            </a:r>
+            <a:r>
+              <a:rPr lang="ru-RU" baseline="0" dirty="0" smtClean="0"/>
+              <a:t> все интерфейсы обмена данными между управляющим комплексом и внешними устройствами. Ядро содержит техническое приложение (ТП), которое представляет собой динамическую библиотеку </a:t>
+            </a:r>
+            <a:r>
+              <a:rPr lang="en-US" baseline="0" dirty="0" err="1" smtClean="0"/>
+              <a:t>dll</a:t>
+            </a:r>
+            <a:r>
+              <a:rPr lang="ru-RU" baseline="0" dirty="0" smtClean="0"/>
+              <a:t> и содержит все технические алгоритмы работы станции. </a:t>
+            </a:r>
+            <a:r>
+              <a:rPr lang="ru-RU" dirty="0" smtClean="0"/>
+              <a:t>Ядро циклически обменивается данными с имитатором</a:t>
+            </a:r>
+            <a:r>
+              <a:rPr lang="ru-RU" baseline="0" dirty="0" smtClean="0"/>
+              <a:t> </a:t>
+            </a:r>
+            <a:r>
+              <a:rPr lang="ru-RU" dirty="0" smtClean="0"/>
+              <a:t>и КСУ (контрольно-сопрягающее устройство). Имитатор - </a:t>
+            </a:r>
+            <a:r>
+              <a:rPr lang="ru-RU" dirty="0" smtClean="0"/>
+              <a:t>программа обеспечивающая имитацию состояний элементов станции.</a:t>
+            </a:r>
+            <a:r>
+              <a:rPr lang="ru-RU" dirty="0" smtClean="0"/>
+              <a:t> КСУ выполняет функцию обмена данными между ядром и вспомогательными устройствами – АРМ ДСП, АРМ ШН и ДЦ.</a:t>
+            </a:r>
+            <a:r>
+              <a:rPr lang="ru-RU" baseline="0" dirty="0" smtClean="0"/>
+              <a:t> АРМ ДСП и АРМ ШН </a:t>
+            </a:r>
+            <a:r>
+              <a:rPr lang="ru-RU" dirty="0" smtClean="0"/>
+              <a:t>предназначены для ручного управления станцией и мониторинга работы напольного оборудования.</a:t>
+            </a:r>
+            <a:r>
+              <a:rPr lang="ru-RU" baseline="0" dirty="0" smtClean="0"/>
+              <a:t> Д</a:t>
+            </a:r>
+            <a:r>
+              <a:rPr lang="ru-RU" dirty="0" smtClean="0"/>
+              <a:t>ата центр</a:t>
+            </a:r>
+            <a:r>
+              <a:rPr lang="ru-RU" baseline="0" dirty="0" smtClean="0"/>
+              <a:t> выполняет функцию сбора </a:t>
+            </a:r>
+            <a:r>
+              <a:rPr lang="ru-RU" dirty="0" smtClean="0"/>
+              <a:t>общей информации по станции в единое хранилище данных, отвечает за несколько независимых станций.</a:t>
+            </a:r>
+          </a:p>
+          <a:p>
+            <a:endParaRPr lang="ru-RU" dirty="0"/>
+          </a:p>
+        </p:txBody>
+      </p:sp>
+      <p:sp>
+        <p:nvSpPr>
+          <p:cNvPr id="4" name="Номер слайда 3"/>
+          <p:cNvSpPr>
+            <a:spLocks noGrp="1"/>
+          </p:cNvSpPr>
+          <p:nvPr>
+            <p:ph type="sldNum" sz="quarter" idx="10"/>
+          </p:nvPr>
+        </p:nvSpPr>
+        <p:spPr/>
+        <p:txBody>
+          <a:bodyPr/>
+          <a:lstStyle/>
+          <a:p>
+            <a:fld id="{89B21455-E0D5-40E1-8154-12887F6AA80C}" type="slidenum">
+              <a:rPr lang="ru-RU" smtClean="0"/>
+              <a:pPr/>
+              <a:t>5</a:t>
+            </a:fld>
+            <a:endParaRPr lang="ru-RU"/>
+          </a:p>
+        </p:txBody>
+      </p:sp>
+    </p:spTree>
+  </p:cSld>
+  <p:clrMapOvr>
+    <a:masterClrMapping/>
+  </p:clrMapOvr>
+</p:notes>
+</file>
+
+<file path=ppt/notesSlides/notesSlide6.xml><?xml version="1.0" encoding="utf-8"?>
+<p:notes xmlns:a="http://schemas.openxmlformats.org/drawingml/2006/main" xmlns:r="http://schemas.openxmlformats.org/officeDocument/2006/relationships" xmlns:p="http://schemas.openxmlformats.org/presentationml/2006/main">
+  <p:cSld>
+    <p:spTree>
+      <p:nvGrpSpPr>
+        <p:cNvPr id="1" name=""/>
+        <p:cNvGrpSpPr/>
+        <p:nvPr/>
+      </p:nvGrpSpPr>
+      <p:grpSpPr>
+        <a:xfrm>
+          <a:off x="0" y="0"/>
+          <a:ext cx="0" cy="0"/>
+          <a:chOff x="0" y="0"/>
+          <a:chExt cx="0" cy="0"/>
+        </a:xfrm>
+      </p:grpSpPr>
+      <p:sp>
+        <p:nvSpPr>
+          <p:cNvPr id="2" name="Образ слайда 1"/>
+          <p:cNvSpPr>
+            <a:spLocks noGrp="1" noRot="1" noChangeAspect="1"/>
+          </p:cNvSpPr>
+          <p:nvPr>
+            <p:ph type="sldImg"/>
+          </p:nvPr>
+        </p:nvSpPr>
+        <p:spPr/>
+      </p:sp>
+      <p:sp>
+        <p:nvSpPr>
+          <p:cNvPr id="3" name="Заметки 2"/>
+          <p:cNvSpPr>
+            <a:spLocks noGrp="1"/>
+          </p:cNvSpPr>
+          <p:nvPr>
+            <p:ph type="body" idx="1"/>
+          </p:nvPr>
+        </p:nvSpPr>
+        <p:spPr/>
+        <p:txBody>
+          <a:bodyPr>
+            <a:normAutofit/>
+          </a:bodyPr>
+          <a:lstStyle/>
+          <a:p>
+            <a:r>
+              <a:rPr lang="ru-RU" dirty="0" smtClean="0"/>
+              <a:t>Как уже было сказано ранее, ядро циклически обменивается данными с внешними устройствами. Формат обмена – побитовые массивы. Для</a:t>
+            </a:r>
+            <a:r>
+              <a:rPr lang="ru-RU" baseline="0" dirty="0" smtClean="0"/>
+              <a:t> обмена данными непосредственно со станцией или имитатором имеется 3 вида массивов – МКИ (массив контрольной информации), МУИ (массив управляющей информации) и МВС (массив внутренних состояний). </a:t>
+            </a:r>
+            <a:r>
+              <a:rPr lang="ru-RU" sz="1200" kern="1200" dirty="0" smtClean="0">
+                <a:solidFill>
+                  <a:schemeClr val="tx1"/>
+                </a:solidFill>
+                <a:latin typeface="+mn-lt"/>
+                <a:ea typeface="+mn-ea"/>
+                <a:cs typeface="+mn-cs"/>
+              </a:rPr>
+              <a:t>В массиве МКИ содержится информация о состоянии элементов на станции. Массив МУИ содержит информацию по управлению станцией. Оба эти массива обнуляется и заполняются информацией каждый цикл. МВС формируется на основе МКИ и предназначен для резервного хранения состояний, на случай потери связи с полем. Рассмотрим на примере. От диспетчера поступает команда перевода стрелки.</a:t>
+            </a:r>
+            <a:r>
+              <a:rPr lang="ru-RU" sz="1200" kern="1200" baseline="0" dirty="0" smtClean="0">
+                <a:solidFill>
+                  <a:schemeClr val="tx1"/>
+                </a:solidFill>
+                <a:latin typeface="+mn-lt"/>
+                <a:ea typeface="+mn-ea"/>
+                <a:cs typeface="+mn-cs"/>
+              </a:rPr>
+              <a:t> </a:t>
+            </a:r>
+            <a:r>
+              <a:rPr lang="ru-RU" sz="1200" kern="1200" dirty="0" smtClean="0">
+                <a:solidFill>
+                  <a:schemeClr val="tx1"/>
+                </a:solidFill>
+                <a:latin typeface="+mn-lt"/>
+                <a:ea typeface="+mn-ea"/>
+                <a:cs typeface="+mn-cs"/>
+              </a:rPr>
+              <a:t>Если перевод возможен, в массив МУИ записывается соответствующий бит противоположного положения стрелки. Через определенное количество циклов проверяется состояние массива МКИ – если стрелка поменяла свое положение, диспетчеру отправляется сообщение с успешным выполнением операции, иначе сообщение с ошибкой. </a:t>
+            </a:r>
+            <a:endParaRPr lang="ru-RU" dirty="0"/>
+          </a:p>
+        </p:txBody>
+      </p:sp>
+      <p:sp>
+        <p:nvSpPr>
+          <p:cNvPr id="4" name="Номер слайда 3"/>
+          <p:cNvSpPr>
+            <a:spLocks noGrp="1"/>
+          </p:cNvSpPr>
+          <p:nvPr>
+            <p:ph type="sldNum" sz="quarter" idx="10"/>
+          </p:nvPr>
+        </p:nvSpPr>
+        <p:spPr/>
+        <p:txBody>
+          <a:bodyPr/>
+          <a:lstStyle/>
+          <a:p>
+            <a:fld id="{89B21455-E0D5-40E1-8154-12887F6AA80C}" type="slidenum">
+              <a:rPr lang="ru-RU" smtClean="0"/>
+              <a:pPr/>
+              <a:t>6</a:t>
+            </a:fld>
+            <a:endParaRPr lang="ru-RU"/>
+          </a:p>
+        </p:txBody>
+      </p:sp>
+    </p:spTree>
+  </p:cSld>
+  <p:clrMapOvr>
+    <a:masterClrMapping/>
+  </p:clrMapOvr>
+</p:notes>
+</file>
+
+<file path=ppt/notesSlides/notesSlide7.xml><?xml version="1.0" encoding="utf-8"?>
+<p:notes xmlns:a="http://schemas.openxmlformats.org/drawingml/2006/main" xmlns:r="http://schemas.openxmlformats.org/officeDocument/2006/relationships" xmlns:p="http://schemas.openxmlformats.org/presentationml/2006/main">
+  <p:cSld>
+    <p:spTree>
+      <p:nvGrpSpPr>
+        <p:cNvPr id="1" name=""/>
+        <p:cNvGrpSpPr/>
+        <p:nvPr/>
+      </p:nvGrpSpPr>
+      <p:grpSpPr>
+        <a:xfrm>
+          <a:off x="0" y="0"/>
+          <a:ext cx="0" cy="0"/>
+          <a:chOff x="0" y="0"/>
+          <a:chExt cx="0" cy="0"/>
+        </a:xfrm>
+      </p:grpSpPr>
+      <p:sp>
+        <p:nvSpPr>
+          <p:cNvPr id="2" name="Образ слайда 1"/>
+          <p:cNvSpPr>
+            <a:spLocks noGrp="1" noRot="1" noChangeAspect="1"/>
+          </p:cNvSpPr>
+          <p:nvPr>
+            <p:ph type="sldImg"/>
+          </p:nvPr>
+        </p:nvSpPr>
+        <p:spPr/>
+      </p:sp>
+      <p:sp>
+        <p:nvSpPr>
+          <p:cNvPr id="3" name="Заметки 2"/>
+          <p:cNvSpPr>
+            <a:spLocks noGrp="1"/>
+          </p:cNvSpPr>
+          <p:nvPr>
+            <p:ph type="body" idx="1"/>
+          </p:nvPr>
+        </p:nvSpPr>
+        <p:spPr/>
+        <p:txBody>
+          <a:bodyPr>
+            <a:normAutofit/>
+          </a:bodyPr>
+          <a:lstStyle/>
+          <a:p>
+            <a:r>
+              <a:rPr lang="ru-RU" dirty="0" smtClean="0"/>
+              <a:t>Разработанная МПЦ содержит техническое приложение</a:t>
+            </a:r>
+            <a:r>
+              <a:rPr lang="ru-RU" baseline="0" dirty="0" smtClean="0"/>
+              <a:t> с вручную закодированными алгоритмами. </a:t>
+            </a:r>
+            <a:r>
+              <a:rPr lang="ru-RU" sz="1200" kern="1200" dirty="0" smtClean="0">
+                <a:solidFill>
+                  <a:schemeClr val="tx1"/>
+                </a:solidFill>
+                <a:latin typeface="+mn-lt"/>
+                <a:ea typeface="+mn-ea"/>
+                <a:cs typeface="+mn-cs"/>
+              </a:rPr>
+              <a:t>Изначально программировались все элементы станции – тупик, участок приближения, участок пути, стрелка и светофор.</a:t>
+            </a:r>
+          </a:p>
+          <a:p>
+            <a:pPr marL="0" marR="0" indent="0" algn="l" defTabSz="914400" rtl="0" eaLnBrk="1" fontAlgn="auto" latinLnBrk="0" hangingPunct="1">
+              <a:lnSpc>
+                <a:spcPct val="100000"/>
+              </a:lnSpc>
+              <a:spcBef>
+                <a:spcPts val="0"/>
+              </a:spcBef>
+              <a:spcAft>
+                <a:spcPts val="0"/>
+              </a:spcAft>
+              <a:buClrTx/>
+              <a:buSzTx/>
+              <a:buFontTx/>
+              <a:buNone/>
+              <a:tabLst/>
+              <a:defRPr/>
+            </a:pPr>
+            <a:r>
+              <a:rPr lang="ru-RU" dirty="0" smtClean="0"/>
+              <a:t>Далее</a:t>
+            </a:r>
+            <a:r>
+              <a:rPr lang="ru-RU" baseline="0" dirty="0" smtClean="0"/>
+              <a:t> </a:t>
+            </a:r>
+            <a:r>
+              <a:rPr lang="ru-RU" dirty="0" smtClean="0"/>
+              <a:t>реализуется класс маршрута, который содержит указатели на маршрутные элементы и светофоры.</a:t>
+            </a:r>
+          </a:p>
+          <a:p>
+            <a:pPr marL="0" marR="0" indent="0" algn="l" defTabSz="914400" rtl="0" eaLnBrk="1" fontAlgn="auto" latinLnBrk="0" hangingPunct="1">
+              <a:lnSpc>
+                <a:spcPct val="100000"/>
+              </a:lnSpc>
+              <a:spcBef>
+                <a:spcPts val="0"/>
+              </a:spcBef>
+              <a:spcAft>
+                <a:spcPts val="0"/>
+              </a:spcAft>
+              <a:buClrTx/>
+              <a:buSzTx/>
+              <a:buFontTx/>
+              <a:buNone/>
+              <a:tabLst/>
+              <a:defRPr/>
+            </a:pPr>
+            <a:r>
+              <a:rPr lang="ru-RU" dirty="0" smtClean="0"/>
+              <a:t>Класс для</a:t>
+            </a:r>
+            <a:r>
+              <a:rPr lang="ru-RU" baseline="0" dirty="0" smtClean="0"/>
+              <a:t> раздачи контактов МКИ, МУИ и МВС выполняет функцию связи программного элемента и реального на станции.</a:t>
+            </a:r>
+            <a:endParaRPr lang="ru-RU" dirty="0" smtClean="0"/>
+          </a:p>
+          <a:p>
+            <a:r>
+              <a:rPr lang="ru-RU" sz="1200" kern="1200" dirty="0" smtClean="0">
+                <a:solidFill>
+                  <a:schemeClr val="tx1"/>
+                </a:solidFill>
+                <a:latin typeface="+mn-lt"/>
+                <a:ea typeface="+mn-ea"/>
+                <a:cs typeface="+mn-cs"/>
+              </a:rPr>
+              <a:t>В классе станции содержатся все технические алгоритмы работы МПЦ, а также массивы всех элементов,</a:t>
+            </a:r>
+            <a:r>
+              <a:rPr lang="ru-RU" sz="1200" kern="1200" baseline="0" dirty="0" smtClean="0">
+                <a:solidFill>
+                  <a:schemeClr val="tx1"/>
+                </a:solidFill>
+                <a:latin typeface="+mn-lt"/>
+                <a:ea typeface="+mn-ea"/>
+                <a:cs typeface="+mn-cs"/>
+              </a:rPr>
+              <a:t> </a:t>
+            </a:r>
+            <a:r>
+              <a:rPr lang="ru-RU" sz="1200" kern="1200" dirty="0" smtClean="0">
+                <a:solidFill>
+                  <a:schemeClr val="tx1"/>
+                </a:solidFill>
+                <a:latin typeface="+mn-lt"/>
+                <a:ea typeface="+mn-ea"/>
+                <a:cs typeface="+mn-cs"/>
+              </a:rPr>
+              <a:t>маршрутов и методы их инициализации.</a:t>
+            </a:r>
+          </a:p>
+          <a:p>
+            <a:r>
+              <a:rPr lang="ru-RU" sz="1200" kern="1200" dirty="0" smtClean="0">
+                <a:solidFill>
+                  <a:schemeClr val="tx1"/>
+                </a:solidFill>
+                <a:latin typeface="+mn-lt"/>
+                <a:ea typeface="+mn-ea"/>
+                <a:cs typeface="+mn-cs"/>
+              </a:rPr>
+              <a:t>В главном классе ТП реализуется</a:t>
+            </a:r>
+            <a:r>
+              <a:rPr lang="ru-RU" sz="1200" kern="1200" baseline="0" dirty="0" smtClean="0">
+                <a:solidFill>
+                  <a:schemeClr val="tx1"/>
+                </a:solidFill>
+                <a:latin typeface="+mn-lt"/>
+                <a:ea typeface="+mn-ea"/>
+                <a:cs typeface="+mn-cs"/>
+              </a:rPr>
+              <a:t> взаимодействие запрограммированных элементов с внешними массивами.</a:t>
+            </a:r>
+            <a:endParaRPr lang="ru-RU" dirty="0"/>
+          </a:p>
+        </p:txBody>
+      </p:sp>
+      <p:sp>
+        <p:nvSpPr>
+          <p:cNvPr id="4" name="Номер слайда 3"/>
+          <p:cNvSpPr>
+            <a:spLocks noGrp="1"/>
+          </p:cNvSpPr>
+          <p:nvPr>
+            <p:ph type="sldNum" sz="quarter" idx="10"/>
+          </p:nvPr>
+        </p:nvSpPr>
+        <p:spPr/>
+        <p:txBody>
+          <a:bodyPr/>
+          <a:lstStyle/>
+          <a:p>
+            <a:fld id="{89B21455-E0D5-40E1-8154-12887F6AA80C}" type="slidenum">
+              <a:rPr lang="ru-RU" smtClean="0"/>
+              <a:pPr/>
+              <a:t>7</a:t>
+            </a:fld>
+            <a:endParaRPr lang="ru-RU"/>
+          </a:p>
+        </p:txBody>
+      </p:sp>
+    </p:spTree>
+  </p:cSld>
+  <p:clrMapOvr>
+    <a:masterClrMapping/>
+  </p:clrMapOvr>
+</p:notes>
+</file>
+
+<file path=ppt/notesSlides/notesSlide8.xml><?xml version="1.0" encoding="utf-8"?>
+<p:notes xmlns:a="http://schemas.openxmlformats.org/drawingml/2006/main" xmlns:r="http://schemas.openxmlformats.org/officeDocument/2006/relationships" xmlns:p="http://schemas.openxmlformats.org/presentationml/2006/main">
+  <p:cSld>
+    <p:spTree>
+      <p:nvGrpSpPr>
+        <p:cNvPr id="1" name=""/>
+        <p:cNvGrpSpPr/>
+        <p:nvPr/>
+      </p:nvGrpSpPr>
+      <p:grpSpPr>
+        <a:xfrm>
+          <a:off x="0" y="0"/>
+          <a:ext cx="0" cy="0"/>
+          <a:chOff x="0" y="0"/>
+          <a:chExt cx="0" cy="0"/>
+        </a:xfrm>
+      </p:grpSpPr>
+      <p:sp>
+        <p:nvSpPr>
+          <p:cNvPr id="2" name="Образ слайда 1"/>
+          <p:cNvSpPr>
+            <a:spLocks noGrp="1" noRot="1" noChangeAspect="1"/>
+          </p:cNvSpPr>
+          <p:nvPr>
+            <p:ph type="sldImg"/>
+          </p:nvPr>
+        </p:nvSpPr>
+        <p:spPr/>
+      </p:sp>
+      <p:sp>
+        <p:nvSpPr>
+          <p:cNvPr id="3" name="Заметки 2"/>
+          <p:cNvSpPr>
+            <a:spLocks noGrp="1"/>
+          </p:cNvSpPr>
+          <p:nvPr>
+            <p:ph type="body" idx="1"/>
+          </p:nvPr>
+        </p:nvSpPr>
+        <p:spPr/>
+        <p:txBody>
+          <a:bodyPr>
+            <a:normAutofit/>
+          </a:bodyPr>
+          <a:lstStyle/>
+          <a:p>
+            <a:r>
+              <a:rPr lang="ru-RU" dirty="0" smtClean="0"/>
+              <a:t>В основе идеи автоматической генерации библиотеки ТП станции лежит БМРЦ (блочная </a:t>
+            </a:r>
+            <a:r>
+              <a:rPr lang="ru-RU" dirty="0" err="1" smtClean="0"/>
+              <a:t>маршрутно</a:t>
+            </a:r>
+            <a:r>
+              <a:rPr lang="ru-RU" dirty="0" smtClean="0"/>
+              <a:t> – релейная централизация).</a:t>
+            </a:r>
+          </a:p>
+          <a:p>
+            <a:r>
+              <a:rPr lang="ru-RU" sz="1200" kern="1200" dirty="0" smtClean="0">
+                <a:solidFill>
+                  <a:schemeClr val="tx1"/>
+                </a:solidFill>
+                <a:latin typeface="+mn-lt"/>
+                <a:ea typeface="+mn-ea"/>
+                <a:cs typeface="+mn-cs"/>
+              </a:rPr>
+              <a:t>БМРЦ представляет</a:t>
+            </a:r>
+            <a:r>
+              <a:rPr lang="ru-RU" sz="1200" kern="1200" baseline="0" dirty="0" smtClean="0">
+                <a:solidFill>
+                  <a:schemeClr val="tx1"/>
+                </a:solidFill>
+                <a:latin typeface="+mn-lt"/>
+                <a:ea typeface="+mn-ea"/>
+                <a:cs typeface="+mn-cs"/>
+              </a:rPr>
+              <a:t> набор релейных блоков, </a:t>
+            </a:r>
+            <a:r>
+              <a:rPr lang="ru-RU" sz="1200" kern="1200" dirty="0" smtClean="0">
+                <a:solidFill>
+                  <a:schemeClr val="tx1"/>
+                </a:solidFill>
+                <a:latin typeface="+mn-lt"/>
+                <a:ea typeface="+mn-ea"/>
+                <a:cs typeface="+mn-cs"/>
+              </a:rPr>
+              <a:t>с помощью которых маршрут любой сложности задается нажатием кнопок начала и конца. Каждый</a:t>
+            </a:r>
+            <a:r>
+              <a:rPr lang="ru-RU" sz="1200" kern="1200" baseline="0" dirty="0" smtClean="0">
+                <a:solidFill>
+                  <a:schemeClr val="tx1"/>
+                </a:solidFill>
+                <a:latin typeface="+mn-lt"/>
+                <a:ea typeface="+mn-ea"/>
+                <a:cs typeface="+mn-cs"/>
+              </a:rPr>
+              <a:t> блок отвечает за один или несколько станционных элементов.</a:t>
+            </a:r>
+            <a:endParaRPr lang="ru-RU" sz="1200" kern="1200" dirty="0" smtClean="0">
+              <a:solidFill>
+                <a:schemeClr val="tx1"/>
+              </a:solidFill>
+              <a:latin typeface="+mn-lt"/>
+              <a:ea typeface="+mn-ea"/>
+              <a:cs typeface="+mn-cs"/>
+            </a:endParaRPr>
+          </a:p>
+          <a:p>
+            <a:r>
+              <a:rPr lang="ru-RU" sz="1200" kern="1200" dirty="0" smtClean="0">
+                <a:solidFill>
+                  <a:schemeClr val="tx1"/>
+                </a:solidFill>
+                <a:latin typeface="+mn-lt"/>
+                <a:ea typeface="+mn-ea"/>
+                <a:cs typeface="+mn-cs"/>
+              </a:rPr>
+              <a:t>Комплекс программ САПР содержит программы для проектирования отдельного блока БМРЦ</a:t>
+            </a:r>
+            <a:r>
+              <a:rPr lang="ru-RU" sz="1200" kern="1200" baseline="0" dirty="0" smtClean="0">
+                <a:solidFill>
+                  <a:schemeClr val="tx1"/>
+                </a:solidFill>
+                <a:latin typeface="+mn-lt"/>
+                <a:ea typeface="+mn-ea"/>
+                <a:cs typeface="+mn-cs"/>
+              </a:rPr>
+              <a:t> и</a:t>
+            </a:r>
+            <a:r>
+              <a:rPr lang="ru-RU" sz="1200" kern="1200" dirty="0" smtClean="0">
+                <a:solidFill>
+                  <a:schemeClr val="tx1"/>
+                </a:solidFill>
+                <a:latin typeface="+mn-lt"/>
+                <a:ea typeface="+mn-ea"/>
+                <a:cs typeface="+mn-cs"/>
+              </a:rPr>
+              <a:t> соединения</a:t>
+            </a:r>
+            <a:r>
+              <a:rPr lang="ru-RU" sz="1200" kern="1200" baseline="0" dirty="0" smtClean="0">
+                <a:solidFill>
+                  <a:schemeClr val="tx1"/>
+                </a:solidFill>
+                <a:latin typeface="+mn-lt"/>
+                <a:ea typeface="+mn-ea"/>
+                <a:cs typeface="+mn-cs"/>
+              </a:rPr>
+              <a:t> этих блоков. В программе редакторе блоков проектировщики создают блоки, которые экспортируются в виде </a:t>
+            </a:r>
+            <a:r>
+              <a:rPr lang="en-US" sz="1200" kern="1200" baseline="0" dirty="0" smtClean="0">
+                <a:solidFill>
+                  <a:schemeClr val="tx1"/>
+                </a:solidFill>
+                <a:latin typeface="+mn-lt"/>
+                <a:ea typeface="+mn-ea"/>
+                <a:cs typeface="+mn-cs"/>
+              </a:rPr>
+              <a:t>xml </a:t>
+            </a:r>
+            <a:r>
+              <a:rPr lang="ru-RU" sz="1200" kern="1200" baseline="0" dirty="0" smtClean="0">
+                <a:solidFill>
+                  <a:schemeClr val="tx1"/>
+                </a:solidFill>
+                <a:latin typeface="+mn-lt"/>
+                <a:ea typeface="+mn-ea"/>
+                <a:cs typeface="+mn-cs"/>
+              </a:rPr>
+              <a:t>в программу – редактор внешних связей и в виде исходного кода на языке </a:t>
+            </a:r>
+            <a:r>
+              <a:rPr lang="ru-RU" sz="1200" kern="1200" baseline="0" dirty="0" err="1" smtClean="0">
+                <a:solidFill>
+                  <a:schemeClr val="tx1"/>
+                </a:solidFill>
+                <a:latin typeface="+mn-lt"/>
+                <a:ea typeface="+mn-ea"/>
+                <a:cs typeface="+mn-cs"/>
+              </a:rPr>
+              <a:t>с++</a:t>
+            </a:r>
+            <a:r>
+              <a:rPr lang="ru-RU" sz="1200" kern="1200" baseline="0" dirty="0" smtClean="0">
+                <a:solidFill>
+                  <a:schemeClr val="tx1"/>
+                </a:solidFill>
+                <a:latin typeface="+mn-lt"/>
+                <a:ea typeface="+mn-ea"/>
+                <a:cs typeface="+mn-cs"/>
+              </a:rPr>
+              <a:t> в техническое приложение. В программе – редакторе внешних связей проектировщики определенными образом соединяют блоки, получая БМРЦ. Далее полученная БМРЦ экспортируется в виде функции в исходный код технического приложения. </a:t>
+            </a:r>
+          </a:p>
+          <a:p>
+            <a:r>
+              <a:rPr lang="ru-RU" sz="1200" kern="1200" baseline="0" dirty="0" smtClean="0">
+                <a:solidFill>
+                  <a:schemeClr val="tx1"/>
+                </a:solidFill>
+                <a:latin typeface="+mn-lt"/>
+                <a:ea typeface="+mn-ea"/>
+                <a:cs typeface="+mn-cs"/>
+              </a:rPr>
+              <a:t>Таким образом, например для команды задания маршрута, в техническом приложении происходит имитация нажатия маршрутных кнопок по схеме </a:t>
+            </a:r>
+            <a:r>
+              <a:rPr lang="ru-RU" sz="1200" kern="1200" baseline="0" dirty="0" err="1" smtClean="0">
+                <a:solidFill>
+                  <a:schemeClr val="tx1"/>
+                </a:solidFill>
+                <a:latin typeface="+mn-lt"/>
+                <a:ea typeface="+mn-ea"/>
+                <a:cs typeface="+mn-cs"/>
+              </a:rPr>
+              <a:t>бмрц</a:t>
+            </a:r>
+            <a:r>
+              <a:rPr lang="ru-RU" sz="1200" kern="1200" baseline="0" dirty="0" smtClean="0">
+                <a:solidFill>
+                  <a:schemeClr val="tx1"/>
+                </a:solidFill>
+                <a:latin typeface="+mn-lt"/>
+                <a:ea typeface="+mn-ea"/>
+                <a:cs typeface="+mn-cs"/>
+              </a:rPr>
+              <a:t>.</a:t>
+            </a:r>
+            <a:endParaRPr lang="ru-RU" dirty="0" smtClean="0"/>
+          </a:p>
+        </p:txBody>
+      </p:sp>
+      <p:sp>
+        <p:nvSpPr>
+          <p:cNvPr id="4" name="Номер слайда 3"/>
+          <p:cNvSpPr>
+            <a:spLocks noGrp="1"/>
+          </p:cNvSpPr>
+          <p:nvPr>
+            <p:ph type="sldNum" sz="quarter" idx="10"/>
+          </p:nvPr>
+        </p:nvSpPr>
+        <p:spPr/>
+        <p:txBody>
+          <a:bodyPr/>
+          <a:lstStyle/>
+          <a:p>
+            <a:fld id="{89B21455-E0D5-40E1-8154-12887F6AA80C}" type="slidenum">
+              <a:rPr lang="ru-RU" smtClean="0"/>
+              <a:pPr/>
+              <a:t>8</a:t>
+            </a:fld>
+            <a:endParaRPr lang="ru-RU"/>
+          </a:p>
+        </p:txBody>
+      </p:sp>
+    </p:spTree>
+  </p:cSld>
+  <p:clrMapOvr>
+    <a:masterClrMapping/>
+  </p:clrMapOvr>
+</p:notes>
+</file>
+
+<file path=ppt/notesSlides/notesSlide9.xml><?xml version="1.0" encoding="utf-8"?>
+<p:notes xmlns:a="http://schemas.openxmlformats.org/drawingml/2006/main" xmlns:r="http://schemas.openxmlformats.org/officeDocument/2006/relationships" xmlns:p="http://schemas.openxmlformats.org/presentationml/2006/main">
+  <p:cSld>
+    <p:spTree>
+      <p:nvGrpSpPr>
+        <p:cNvPr id="1" name=""/>
+        <p:cNvGrpSpPr/>
+        <p:nvPr/>
+      </p:nvGrpSpPr>
+      <p:grpSpPr>
+        <a:xfrm>
+          <a:off x="0" y="0"/>
+          <a:ext cx="0" cy="0"/>
+          <a:chOff x="0" y="0"/>
+          <a:chExt cx="0" cy="0"/>
+        </a:xfrm>
+      </p:grpSpPr>
+      <p:sp>
+        <p:nvSpPr>
+          <p:cNvPr id="2" name="Образ слайда 1"/>
+          <p:cNvSpPr>
+            <a:spLocks noGrp="1" noRot="1" noChangeAspect="1"/>
+          </p:cNvSpPr>
+          <p:nvPr>
+            <p:ph type="sldImg"/>
+          </p:nvPr>
+        </p:nvSpPr>
+        <p:spPr/>
+      </p:sp>
+      <p:sp>
+        <p:nvSpPr>
+          <p:cNvPr id="3" name="Заметки 2"/>
+          <p:cNvSpPr>
+            <a:spLocks noGrp="1"/>
+          </p:cNvSpPr>
+          <p:nvPr>
+            <p:ph type="body" idx="1"/>
+          </p:nvPr>
+        </p:nvSpPr>
+        <p:spPr/>
+        <p:txBody>
+          <a:bodyPr>
+            <a:normAutofit/>
+          </a:bodyPr>
+          <a:lstStyle/>
+          <a:p>
+            <a:r>
+              <a:rPr lang="ru-RU" dirty="0" smtClean="0"/>
+              <a:t>Структура технического</a:t>
+            </a:r>
+            <a:r>
+              <a:rPr lang="ru-RU" baseline="0" dirty="0" smtClean="0"/>
+              <a:t> приложения при автоматизированном кодировании алгоритмов с помощью САПР фактически повторяет структуру ТП при ручном кодировании, с той разницей, что вместо классов элементов и маршрутов выступают классы блоков БМРЦ, а вместо функций технических алгоритмов функция связей между блоками. </a:t>
+            </a:r>
+            <a:endParaRPr lang="ru-RU" sz="1200" kern="1200" dirty="0" smtClean="0">
+              <a:solidFill>
+                <a:schemeClr val="tx1"/>
+              </a:solidFill>
+              <a:latin typeface="+mn-lt"/>
+              <a:ea typeface="+mn-ea"/>
+              <a:cs typeface="+mn-cs"/>
+            </a:endParaRPr>
+          </a:p>
+          <a:p>
+            <a:r>
+              <a:rPr lang="ru-RU" sz="1200" kern="1200" dirty="0" smtClean="0">
+                <a:solidFill>
+                  <a:schemeClr val="tx1"/>
+                </a:solidFill>
+                <a:latin typeface="+mn-lt"/>
+                <a:ea typeface="+mn-ea"/>
+                <a:cs typeface="+mn-cs"/>
+              </a:rPr>
+              <a:t>На данный момент указанная</a:t>
+            </a:r>
+            <a:r>
+              <a:rPr lang="ru-RU" sz="1200" kern="1200" baseline="0" dirty="0" smtClean="0">
+                <a:solidFill>
+                  <a:schemeClr val="tx1"/>
+                </a:solidFill>
+                <a:latin typeface="+mn-lt"/>
+                <a:ea typeface="+mn-ea"/>
+                <a:cs typeface="+mn-cs"/>
+              </a:rPr>
+              <a:t> структура неокончательная, так как работы по созданию ТП по схеме БМРЦ еще не закончены.</a:t>
+            </a:r>
+            <a:r>
+              <a:rPr lang="ru-RU" sz="1200" kern="1200" dirty="0" smtClean="0">
+                <a:solidFill>
+                  <a:schemeClr val="tx1"/>
+                </a:solidFill>
+                <a:latin typeface="+mn-lt"/>
+                <a:ea typeface="+mn-ea"/>
+                <a:cs typeface="+mn-cs"/>
+              </a:rPr>
+              <a:t> </a:t>
+            </a:r>
+            <a:endParaRPr lang="ru-RU" dirty="0"/>
+          </a:p>
+        </p:txBody>
+      </p:sp>
+      <p:sp>
+        <p:nvSpPr>
+          <p:cNvPr id="4" name="Номер слайда 3"/>
+          <p:cNvSpPr>
+            <a:spLocks noGrp="1"/>
+          </p:cNvSpPr>
+          <p:nvPr>
+            <p:ph type="sldNum" sz="quarter" idx="10"/>
+          </p:nvPr>
+        </p:nvSpPr>
+        <p:spPr/>
+        <p:txBody>
+          <a:bodyPr/>
+          <a:lstStyle/>
+          <a:p>
+            <a:fld id="{89B21455-E0D5-40E1-8154-12887F6AA80C}" type="slidenum">
+              <a:rPr lang="ru-RU" smtClean="0"/>
+              <a:pPr/>
+              <a:t>9</a:t>
             </a:fld>
             <a:endParaRPr lang="ru-RU"/>
           </a:p>
@@ -1640,10 +3562,10 @@
           <a:bodyPr/>
           <a:lstStyle/>
           <a:p>
-            <a:fld id="{C3F416CD-67A3-4CF0-A210-F6AF31AC147F}" type="datetimeFigureOut">
+            <a:fld id="{48E37FCD-18DD-4FBC-90DA-BB2303EEE3FF}" type="datetime1">
               <a:rPr lang="en-US" smtClean="0"/>
               <a:pPr/>
-              <a:t>6/12/2015</a:t>
+              <a:t>6/13/2015</a:t>
             </a:fld>
             <a:endParaRPr lang="en-US"/>
           </a:p>
@@ -1830,10 +3752,10 @@
           <a:bodyPr/>
           <a:lstStyle/>
           <a:p>
-            <a:fld id="{C3F416CD-67A3-4CF0-A210-F6AF31AC147F}" type="datetimeFigureOut">
+            <a:fld id="{DD9A3D04-91E5-4BFB-91C6-04F52EB81EC8}" type="datetime1">
               <a:rPr lang="en-US" smtClean="0"/>
               <a:pPr/>
-              <a:t>6/12/2015</a:t>
+              <a:t>6/13/2015</a:t>
             </a:fld>
             <a:endParaRPr lang="en-US"/>
           </a:p>
@@ -2007,10 +3929,10 @@
           <a:bodyPr/>
           <a:lstStyle/>
           <a:p>
-            <a:fld id="{C3F416CD-67A3-4CF0-A210-F6AF31AC147F}" type="datetimeFigureOut">
+            <a:fld id="{15143BF9-5E8A-401A-A113-06380E4B83F0}" type="datetime1">
               <a:rPr lang="en-US" smtClean="0"/>
               <a:pPr/>
-              <a:t>6/12/2015</a:t>
+              <a:t>6/13/2015</a:t>
             </a:fld>
             <a:endParaRPr lang="en-US"/>
           </a:p>
@@ -2174,10 +4096,10 @@
           <a:bodyPr/>
           <a:lstStyle/>
           <a:p>
-            <a:fld id="{C3F416CD-67A3-4CF0-A210-F6AF31AC147F}" type="datetimeFigureOut">
+            <a:fld id="{26DA0763-3922-4437-AF89-AC8B183BD659}" type="datetime1">
               <a:rPr lang="en-US" smtClean="0"/>
               <a:pPr/>
-              <a:t>6/12/2015</a:t>
+              <a:t>6/13/2015</a:t>
             </a:fld>
             <a:endParaRPr lang="en-US"/>
           </a:p>
@@ -2397,10 +4319,10 @@
           <a:bodyPr/>
           <a:lstStyle/>
           <a:p>
-            <a:fld id="{C3F416CD-67A3-4CF0-A210-F6AF31AC147F}" type="datetimeFigureOut">
+            <a:fld id="{7356CE78-0819-4007-850E-A56894881B6D}" type="datetime1">
               <a:rPr lang="en-US" smtClean="0"/>
               <a:pPr/>
-              <a:t>6/12/2015</a:t>
+              <a:t>6/13/2015</a:t>
             </a:fld>
             <a:endParaRPr lang="en-US"/>
           </a:p>
@@ -2658,10 +4580,10 @@
           <a:bodyPr/>
           <a:lstStyle/>
           <a:p>
-            <a:fld id="{C3F416CD-67A3-4CF0-A210-F6AF31AC147F}" type="datetimeFigureOut">
+            <a:fld id="{CC1AF57D-4E56-4047-B968-686F182F59DF}" type="datetime1">
               <a:rPr lang="en-US" smtClean="0"/>
               <a:pPr/>
-              <a:t>6/12/2015</a:t>
+              <a:t>6/13/2015</a:t>
             </a:fld>
             <a:endParaRPr lang="en-US"/>
           </a:p>
@@ -3065,10 +4987,10 @@
           <a:lstStyle/>
           <a:p>
             <a:pPr algn="l" eaLnBrk="1" latinLnBrk="0" hangingPunct="1"/>
-            <a:fld id="{C3F416CD-67A3-4CF0-A210-F6AF31AC147F}" type="datetimeFigureOut">
+            <a:fld id="{63CD4A00-FE57-4764-B17E-2A7D384E58FA}" type="datetime1">
               <a:rPr lang="en-US" smtClean="0"/>
               <a:pPr algn="l" eaLnBrk="1" latinLnBrk="0" hangingPunct="1"/>
-              <a:t>6/12/2015</a:t>
+              <a:t>6/13/2015</a:t>
             </a:fld>
             <a:endParaRPr lang="en-US"/>
           </a:p>
@@ -3199,10 +5121,10 @@
           <a:bodyPr/>
           <a:lstStyle/>
           <a:p>
-            <a:fld id="{C3F416CD-67A3-4CF0-A210-F6AF31AC147F}" type="datetimeFigureOut">
+            <a:fld id="{37E51ED9-8AE5-4305-92B4-372BC19C8E57}" type="datetime1">
               <a:rPr lang="en-US" smtClean="0"/>
               <a:pPr/>
-              <a:t>6/12/2015</a:t>
+              <a:t>6/13/2015</a:t>
             </a:fld>
             <a:endParaRPr lang="en-US"/>
           </a:p>
@@ -3301,10 +5223,10 @@
           <a:bodyPr/>
           <a:lstStyle/>
           <a:p>
-            <a:fld id="{C3F416CD-67A3-4CF0-A210-F6AF31AC147F}" type="datetimeFigureOut">
+            <a:fld id="{47B7250A-7741-4F9A-9CB2-FE4B75202625}" type="datetime1">
               <a:rPr lang="en-US" smtClean="0"/>
               <a:pPr/>
-              <a:t>6/12/2015</a:t>
+              <a:t>6/13/2015</a:t>
             </a:fld>
             <a:endParaRPr lang="en-US"/>
           </a:p>
@@ -3548,10 +5470,10 @@
           <a:bodyPr/>
           <a:lstStyle/>
           <a:p>
-            <a:fld id="{C3F416CD-67A3-4CF0-A210-F6AF31AC147F}" type="datetimeFigureOut">
+            <a:fld id="{BEC804FC-2CE8-473C-90F5-D11ED6D0D396}" type="datetime1">
               <a:rPr lang="en-US" smtClean="0"/>
               <a:pPr/>
-              <a:t>6/12/2015</a:t>
+              <a:t>6/13/2015</a:t>
             </a:fld>
             <a:endParaRPr lang="en-US"/>
           </a:p>
@@ -3794,10 +5716,10 @@
           <a:bodyPr/>
           <a:lstStyle/>
           <a:p>
-            <a:fld id="{C3F416CD-67A3-4CF0-A210-F6AF31AC147F}" type="datetimeFigureOut">
+            <a:fld id="{F5A78707-193E-4D94-A55F-CDBB83140EDF}" type="datetime1">
               <a:rPr lang="en-US" smtClean="0"/>
               <a:pPr/>
-              <a:t>6/12/2015</a:t>
+              <a:t>6/13/2015</a:t>
             </a:fld>
             <a:endParaRPr lang="en-US"/>
           </a:p>
@@ -4621,10 +6543,10 @@
           </a:lstStyle>
           <a:p>
             <a:pPr algn="l" eaLnBrk="1" latinLnBrk="0" hangingPunct="1"/>
-            <a:fld id="{C3F416CD-67A3-4CF0-A210-F6AF31AC147F}" type="datetimeFigureOut">
+            <a:fld id="{BBA285B1-AB10-47E3-B290-42F2FA703B52}" type="datetime1">
               <a:rPr lang="en-US" smtClean="0"/>
               <a:pPr algn="l" eaLnBrk="1" latinLnBrk="0" hangingPunct="1"/>
-              <a:t>6/12/2015</a:t>
+              <a:t>6/13/2015</a:t>
             </a:fld>
             <a:endParaRPr lang="en-US" sz="800" dirty="0">
               <a:solidFill>
@@ -4735,6 +6657,7 @@
     <p:sldLayoutId id="2147483670" r:id="rId10"/>
     <p:sldLayoutId id="2147483671" r:id="rId11"/>
   </p:sldLayoutIdLst>
+  <p:hf hdr="0" ftr="0" dt="0"/>
   <p:txStyles>
     <p:titleStyle>
       <a:lvl1pPr algn="l" rtl="0" eaLnBrk="1" latinLnBrk="0" hangingPunct="1">
@@ -5204,7 +7127,7 @@
           </p:nvPr>
         </p:nvPicPr>
         <p:blipFill>
-          <a:blip r:embed="rId2" cstate="print"/>
+          <a:blip r:embed="rId3" cstate="print"/>
           <a:stretch>
             <a:fillRect/>
           </a:stretch>
@@ -5216,6 +7139,30 @@
           </a:xfrm>
         </p:spPr>
       </p:pic>
+      <p:sp>
+        <p:nvSpPr>
+          <p:cNvPr id="5" name="Номер слайда 4"/>
+          <p:cNvSpPr>
+            <a:spLocks noGrp="1"/>
+          </p:cNvSpPr>
+          <p:nvPr>
+            <p:ph type="sldNum" sz="quarter" idx="12"/>
+          </p:nvPr>
+        </p:nvSpPr>
+        <p:spPr/>
+        <p:txBody>
+          <a:bodyPr/>
+          <a:lstStyle/>
+          <a:p>
+            <a:fld id="{96652B35-718D-4E28-AFEB-B694A3B357E8}" type="slidenum">
+              <a:rPr kumimoji="0" lang="en-US" smtClean="0"/>
+              <a:pPr/>
+              <a:t>10</a:t>
+            </a:fld>
+            <a:endParaRPr kumimoji="0" lang="en-US"/>
+          </a:p>
+        </p:txBody>
+      </p:sp>
     </p:spTree>
   </p:cSld>
   <p:clrMapOvr>
@@ -5278,9 +7225,33 @@
           </a:p>
         </p:txBody>
       </p:sp>
+      <p:sp>
+        <p:nvSpPr>
+          <p:cNvPr id="5" name="Номер слайда 4"/>
+          <p:cNvSpPr>
+            <a:spLocks noGrp="1"/>
+          </p:cNvSpPr>
+          <p:nvPr>
+            <p:ph type="sldNum" sz="quarter" idx="12"/>
+          </p:nvPr>
+        </p:nvSpPr>
+        <p:spPr/>
+        <p:txBody>
+          <a:bodyPr/>
+          <a:lstStyle/>
+          <a:p>
+            <a:fld id="{96652B35-718D-4E28-AFEB-B694A3B357E8}" type="slidenum">
+              <a:rPr kumimoji="0" lang="en-US" smtClean="0"/>
+              <a:pPr/>
+              <a:t>11</a:t>
+            </a:fld>
+            <a:endParaRPr kumimoji="0" lang="en-US"/>
+          </a:p>
+        </p:txBody>
+      </p:sp>
       <p:pic>
         <p:nvPicPr>
-          <p:cNvPr id="4" name="Содержимое 3" descr="интерфейс АРМ_ДСП.jpg"/>
+          <p:cNvPr id="7" name="Содержимое 6" descr="Листы_temp(9).jpg"/>
           <p:cNvPicPr>
             <a:picLocks noGrp="1" noChangeAspect="1"/>
           </p:cNvPicPr>
@@ -5289,15 +7260,15 @@
           </p:nvPr>
         </p:nvPicPr>
         <p:blipFill>
-          <a:blip r:embed="rId2" cstate="print"/>
+          <a:blip r:embed="rId3" cstate="print"/>
           <a:stretch>
             <a:fillRect/>
           </a:stretch>
         </p:blipFill>
         <p:spPr>
           <a:xfrm>
-            <a:off x="285720" y="1454286"/>
-            <a:ext cx="8572560" cy="5119552"/>
+            <a:off x="500034" y="1357299"/>
+            <a:ext cx="8286807" cy="5216540"/>
           </a:xfrm>
         </p:spPr>
       </p:pic>
@@ -5306,6 +7277,13 @@
   <p:clrMapOvr>
     <a:masterClrMapping/>
   </p:clrMapOvr>
+  <p:timing>
+    <p:tnLst>
+      <p:par>
+        <p:cTn id="1" dur="indefinite" restart="never" nodeType="tmRoot"/>
+      </p:par>
+    </p:tnLst>
+  </p:timing>
 </p:sld>
 </file>
 
@@ -5367,7 +7345,7 @@
           </p:nvPr>
         </p:nvPicPr>
         <p:blipFill>
-          <a:blip r:embed="rId2" cstate="print"/>
+          <a:blip r:embed="rId3" cstate="print"/>
           <a:stretch>
             <a:fillRect/>
           </a:stretch>
@@ -5379,11 +7357,42 @@
           </a:xfrm>
         </p:spPr>
       </p:pic>
+      <p:sp>
+        <p:nvSpPr>
+          <p:cNvPr id="5" name="Номер слайда 4"/>
+          <p:cNvSpPr>
+            <a:spLocks noGrp="1"/>
+          </p:cNvSpPr>
+          <p:nvPr>
+            <p:ph type="sldNum" sz="quarter" idx="12"/>
+          </p:nvPr>
+        </p:nvSpPr>
+        <p:spPr/>
+        <p:txBody>
+          <a:bodyPr/>
+          <a:lstStyle/>
+          <a:p>
+            <a:fld id="{96652B35-718D-4E28-AFEB-B694A3B357E8}" type="slidenum">
+              <a:rPr kumimoji="0" lang="en-US" smtClean="0"/>
+              <a:pPr/>
+              <a:t>12</a:t>
+            </a:fld>
+            <a:endParaRPr kumimoji="0" lang="en-US"/>
+          </a:p>
+        </p:txBody>
+      </p:sp>
     </p:spTree>
   </p:cSld>
   <p:clrMapOvr>
     <a:masterClrMapping/>
   </p:clrMapOvr>
+  <p:timing>
+    <p:tnLst>
+      <p:par>
+        <p:cTn id="1" dur="indefinite" restart="never" nodeType="tmRoot"/>
+      </p:par>
+    </p:tnLst>
+  </p:timing>
 </p:sld>
 </file>
 
@@ -5445,7 +7454,7 @@
           </p:nvPr>
         </p:nvPicPr>
         <p:blipFill>
-          <a:blip r:embed="rId2" cstate="print"/>
+          <a:blip r:embed="rId3" cstate="print"/>
           <a:stretch>
             <a:fillRect/>
           </a:stretch>
@@ -5457,11 +7466,42 @@
           </a:xfrm>
         </p:spPr>
       </p:pic>
+      <p:sp>
+        <p:nvSpPr>
+          <p:cNvPr id="5" name="Номер слайда 4"/>
+          <p:cNvSpPr>
+            <a:spLocks noGrp="1"/>
+          </p:cNvSpPr>
+          <p:nvPr>
+            <p:ph type="sldNum" sz="quarter" idx="12"/>
+          </p:nvPr>
+        </p:nvSpPr>
+        <p:spPr/>
+        <p:txBody>
+          <a:bodyPr/>
+          <a:lstStyle/>
+          <a:p>
+            <a:fld id="{96652B35-718D-4E28-AFEB-B694A3B357E8}" type="slidenum">
+              <a:rPr kumimoji="0" lang="en-US" smtClean="0"/>
+              <a:pPr/>
+              <a:t>13</a:t>
+            </a:fld>
+            <a:endParaRPr kumimoji="0" lang="en-US"/>
+          </a:p>
+        </p:txBody>
+      </p:sp>
     </p:spTree>
   </p:cSld>
   <p:clrMapOvr>
     <a:masterClrMapping/>
   </p:clrMapOvr>
+  <p:timing>
+    <p:tnLst>
+      <p:par>
+        <p:cTn id="1" dur="indefinite" restart="never" nodeType="tmRoot"/>
+      </p:par>
+    </p:tnLst>
+  </p:timing>
 </p:sld>
 </file>
 
@@ -5494,20 +7534,102 @@
         </p:nvSpPr>
         <p:spPr>
           <a:xfrm>
-            <a:off x="457200" y="1143000"/>
-            <a:ext cx="8229600" cy="4071950"/>
+            <a:off x="457200" y="642918"/>
+            <a:ext cx="8229600" cy="857256"/>
           </a:xfrm>
         </p:spPr>
         <p:txBody>
           <a:bodyPr/>
           <a:lstStyle/>
           <a:p>
-            <a:pPr algn="ctr"/>
             <a:r>
               <a:rPr lang="ru-RU" dirty="0" smtClean="0"/>
-              <a:t>Спасибо за внимание!</a:t>
+              <a:t>Выводы</a:t>
             </a:r>
             <a:endParaRPr lang="ru-RU" dirty="0"/>
+          </a:p>
+        </p:txBody>
+      </p:sp>
+      <p:sp>
+        <p:nvSpPr>
+          <p:cNvPr id="3" name="Содержимое 2"/>
+          <p:cNvSpPr>
+            <a:spLocks noGrp="1"/>
+          </p:cNvSpPr>
+          <p:nvPr>
+            <p:ph idx="1"/>
+          </p:nvPr>
+        </p:nvSpPr>
+        <p:spPr>
+          <a:xfrm>
+            <a:off x="457200" y="1571612"/>
+            <a:ext cx="8229600" cy="5002924"/>
+          </a:xfrm>
+        </p:spPr>
+        <p:txBody>
+          <a:bodyPr/>
+          <a:lstStyle/>
+          <a:p>
+            <a:r>
+              <a:rPr lang="ru-RU" dirty="0" smtClean="0"/>
+              <a:t>Проработана и утверждена структура системы </a:t>
+            </a:r>
+            <a:r>
+              <a:rPr lang="ru-RU" dirty="0" smtClean="0"/>
+              <a:t>МПЦ</a:t>
+            </a:r>
+          </a:p>
+          <a:p>
+            <a:r>
+              <a:rPr lang="ru-RU" dirty="0" smtClean="0"/>
+              <a:t>Разработан </a:t>
+            </a:r>
+            <a:r>
+              <a:rPr lang="ru-RU" dirty="0" smtClean="0"/>
+              <a:t>интерфейс рабочего места диспетчера</a:t>
+            </a:r>
+          </a:p>
+          <a:p>
+            <a:r>
+              <a:rPr lang="ru-RU" dirty="0" smtClean="0"/>
+              <a:t>Разработан рабочий прототип системы МПЦ для типовой станции метрополитена</a:t>
+            </a:r>
+          </a:p>
+          <a:p>
+            <a:r>
+              <a:rPr lang="ru-RU" dirty="0" smtClean="0"/>
+              <a:t>Разработаны программы САПР для автоматизированной генерации технических алгоритмов работы станции</a:t>
+            </a:r>
+          </a:p>
+          <a:p>
+            <a:r>
+              <a:rPr lang="ru-RU" dirty="0" smtClean="0"/>
+              <a:t>Начата работа по разработке системы МПЦ с использованием САПР</a:t>
+            </a:r>
+          </a:p>
+        </p:txBody>
+      </p:sp>
+      <p:sp>
+        <p:nvSpPr>
+          <p:cNvPr id="4" name="Номер слайда 3"/>
+          <p:cNvSpPr>
+            <a:spLocks noGrp="1"/>
+          </p:cNvSpPr>
+          <p:nvPr>
+            <p:ph type="sldNum" sz="quarter" idx="12"/>
+          </p:nvPr>
+        </p:nvSpPr>
+        <p:spPr/>
+        <p:txBody>
+          <a:bodyPr/>
+          <a:lstStyle/>
+          <a:p>
+            <a:fld id="{96652B35-718D-4E28-AFEB-B694A3B357E8}" type="slidenum">
+              <a:rPr kumimoji="0" lang="en-US" smtClean="0"/>
+              <a:pPr/>
+              <a:t>14</a:t>
+            </a:fld>
+            <a:endParaRPr kumimoji="0" lang="en-US"/>
           </a:p>
         </p:txBody>
       </p:sp>
@@ -5516,6 +7638,98 @@
   <p:clrMapOvr>
     <a:masterClrMapping/>
   </p:clrMapOvr>
+  <p:timing>
+    <p:tnLst>
+      <p:par>
+        <p:cTn id="1" dur="indefinite" restart="never" nodeType="tmRoot"/>
+      </p:par>
+    </p:tnLst>
+  </p:timing>
+</p:sld>
+</file>
+
+<file path=ppt/slides/slide15.xml><?xml version="1.0" encoding="utf-8"?>
+<p:sld xmlns:a="http://schemas.openxmlformats.org/drawingml/2006/main" xmlns:r="http://schemas.openxmlformats.org/officeDocument/2006/relationships" xmlns:p="http://schemas.openxmlformats.org/presentationml/2006/main">
+  <p:cSld>
+    <p:spTree>
+      <p:nvGrpSpPr>
+        <p:cNvPr id="1" name=""/>
+        <p:cNvGrpSpPr/>
+        <p:nvPr/>
+      </p:nvGrpSpPr>
+      <p:grpSpPr>
+        <a:xfrm>
+          <a:off x="0" y="0"/>
+          <a:ext cx="0" cy="0"/>
+          <a:chOff x="0" y="0"/>
+          <a:chExt cx="0" cy="0"/>
+        </a:xfrm>
+      </p:grpSpPr>
+      <p:sp>
+        <p:nvSpPr>
+          <p:cNvPr id="2" name="Заголовок 1"/>
+          <p:cNvSpPr>
+            <a:spLocks noGrp="1"/>
+          </p:cNvSpPr>
+          <p:nvPr>
+            <p:ph type="title"/>
+          </p:nvPr>
+        </p:nvSpPr>
+        <p:spPr>
+          <a:xfrm>
+            <a:off x="457200" y="1143000"/>
+            <a:ext cx="8229600" cy="4071950"/>
+          </a:xfrm>
+        </p:spPr>
+        <p:txBody>
+          <a:bodyPr/>
+          <a:lstStyle/>
+          <a:p>
+            <a:pPr algn="ctr"/>
+            <a:r>
+              <a:rPr lang="ru-RU" dirty="0" smtClean="0"/>
+              <a:t>Спасибо за внимание!</a:t>
+            </a:r>
+            <a:endParaRPr lang="ru-RU" dirty="0"/>
+          </a:p>
+        </p:txBody>
+      </p:sp>
+      <p:sp>
+        <p:nvSpPr>
+          <p:cNvPr id="3" name="Номер слайда 2"/>
+          <p:cNvSpPr>
+            <a:spLocks noGrp="1"/>
+          </p:cNvSpPr>
+          <p:nvPr>
+            <p:ph type="sldNum" sz="quarter" idx="12"/>
+          </p:nvPr>
+        </p:nvSpPr>
+        <p:spPr/>
+        <p:txBody>
+          <a:bodyPr/>
+          <a:lstStyle/>
+          <a:p>
+            <a:fld id="{96652B35-718D-4E28-AFEB-B694A3B357E8}" type="slidenum">
+              <a:rPr kumimoji="0" lang="en-US" smtClean="0"/>
+              <a:pPr/>
+              <a:t>15</a:t>
+            </a:fld>
+            <a:endParaRPr kumimoji="0" lang="en-US"/>
+          </a:p>
+        </p:txBody>
+      </p:sp>
+    </p:spTree>
+  </p:cSld>
+  <p:clrMapOvr>
+    <a:masterClrMapping/>
+  </p:clrMapOvr>
+  <p:timing>
+    <p:tnLst>
+      <p:par>
+        <p:cTn id="1" dur="indefinite" restart="never" nodeType="tmRoot"/>
+      </p:par>
+    </p:tnLst>
+  </p:timing>
 </p:sld>
 </file>
 
@@ -5617,6 +7831,30 @@
               <a:buNone/>
             </a:pPr>
             <a:endParaRPr lang="ru-RU" dirty="0"/>
+          </a:p>
+        </p:txBody>
+      </p:sp>
+      <p:sp>
+        <p:nvSpPr>
+          <p:cNvPr id="4" name="Номер слайда 3"/>
+          <p:cNvSpPr>
+            <a:spLocks noGrp="1"/>
+          </p:cNvSpPr>
+          <p:nvPr>
+            <p:ph type="sldNum" sz="quarter" idx="12"/>
+          </p:nvPr>
+        </p:nvSpPr>
+        <p:spPr/>
+        <p:txBody>
+          <a:bodyPr/>
+          <a:lstStyle/>
+          <a:p>
+            <a:fld id="{96652B35-718D-4E28-AFEB-B694A3B357E8}" type="slidenum">
+              <a:rPr kumimoji="0" lang="en-US" smtClean="0"/>
+              <a:pPr/>
+              <a:t>2</a:t>
+            </a:fld>
+            <a:endParaRPr kumimoji="0" lang="en-US"/>
           </a:p>
         </p:txBody>
       </p:sp>
@@ -5746,6 +7984,30 @@
           </a:p>
         </p:txBody>
       </p:sp>
+      <p:sp>
+        <p:nvSpPr>
+          <p:cNvPr id="4" name="Номер слайда 3"/>
+          <p:cNvSpPr>
+            <a:spLocks noGrp="1"/>
+          </p:cNvSpPr>
+          <p:nvPr>
+            <p:ph type="sldNum" sz="quarter" idx="12"/>
+          </p:nvPr>
+        </p:nvSpPr>
+        <p:spPr/>
+        <p:txBody>
+          <a:bodyPr/>
+          <a:lstStyle/>
+          <a:p>
+            <a:fld id="{96652B35-718D-4E28-AFEB-B694A3B357E8}" type="slidenum">
+              <a:rPr kumimoji="0" lang="en-US" smtClean="0"/>
+              <a:pPr/>
+              <a:t>3</a:t>
+            </a:fld>
+            <a:endParaRPr kumimoji="0" lang="en-US"/>
+          </a:p>
+        </p:txBody>
+      </p:sp>
     </p:spTree>
   </p:cSld>
   <p:clrMapOvr>
@@ -5819,7 +8081,7 @@
           </p:nvPr>
         </p:nvPicPr>
         <p:blipFill>
-          <a:blip r:embed="rId2" cstate="print"/>
+          <a:blip r:embed="rId3" cstate="print"/>
           <a:stretch>
             <a:fillRect/>
           </a:stretch>
@@ -5831,6 +8093,30 @@
           </a:xfrm>
         </p:spPr>
       </p:pic>
+      <p:sp>
+        <p:nvSpPr>
+          <p:cNvPr id="5" name="Номер слайда 4"/>
+          <p:cNvSpPr>
+            <a:spLocks noGrp="1"/>
+          </p:cNvSpPr>
+          <p:nvPr>
+            <p:ph type="sldNum" sz="quarter" idx="12"/>
+          </p:nvPr>
+        </p:nvSpPr>
+        <p:spPr/>
+        <p:txBody>
+          <a:bodyPr/>
+          <a:lstStyle/>
+          <a:p>
+            <a:fld id="{96652B35-718D-4E28-AFEB-B694A3B357E8}" type="slidenum">
+              <a:rPr kumimoji="0" lang="en-US" smtClean="0"/>
+              <a:pPr/>
+              <a:t>4</a:t>
+            </a:fld>
+            <a:endParaRPr kumimoji="0" lang="en-US"/>
+          </a:p>
+        </p:txBody>
+      </p:sp>
     </p:spTree>
   </p:cSld>
   <p:clrMapOvr>
@@ -5904,7 +8190,7 @@
           </p:nvPr>
         </p:nvPicPr>
         <p:blipFill>
-          <a:blip r:embed="rId2" cstate="print"/>
+          <a:blip r:embed="rId3" cstate="print"/>
           <a:stretch>
             <a:fillRect/>
           </a:stretch>
@@ -5916,6 +8202,30 @@
           </a:xfrm>
         </p:spPr>
       </p:pic>
+      <p:sp>
+        <p:nvSpPr>
+          <p:cNvPr id="5" name="Номер слайда 4"/>
+          <p:cNvSpPr>
+            <a:spLocks noGrp="1"/>
+          </p:cNvSpPr>
+          <p:nvPr>
+            <p:ph type="sldNum" sz="quarter" idx="12"/>
+          </p:nvPr>
+        </p:nvSpPr>
+        <p:spPr/>
+        <p:txBody>
+          <a:bodyPr/>
+          <a:lstStyle/>
+          <a:p>
+            <a:fld id="{96652B35-718D-4E28-AFEB-B694A3B357E8}" type="slidenum">
+              <a:rPr kumimoji="0" lang="en-US" smtClean="0"/>
+              <a:pPr/>
+              <a:t>5</a:t>
+            </a:fld>
+            <a:endParaRPr kumimoji="0" lang="en-US"/>
+          </a:p>
+        </p:txBody>
+      </p:sp>
     </p:spTree>
   </p:cSld>
   <p:clrMapOvr>
@@ -5989,7 +8299,7 @@
           </p:nvPr>
         </p:nvPicPr>
         <p:blipFill>
-          <a:blip r:embed="rId2" cstate="print"/>
+          <a:blip r:embed="rId3" cstate="print"/>
           <a:stretch>
             <a:fillRect/>
           </a:stretch>
@@ -6001,6 +8311,30 @@
           </a:xfrm>
         </p:spPr>
       </p:pic>
+      <p:sp>
+        <p:nvSpPr>
+          <p:cNvPr id="4" name="Номер слайда 3"/>
+          <p:cNvSpPr>
+            <a:spLocks noGrp="1"/>
+          </p:cNvSpPr>
+          <p:nvPr>
+            <p:ph type="sldNum" sz="quarter" idx="12"/>
+          </p:nvPr>
+        </p:nvSpPr>
+        <p:spPr/>
+        <p:txBody>
+          <a:bodyPr/>
+          <a:lstStyle/>
+          <a:p>
+            <a:fld id="{96652B35-718D-4E28-AFEB-B694A3B357E8}" type="slidenum">
+              <a:rPr kumimoji="0" lang="en-US" smtClean="0"/>
+              <a:pPr/>
+              <a:t>6</a:t>
+            </a:fld>
+            <a:endParaRPr kumimoji="0" lang="en-US"/>
+          </a:p>
+        </p:txBody>
+      </p:sp>
     </p:spTree>
   </p:cSld>
   <p:clrMapOvr>
@@ -6074,7 +8408,7 @@
           </p:nvPr>
         </p:nvPicPr>
         <p:blipFill>
-          <a:blip r:embed="rId2" cstate="print"/>
+          <a:blip r:embed="rId3" cstate="print"/>
           <a:stretch>
             <a:fillRect/>
           </a:stretch>
@@ -6086,6 +8420,30 @@
           </a:xfrm>
         </p:spPr>
       </p:pic>
+      <p:sp>
+        <p:nvSpPr>
+          <p:cNvPr id="4" name="Номер слайда 3"/>
+          <p:cNvSpPr>
+            <a:spLocks noGrp="1"/>
+          </p:cNvSpPr>
+          <p:nvPr>
+            <p:ph type="sldNum" sz="quarter" idx="12"/>
+          </p:nvPr>
+        </p:nvSpPr>
+        <p:spPr/>
+        <p:txBody>
+          <a:bodyPr/>
+          <a:lstStyle/>
+          <a:p>
+            <a:fld id="{96652B35-718D-4E28-AFEB-B694A3B357E8}" type="slidenum">
+              <a:rPr kumimoji="0" lang="en-US" smtClean="0"/>
+              <a:pPr/>
+              <a:t>7</a:t>
+            </a:fld>
+            <a:endParaRPr kumimoji="0" lang="en-US"/>
+          </a:p>
+        </p:txBody>
+      </p:sp>
     </p:spTree>
   </p:cSld>
   <p:clrMapOvr>
@@ -6159,7 +8517,7 @@
           </p:nvPr>
         </p:nvPicPr>
         <p:blipFill>
-          <a:blip r:embed="rId2" cstate="print"/>
+          <a:blip r:embed="rId3" cstate="print"/>
           <a:stretch>
             <a:fillRect/>
           </a:stretch>
@@ -6171,6 +8529,30 @@
           </a:xfrm>
         </p:spPr>
       </p:pic>
+      <p:sp>
+        <p:nvSpPr>
+          <p:cNvPr id="5" name="Номер слайда 4"/>
+          <p:cNvSpPr>
+            <a:spLocks noGrp="1"/>
+          </p:cNvSpPr>
+          <p:nvPr>
+            <p:ph type="sldNum" sz="quarter" idx="12"/>
+          </p:nvPr>
+        </p:nvSpPr>
+        <p:spPr/>
+        <p:txBody>
+          <a:bodyPr/>
+          <a:lstStyle/>
+          <a:p>
+            <a:fld id="{96652B35-718D-4E28-AFEB-B694A3B357E8}" type="slidenum">
+              <a:rPr kumimoji="0" lang="en-US" smtClean="0"/>
+              <a:pPr/>
+              <a:t>8</a:t>
+            </a:fld>
+            <a:endParaRPr kumimoji="0" lang="en-US"/>
+          </a:p>
+        </p:txBody>
+      </p:sp>
     </p:spTree>
   </p:cSld>
   <p:clrMapOvr>
@@ -6187,7 +8569,7 @@
 </file>
 
 <file path=ppt/slides/slide9.xml><?xml version="1.0" encoding="utf-8"?>
-<p:sld xmlns:a="http://schemas.openxmlformats.org/drawingml/2006/main" xmlns:r="http://schemas.openxmlformats.org/officeDocument/2006/relationships" xmlns:p="http://schemas.openxmlformats.org/presentationml/2006/main">
+<p:sld xmlns:a="http://schemas.openxmlformats.org/drawingml/2006/main" xmlns:r="http://schemas.openxmlformats.org/officeDocument/2006/relationships" xmlns:p="http://schemas.openxmlformats.org/presentationml/2006/main" show="0">
   <p:cSld>
     <p:spTree>
       <p:nvGrpSpPr>
@@ -6227,15 +8609,7 @@
           <a:p>
             <a:r>
               <a:rPr lang="ru-RU" sz="2800" dirty="0" smtClean="0"/>
-              <a:t>Структура технического приложения при </a:t>
-            </a:r>
-            <a:r>
-              <a:rPr lang="ru-RU" sz="2800" dirty="0" smtClean="0"/>
-              <a:t>автоматизированном </a:t>
-            </a:r>
-            <a:r>
-              <a:rPr lang="ru-RU" sz="2800" dirty="0" smtClean="0"/>
-              <a:t>кодировании алгоритмов</a:t>
+              <a:t>Структура технического приложения при автоматизированном кодировании алгоритмов</a:t>
             </a:r>
             <a:endParaRPr lang="ru-RU" sz="2800" dirty="0"/>
           </a:p>
@@ -6252,7 +8626,7 @@
           </p:nvPr>
         </p:nvPicPr>
         <p:blipFill>
-          <a:blip r:embed="rId2" cstate="print"/>
+          <a:blip r:embed="rId3" cstate="print"/>
           <a:stretch>
             <a:fillRect/>
           </a:stretch>
@@ -6264,11 +8638,36 @@
           </a:xfrm>
         </p:spPr>
       </p:pic>
+      <p:sp>
+        <p:nvSpPr>
+          <p:cNvPr id="5" name="Номер слайда 4"/>
+          <p:cNvSpPr>
+            <a:spLocks noGrp="1"/>
+          </p:cNvSpPr>
+          <p:nvPr>
+            <p:ph type="sldNum" sz="quarter" idx="12"/>
+          </p:nvPr>
+        </p:nvSpPr>
+        <p:spPr/>
+        <p:txBody>
+          <a:bodyPr/>
+          <a:lstStyle/>
+          <a:p>
+            <a:fld id="{96652B35-718D-4E28-AFEB-B694A3B357E8}" type="slidenum">
+              <a:rPr kumimoji="0" lang="en-US" smtClean="0"/>
+              <a:pPr/>
+              <a:t>9</a:t>
+            </a:fld>
+            <a:endParaRPr kumimoji="0" lang="en-US"/>
+          </a:p>
+        </p:txBody>
+      </p:sp>
     </p:spTree>
   </p:cSld>
   <p:clrMapOvr>
     <a:masterClrMapping/>
   </p:clrMapOvr>
+  <p:transition/>
   <p:timing>
     <p:tnLst>
       <p:par>

--- a/Диплом мой/Презентация/Presentation_Filatov_RK6-123.pptx
+++ b/Диплом мой/Презентация/Presentation_Filatov_RK6-123.pptx
@@ -210,7 +210,7 @@
             <a:fld id="{E0849B89-1FF6-4C86-913D-2041E081409D}" type="datetimeFigureOut">
               <a:rPr lang="ru-RU" smtClean="0"/>
               <a:pPr/>
-              <a:t>13.06.2015</a:t>
+              <a:t>14.06.2015</a:t>
             </a:fld>
             <a:endParaRPr lang="ru-RU"/>
           </a:p>
@@ -372,7 +372,7 @@
             <a:fld id="{B1730844-14C6-48C0-A5D6-3038B5537A2D}" type="datetimeFigureOut">
               <a:rPr lang="ru-RU" smtClean="0"/>
               <a:pPr/>
-              <a:t>13.06.2015</a:t>
+              <a:t>14.06.2015</a:t>
             </a:fld>
             <a:endParaRPr lang="ru-RU"/>
           </a:p>
@@ -1335,93 +1335,6 @@
               <a:tabLst/>
               <a:defRPr/>
             </a:pPr>
-            <a:r>
-              <a:rPr lang="ru-RU" sz="1200" kern="1200" baseline="0" dirty="0" smtClean="0">
-                <a:solidFill>
-                  <a:schemeClr val="tx1"/>
-                </a:solidFill>
-                <a:effectLst/>
-                <a:latin typeface="+mn-lt"/>
-                <a:ea typeface="+mn-ea"/>
-                <a:cs typeface="+mn-cs"/>
-              </a:rPr>
-              <a:t>В ходе расчетов выявлено, </a:t>
-            </a:r>
-            <a:r>
-              <a:rPr lang="ru-RU" sz="1200" kern="1200" dirty="0" smtClean="0">
-                <a:solidFill>
-                  <a:schemeClr val="tx1"/>
-                </a:solidFill>
-                <a:latin typeface="+mn-lt"/>
-                <a:ea typeface="+mn-ea"/>
-                <a:cs typeface="+mn-cs"/>
-              </a:rPr>
-              <a:t>что разработка с</a:t>
-            </a:r>
-            <a:r>
-              <a:rPr lang="ru-RU" sz="1200" kern="1200" baseline="0" dirty="0" smtClean="0">
-                <a:solidFill>
-                  <a:schemeClr val="tx1"/>
-                </a:solidFill>
-                <a:latin typeface="+mn-lt"/>
-                <a:ea typeface="+mn-ea"/>
-                <a:cs typeface="+mn-cs"/>
-              </a:rPr>
-              <a:t> учетом </a:t>
-            </a:r>
-            <a:r>
-              <a:rPr lang="ru-RU" sz="1200" kern="1200" dirty="0" smtClean="0">
-                <a:solidFill>
-                  <a:schemeClr val="tx1"/>
-                </a:solidFill>
-                <a:latin typeface="+mn-lt"/>
-                <a:ea typeface="+mn-ea"/>
-                <a:cs typeface="+mn-cs"/>
-              </a:rPr>
-              <a:t>использования</a:t>
-            </a:r>
-            <a:r>
-              <a:rPr lang="ru-RU" sz="1200" kern="1200" baseline="0" dirty="0" smtClean="0">
-                <a:solidFill>
-                  <a:schemeClr val="tx1"/>
-                </a:solidFill>
-                <a:latin typeface="+mn-lt"/>
-                <a:ea typeface="+mn-ea"/>
-                <a:cs typeface="+mn-cs"/>
-              </a:rPr>
-              <a:t> САПР и выполнения в срок,</a:t>
-            </a:r>
-            <a:r>
-              <a:rPr lang="ru-RU" sz="1200" kern="1200" dirty="0" smtClean="0">
-                <a:solidFill>
-                  <a:schemeClr val="tx1"/>
-                </a:solidFill>
-                <a:latin typeface="+mn-lt"/>
-                <a:ea typeface="+mn-ea"/>
-                <a:cs typeface="+mn-cs"/>
-              </a:rPr>
-              <a:t> полностью окупается при установке на малую типовую станцию железнодорожного транспорта в 32 стрелки.</a:t>
-            </a:r>
-            <a:endParaRPr lang="ru-RU" dirty="0" smtClean="0"/>
-          </a:p>
-          <a:p>
-            <a:pPr marL="0" marR="0" indent="0" algn="l" defTabSz="914400" rtl="0" eaLnBrk="1" fontAlgn="auto" latinLnBrk="0" hangingPunct="1">
-              <a:lnSpc>
-                <a:spcPct val="100000"/>
-              </a:lnSpc>
-              <a:spcBef>
-                <a:spcPts val="0"/>
-              </a:spcBef>
-              <a:spcAft>
-                <a:spcPts val="0"/>
-              </a:spcAft>
-              <a:buClrTx/>
-              <a:buSzTx/>
-              <a:buFontTx/>
-              <a:buNone/>
-              <a:tabLst/>
-              <a:defRPr/>
-            </a:pPr>
             <a:endParaRPr lang="ru-RU" sz="1200" kern="1200" dirty="0" smtClean="0">
               <a:solidFill>
                 <a:schemeClr val="tx1"/>
@@ -1523,7 +1436,15 @@
           <a:p>
             <a:r>
               <a:rPr lang="ru-RU" dirty="0" smtClean="0"/>
-              <a:t>Работа по автоматизации и ускорению разработки системы МПЦ еще не закончена, но уже есть наработки в этом направлении в виде реализации комплекса программ САПР и начала работ по созданию технического приложения.</a:t>
+              <a:t>Работа по автоматизации и ускорению разработки системы МПЦ еще не закончена, но уже есть наработки в этом направлении в виде реализации комплекса программ САПР и начала работ по созданию технического </a:t>
+            </a:r>
+            <a:r>
+              <a:rPr lang="ru-RU" dirty="0" smtClean="0"/>
+              <a:t>приложения</a:t>
+            </a:r>
+            <a:r>
+              <a:rPr lang="ru-RU" baseline="0" dirty="0" smtClean="0"/>
+              <a:t> с использованием этих программ.</a:t>
             </a:r>
             <a:endParaRPr lang="ru-RU" dirty="0"/>
           </a:p>
@@ -1643,7 +1564,7 @@
                 <a:ea typeface="+mn-ea"/>
                 <a:cs typeface="+mn-cs"/>
               </a:rPr>
-              <a:t>Непосредственно создание системы МПЦ предполагалось в первую очередь для проработки структуры и функционала системы в общем, и вторично в рекламных целях для демонстрации возможностей компании</a:t>
+              <a:t>Хочу отметить, что непосредственно </a:t>
             </a:r>
             <a:r>
               <a:rPr lang="ru-RU" sz="1200" b="0" i="0" kern="1200" baseline="0" dirty="0" smtClean="0">
@@ -1655,17 +1576,8 @@
                 <a:ea typeface="+mn-ea"/>
                 <a:cs typeface="+mn-cs"/>
               </a:rPr>
-              <a:t>.</a:t>
-            </a:r>
-            <a:endParaRPr lang="ru-RU" sz="1200" b="0" i="0" kern="1200" baseline="0" dirty="0" smtClean="0">
-              <a:solidFill>
-                <a:schemeClr val="tx1"/>
-              </a:solidFill>
-              <a:effectLst/>
-              <a:latin typeface="+mn-lt"/>
-              <a:ea typeface="+mn-ea"/>
-              <a:cs typeface="+mn-cs"/>
-            </a:endParaRPr>
+              <a:t>создание системы МПЦ предполагалось в первую очередь для проработки структуры и функционала системы в общем, и вторично в рекламных целях для демонстрации возможностей компании.</a:t>
+            </a:r>
           </a:p>
         </p:txBody>
       </p:sp>
@@ -1753,27 +1665,7 @@
             </a:r>
             <a:r>
               <a:rPr lang="ru-RU" baseline="0" dirty="0" smtClean="0"/>
-              <a:t> </a:t>
-            </a:r>
-            <a:r>
-              <a:rPr lang="ru-RU" baseline="0" dirty="0" smtClean="0"/>
-              <a:t>централизации стрелок и </a:t>
-            </a:r>
-            <a:r>
-              <a:rPr lang="ru-RU" baseline="0" dirty="0" smtClean="0"/>
-              <a:t>сигналов могут быть релейными или микропроцессорными. В </a:t>
-            </a:r>
-            <a:r>
-              <a:rPr lang="ru-RU" baseline="0" dirty="0" smtClean="0"/>
-              <a:t>независимости от </a:t>
-            </a:r>
-            <a:r>
-              <a:rPr lang="ru-RU" baseline="0" dirty="0" smtClean="0"/>
-              <a:t>типа такие системы представляют </a:t>
-            </a:r>
-            <a:r>
-              <a:rPr lang="ru-RU" baseline="0" dirty="0" smtClean="0"/>
-              <a:t>собой комплекс технических решений, основные функции которого это контроль и управление станционными </a:t>
+              <a:t> централизации стрелок и сигналов могут быть релейными или микропроцессорными. В независимости от типа такие системы представляют собой комплекс технических решений, основные функции которого это контроль и управление станционными </a:t>
             </a:r>
             <a:r>
               <a:rPr lang="ru-RU" baseline="0" dirty="0" err="1" smtClean="0"/>
@@ -1781,7 +1673,11 @@
             </a:r>
             <a:r>
               <a:rPr lang="ru-RU" baseline="0" dirty="0" smtClean="0"/>
-              <a:t>. По сравнению с устаревающими системами релейной централизации, системы микропроцессорной централизации обладают рядом преимуществ. </a:t>
+              <a:t>. По сравнению с устаревающими системами релейной централизации, системы микропроцессорной централизации обладают рядом </a:t>
+            </a:r>
+            <a:r>
+              <a:rPr lang="ru-RU" baseline="0" dirty="0" smtClean="0"/>
+              <a:t>преимуществ, основные из которых представлены на слайде.</a:t>
             </a:r>
             <a:endParaRPr lang="ru-RU" dirty="0"/>
           </a:p>
@@ -1896,7 +1792,73 @@
                 <a:ea typeface="+mn-ea"/>
                 <a:cs typeface="+mn-cs"/>
               </a:rPr>
-              <a:t>Верхним уровнем являются автоматизированные рабочие места диспетчера в количестве до 3-х штук, и дежурного электромеханика. Второй уровень включает в себя источники питания, контроллеры, </a:t>
+              <a:t>Верхним уровнем являются автоматизированные рабочие места диспетчера в количестве до 3-х штук</a:t>
+            </a:r>
+            <a:r>
+              <a:rPr lang="ru-RU" sz="1200" kern="1200" dirty="0" smtClean="0">
+                <a:solidFill>
+                  <a:schemeClr val="tx1"/>
+                </a:solidFill>
+                <a:latin typeface="+mn-lt"/>
+                <a:ea typeface="+mn-ea"/>
+                <a:cs typeface="+mn-cs"/>
+              </a:rPr>
+              <a:t>, </a:t>
+            </a:r>
+            <a:r>
+              <a:rPr lang="ru-RU" sz="1200" kern="1200" dirty="0" smtClean="0">
+                <a:solidFill>
+                  <a:schemeClr val="tx1"/>
+                </a:solidFill>
+                <a:latin typeface="+mn-lt"/>
+                <a:ea typeface="+mn-ea"/>
+                <a:cs typeface="+mn-cs"/>
+              </a:rPr>
+              <a:t>дежурного </a:t>
+            </a:r>
+            <a:r>
+              <a:rPr lang="ru-RU" sz="1200" kern="1200" dirty="0" smtClean="0">
+                <a:solidFill>
+                  <a:schemeClr val="tx1"/>
+                </a:solidFill>
+                <a:latin typeface="+mn-lt"/>
+                <a:ea typeface="+mn-ea"/>
+                <a:cs typeface="+mn-cs"/>
+              </a:rPr>
+              <a:t>электромеханика</a:t>
+            </a:r>
+            <a:r>
+              <a:rPr lang="ru-RU" sz="1200" kern="1200" baseline="0" dirty="0" smtClean="0">
+                <a:solidFill>
+                  <a:schemeClr val="tx1"/>
+                </a:solidFill>
+                <a:latin typeface="+mn-lt"/>
+                <a:ea typeface="+mn-ea"/>
+                <a:cs typeface="+mn-cs"/>
+              </a:rPr>
+              <a:t> и  пульт аварийного управления.</a:t>
+            </a:r>
+            <a:r>
+              <a:rPr lang="ru-RU" sz="1200" kern="1200" dirty="0" smtClean="0">
+                <a:solidFill>
+                  <a:schemeClr val="tx1"/>
+                </a:solidFill>
+                <a:latin typeface="+mn-lt"/>
+                <a:ea typeface="+mn-ea"/>
+                <a:cs typeface="+mn-cs"/>
+              </a:rPr>
+              <a:t> </a:t>
+            </a:r>
+            <a:r>
+              <a:rPr lang="ru-RU" sz="1200" kern="1200" dirty="0" smtClean="0">
+                <a:solidFill>
+                  <a:schemeClr val="tx1"/>
+                </a:solidFill>
+                <a:latin typeface="+mn-lt"/>
+                <a:ea typeface="+mn-ea"/>
+                <a:cs typeface="+mn-cs"/>
+              </a:rPr>
+              <a:t>Второй уровень включает в себя источники питания, контроллеры, </a:t>
             </a:r>
             <a:r>
               <a:rPr lang="ru-RU" sz="1200" kern="1200" baseline="0" dirty="0" smtClean="0">
@@ -1929,7 +1891,18 @@
                 <a:ea typeface="+mn-ea"/>
                 <a:cs typeface="+mn-cs"/>
               </a:rPr>
-              <a:t> вычислительный комплекс (УВК), в который и устанавливается разработанное программное обеспечение. </a:t>
+              <a:t> вычислительный комплекс (УВК), в который и устанавливается разработанное </a:t>
+            </a:r>
+            <a:r>
+              <a:rPr lang="ru-RU" sz="1200" kern="1200" baseline="0" dirty="0" smtClean="0">
+                <a:solidFill>
+                  <a:schemeClr val="tx1"/>
+                </a:solidFill>
+                <a:latin typeface="+mn-lt"/>
+                <a:ea typeface="+mn-ea"/>
+                <a:cs typeface="+mn-cs"/>
+              </a:rPr>
+              <a:t>ядро станции. </a:t>
             </a:r>
             <a:r>
               <a:rPr lang="ru-RU" sz="1200" kern="1200" dirty="0" smtClean="0">
@@ -2086,15 +2059,7 @@
             </a:r>
             <a:r>
               <a:rPr lang="ru-RU" dirty="0" smtClean="0"/>
-              <a:t>и КСУ (контрольно-сопрягающее устройство). Имитатор - </a:t>
-            </a:r>
-            <a:r>
-              <a:rPr lang="ru-RU" dirty="0" smtClean="0"/>
-              <a:t>программа обеспечивающая имитацию состояний элементов станции.</a:t>
-            </a:r>
-            <a:r>
-              <a:rPr lang="ru-RU" dirty="0" smtClean="0"/>
-              <a:t> КСУ выполняет функцию обмена данными между ядром и вспомогательными устройствами – АРМ ДСП, АРМ ШН и ДЦ.</a:t>
+              <a:t>и КСУ (контрольно-сопрягающее устройство). Имитатор - программа обеспечивающая имитацию состояний элементов станции. КСУ выполняет функцию обмена данными между ядром и вспомогательными устройствами – АРМ ДСП, АРМ ШН и ДЦ.</a:t>
             </a:r>
             <a:r>
               <a:rPr lang="ru-RU" baseline="0" dirty="0" smtClean="0"/>
@@ -2344,30 +2309,33 @@
                 <a:ea typeface="+mn-ea"/>
                 <a:cs typeface="+mn-cs"/>
               </a:rPr>
-              <a:t>Изначально программировались все элементы станции – тупик, участок приближения, участок пути, стрелка и светофор.</a:t>
-            </a:r>
-          </a:p>
-          <a:p>
-            <a:pPr marL="0" marR="0" indent="0" algn="l" defTabSz="914400" rtl="0" eaLnBrk="1" fontAlgn="auto" latinLnBrk="0" hangingPunct="1">
-              <a:lnSpc>
-                <a:spcPct val="100000"/>
-              </a:lnSpc>
-              <a:spcBef>
-                <a:spcPts val="0"/>
-              </a:spcBef>
-              <a:spcAft>
-                <a:spcPts val="0"/>
-              </a:spcAft>
-              <a:buClrTx/>
-              <a:buSzTx/>
-              <a:buFontTx/>
-              <a:buNone/>
-              <a:tabLst/>
-              <a:defRPr/>
-            </a:pPr>
+              <a:t>Изначально программировались все элементы </a:t>
+            </a:r>
+            <a:r>
+              <a:rPr lang="ru-RU" sz="1200" kern="1200" dirty="0" smtClean="0">
+                <a:solidFill>
+                  <a:schemeClr val="tx1"/>
+                </a:solidFill>
+                <a:latin typeface="+mn-lt"/>
+                <a:ea typeface="+mn-ea"/>
+                <a:cs typeface="+mn-cs"/>
+              </a:rPr>
+              <a:t>станции,</a:t>
+            </a:r>
+            <a:r>
+              <a:rPr lang="ru-RU" sz="1200" kern="1200" baseline="0" dirty="0" smtClean="0">
+                <a:solidFill>
+                  <a:schemeClr val="tx1"/>
+                </a:solidFill>
+                <a:latin typeface="+mn-lt"/>
+                <a:ea typeface="+mn-ea"/>
+                <a:cs typeface="+mn-cs"/>
+              </a:rPr>
+              <a:t> </a:t>
+            </a:r>
             <a:r>
               <a:rPr lang="ru-RU" dirty="0" smtClean="0"/>
-              <a:t>Далее</a:t>
+              <a:t>далее</a:t>
             </a:r>
             <a:r>
               <a:rPr lang="ru-RU" baseline="0" dirty="0" smtClean="0"/>
@@ -2548,7 +2516,19 @@
           <a:p>
             <a:r>
               <a:rPr lang="ru-RU" dirty="0" smtClean="0"/>
-              <a:t>В основе идеи автоматической генерации библиотеки ТП станции лежит БМРЦ (блочная </a:t>
+              <a:t>Ввиду того что при ручном</a:t>
+            </a:r>
+            <a:r>
+              <a:rPr lang="ru-RU" baseline="0" dirty="0" smtClean="0"/>
+              <a:t> кодировании алгоритмов возможно допущение большого количества ошибок, возникала идея автоматизированного кодирования алгоритмов. </a:t>
+            </a:r>
+            <a:r>
+              <a:rPr lang="ru-RU" dirty="0" smtClean="0"/>
+              <a:t>В основе этой идеи лежит </a:t>
+            </a:r>
+            <a:r>
+              <a:rPr lang="ru-RU" dirty="0" smtClean="0"/>
+              <a:t>БМРЦ (блочная </a:t>
             </a:r>
             <a:r>
               <a:rPr lang="ru-RU" dirty="0" err="1" smtClean="0"/>
@@ -2591,7 +2571,31 @@
                 <a:ea typeface="+mn-ea"/>
                 <a:cs typeface="+mn-cs"/>
               </a:rPr>
-              <a:t>с помощью которых маршрут любой сложности задается нажатием кнопок начала и конца. Каждый</a:t>
+              <a:t>с помощью которых маршрут любой сложности задается нажатием кнопок начала и конца. </a:t>
+            </a:r>
+          </a:p>
+          <a:p>
+            <a:r>
+              <a:rPr lang="ru-RU" sz="1200" kern="1200" dirty="0" smtClean="0">
+                <a:solidFill>
+                  <a:schemeClr val="tx1"/>
+                </a:solidFill>
+                <a:latin typeface="+mn-lt"/>
+                <a:ea typeface="+mn-ea"/>
+                <a:cs typeface="+mn-cs"/>
+              </a:rPr>
+              <a:t>Комплекс программ </a:t>
+            </a:r>
+            <a:r>
+              <a:rPr lang="ru-RU" sz="1200" kern="1200" dirty="0" smtClean="0">
+                <a:solidFill>
+                  <a:schemeClr val="tx1"/>
+                </a:solidFill>
+                <a:latin typeface="+mn-lt"/>
+                <a:ea typeface="+mn-ea"/>
+                <a:cs typeface="+mn-cs"/>
+              </a:rPr>
+              <a:t>САПР</a:t>
             </a:r>
             <a:r>
               <a:rPr lang="ru-RU" sz="1200" kern="1200" baseline="0" dirty="0" smtClean="0">
@@ -2602,29 +2606,10 @@
                 <a:ea typeface="+mn-ea"/>
                 <a:cs typeface="+mn-cs"/>
               </a:rPr>
-              <a:t> блок отвечает за один или несколько станционных элементов.</a:t>
-            </a:r>
-            <a:endParaRPr lang="ru-RU" sz="1200" kern="1200" dirty="0" smtClean="0">
-              <a:solidFill>
-                <a:schemeClr val="tx1"/>
-              </a:solidFill>
-              <a:latin typeface="+mn-lt"/>
-              <a:ea typeface="+mn-ea"/>
-              <a:cs typeface="+mn-cs"/>
-            </a:endParaRPr>
-          </a:p>
-          <a:p>
-            <a:r>
-              <a:rPr lang="ru-RU" sz="1200" kern="1200" dirty="0" smtClean="0">
-                <a:solidFill>
-                  <a:schemeClr val="tx1"/>
-                </a:solidFill>
-                <a:latin typeface="+mn-lt"/>
-                <a:ea typeface="+mn-ea"/>
-                <a:cs typeface="+mn-cs"/>
-              </a:rPr>
-              <a:t>Комплекс программ САПР содержит программы для проектирования отдельного блока БМРЦ</a:t>
-            </a:r>
+              <a:t> содержит 2 программы – программу редактор блоков, в которой создаются релейные блоки, и программу редактор внешних связей, где проектировщики соединяют эти блоки получая схему БМРЦ. </a:t>
+            </a:r>
+          </a:p>
+          <a:p>
             <a:r>
               <a:rPr lang="ru-RU" sz="1200" kern="1200" baseline="0" dirty="0" smtClean="0">
                 <a:solidFill>
@@ -2634,10 +2619,10 @@
                 <a:ea typeface="+mn-ea"/>
                 <a:cs typeface="+mn-cs"/>
               </a:rPr>
-              <a:t> и</a:t>
-            </a:r>
-            <a:r>
-              <a:rPr lang="ru-RU" sz="1200" kern="1200" dirty="0" smtClean="0">
+              <a:t>Далее блоки экспортируются в техническое приложение как </a:t>
+            </a:r>
+            <a:r>
+              <a:rPr lang="ru-RU" sz="1200" kern="1200" baseline="0" dirty="0" err="1" smtClean="0">
                 <a:solidFill>
                   <a:schemeClr val="tx1"/>
                 </a:solidFill>
@@ -2645,7 +2630,7 @@
                 <a:ea typeface="+mn-ea"/>
                 <a:cs typeface="+mn-cs"/>
               </a:rPr>
-              <a:t> соединения</a:t>
+              <a:t>обьектные</a:t>
             </a:r>
             <a:r>
               <a:rPr lang="ru-RU" sz="1200" kern="1200" baseline="0" dirty="0" smtClean="0">
@@ -2656,29 +2641,7 @@
                 <a:ea typeface="+mn-ea"/>
                 <a:cs typeface="+mn-cs"/>
               </a:rPr>
-              <a:t> этих блоков. В программе редакторе блоков проектировщики создают блоки, которые экспортируются в виде </a:t>
-            </a:r>
-            <a:r>
-              <a:rPr lang="en-US" sz="1200" kern="1200" baseline="0" dirty="0" smtClean="0">
-                <a:solidFill>
-                  <a:schemeClr val="tx1"/>
-                </a:solidFill>
-                <a:latin typeface="+mn-lt"/>
-                <a:ea typeface="+mn-ea"/>
-                <a:cs typeface="+mn-cs"/>
-              </a:rPr>
-              <a:t>xml </a:t>
-            </a:r>
-            <a:r>
-              <a:rPr lang="ru-RU" sz="1200" kern="1200" baseline="0" dirty="0" smtClean="0">
-                <a:solidFill>
-                  <a:schemeClr val="tx1"/>
-                </a:solidFill>
-                <a:latin typeface="+mn-lt"/>
-                <a:ea typeface="+mn-ea"/>
-                <a:cs typeface="+mn-cs"/>
-              </a:rPr>
-              <a:t>в программу – редактор внешних связей и в виде исходного кода на языке </a:t>
+              <a:t> классы в виде кода на языке </a:t>
             </a:r>
             <a:r>
               <a:rPr lang="ru-RU" sz="1200" kern="1200" baseline="0" dirty="0" err="1" smtClean="0">
@@ -2700,8 +2663,38 @@
                 <a:ea typeface="+mn-ea"/>
                 <a:cs typeface="+mn-cs"/>
               </a:rPr>
-              <a:t> в техническое приложение. В программе – редакторе внешних связей проектировщики определенными образом соединяют блоки, получая БМРЦ. Далее полученная БМРЦ экспортируется в виде функции в исходный код технического приложения. </a:t>
-            </a:r>
+              <a:t>, а схема соединений этих блоков как функция также на языке </a:t>
+            </a:r>
+            <a:r>
+              <a:rPr lang="ru-RU" sz="1200" kern="1200" baseline="0" dirty="0" err="1" smtClean="0">
+                <a:solidFill>
+                  <a:schemeClr val="tx1"/>
+                </a:solidFill>
+                <a:latin typeface="+mn-lt"/>
+                <a:ea typeface="+mn-ea"/>
+                <a:cs typeface="+mn-cs"/>
+              </a:rPr>
+              <a:t>с++</a:t>
+            </a:r>
+            <a:r>
+              <a:rPr lang="ru-RU" sz="1200" kern="1200" baseline="0" dirty="0" smtClean="0">
+                <a:solidFill>
+                  <a:schemeClr val="tx1"/>
+                </a:solidFill>
+                <a:latin typeface="+mn-lt"/>
+                <a:ea typeface="+mn-ea"/>
+                <a:cs typeface="+mn-cs"/>
+              </a:rPr>
+              <a:t>.</a:t>
+            </a:r>
+            <a:endParaRPr lang="ru-RU" sz="1200" kern="1200" baseline="0" dirty="0" smtClean="0">
+              <a:solidFill>
+                <a:schemeClr val="tx1"/>
+              </a:solidFill>
+              <a:latin typeface="+mn-lt"/>
+              <a:ea typeface="+mn-ea"/>
+              <a:cs typeface="+mn-cs"/>
+            </a:endParaRPr>
           </a:p>
           <a:p>
             <a:r>
@@ -3565,7 +3558,7 @@
             <a:fld id="{48E37FCD-18DD-4FBC-90DA-BB2303EEE3FF}" type="datetime1">
               <a:rPr lang="en-US" smtClean="0"/>
               <a:pPr/>
-              <a:t>6/13/2015</a:t>
+              <a:t>6/14/2015</a:t>
             </a:fld>
             <a:endParaRPr lang="en-US"/>
           </a:p>
@@ -3755,7 +3748,7 @@
             <a:fld id="{DD9A3D04-91E5-4BFB-91C6-04F52EB81EC8}" type="datetime1">
               <a:rPr lang="en-US" smtClean="0"/>
               <a:pPr/>
-              <a:t>6/13/2015</a:t>
+              <a:t>6/14/2015</a:t>
             </a:fld>
             <a:endParaRPr lang="en-US"/>
           </a:p>
@@ -3932,7 +3925,7 @@
             <a:fld id="{15143BF9-5E8A-401A-A113-06380E4B83F0}" type="datetime1">
               <a:rPr lang="en-US" smtClean="0"/>
               <a:pPr/>
-              <a:t>6/13/2015</a:t>
+              <a:t>6/14/2015</a:t>
             </a:fld>
             <a:endParaRPr lang="en-US"/>
           </a:p>
@@ -4099,7 +4092,7 @@
             <a:fld id="{26DA0763-3922-4437-AF89-AC8B183BD659}" type="datetime1">
               <a:rPr lang="en-US" smtClean="0"/>
               <a:pPr/>
-              <a:t>6/13/2015</a:t>
+              <a:t>6/14/2015</a:t>
             </a:fld>
             <a:endParaRPr lang="en-US"/>
           </a:p>
@@ -4322,7 +4315,7 @@
             <a:fld id="{7356CE78-0819-4007-850E-A56894881B6D}" type="datetime1">
               <a:rPr lang="en-US" smtClean="0"/>
               <a:pPr/>
-              <a:t>6/13/2015</a:t>
+              <a:t>6/14/2015</a:t>
             </a:fld>
             <a:endParaRPr lang="en-US"/>
           </a:p>
@@ -4583,7 +4576,7 @@
             <a:fld id="{CC1AF57D-4E56-4047-B968-686F182F59DF}" type="datetime1">
               <a:rPr lang="en-US" smtClean="0"/>
               <a:pPr/>
-              <a:t>6/13/2015</a:t>
+              <a:t>6/14/2015</a:t>
             </a:fld>
             <a:endParaRPr lang="en-US"/>
           </a:p>
@@ -4990,7 +4983,7 @@
             <a:fld id="{63CD4A00-FE57-4764-B17E-2A7D384E58FA}" type="datetime1">
               <a:rPr lang="en-US" smtClean="0"/>
               <a:pPr algn="l" eaLnBrk="1" latinLnBrk="0" hangingPunct="1"/>
-              <a:t>6/13/2015</a:t>
+              <a:t>6/14/2015</a:t>
             </a:fld>
             <a:endParaRPr lang="en-US"/>
           </a:p>
@@ -5124,7 +5117,7 @@
             <a:fld id="{37E51ED9-8AE5-4305-92B4-372BC19C8E57}" type="datetime1">
               <a:rPr lang="en-US" smtClean="0"/>
               <a:pPr/>
-              <a:t>6/13/2015</a:t>
+              <a:t>6/14/2015</a:t>
             </a:fld>
             <a:endParaRPr lang="en-US"/>
           </a:p>
@@ -5226,7 +5219,7 @@
             <a:fld id="{47B7250A-7741-4F9A-9CB2-FE4B75202625}" type="datetime1">
               <a:rPr lang="en-US" smtClean="0"/>
               <a:pPr/>
-              <a:t>6/13/2015</a:t>
+              <a:t>6/14/2015</a:t>
             </a:fld>
             <a:endParaRPr lang="en-US"/>
           </a:p>
@@ -5473,7 +5466,7 @@
             <a:fld id="{BEC804FC-2CE8-473C-90F5-D11ED6D0D396}" type="datetime1">
               <a:rPr lang="en-US" smtClean="0"/>
               <a:pPr/>
-              <a:t>6/13/2015</a:t>
+              <a:t>6/14/2015</a:t>
             </a:fld>
             <a:endParaRPr lang="en-US"/>
           </a:p>
@@ -5719,7 +5712,7 @@
             <a:fld id="{F5A78707-193E-4D94-A55F-CDBB83140EDF}" type="datetime1">
               <a:rPr lang="en-US" smtClean="0"/>
               <a:pPr/>
-              <a:t>6/13/2015</a:t>
+              <a:t>6/14/2015</a:t>
             </a:fld>
             <a:endParaRPr lang="en-US"/>
           </a:p>
@@ -6546,7 +6539,7 @@
             <a:fld id="{BBA285B1-AB10-47E3-B290-42F2FA703B52}" type="datetime1">
               <a:rPr lang="en-US" smtClean="0"/>
               <a:pPr algn="l" eaLnBrk="1" latinLnBrk="0" hangingPunct="1"/>
-              <a:t>6/13/2015</a:t>
+              <a:t>6/14/2015</a:t>
             </a:fld>
             <a:endParaRPr lang="en-US" sz="800" dirty="0">
               <a:solidFill>
@@ -7572,21 +7565,13 @@
           <a:p>
             <a:r>
               <a:rPr lang="ru-RU" dirty="0" smtClean="0"/>
-              <a:t>Проработана и утверждена структура системы </a:t>
-            </a:r>
+              <a:t>Проработана и утверждена структура системы МПЦ</a:t>
+            </a:r>
+          </a:p>
+          <a:p>
             <a:r>
               <a:rPr lang="ru-RU" dirty="0" smtClean="0"/>
-              <a:t>МПЦ</a:t>
-            </a:r>
-          </a:p>
-          <a:p>
-            <a:r>
-              <a:rPr lang="ru-RU" dirty="0" smtClean="0"/>
-              <a:t>Разработан </a:t>
-            </a:r>
-            <a:r>
-              <a:rPr lang="ru-RU" dirty="0" smtClean="0"/>
-              <a:t>интерфейс рабочего места диспетчера</a:t>
+              <a:t>Разработан интерфейс рабочего места диспетчера</a:t>
             </a:r>
           </a:p>
           <a:p>

--- a/Диплом мой/Презентация/Presentation_Filatov_RK6-123.pptx
+++ b/Диплом мой/Презентация/Presentation_Filatov_RK6-123.pptx
@@ -19,11 +19,11 @@
     <p:sldId id="261" r:id="rId7"/>
     <p:sldId id="262" r:id="rId8"/>
     <p:sldId id="263" r:id="rId9"/>
-    <p:sldId id="264" r:id="rId10"/>
-    <p:sldId id="265" r:id="rId11"/>
-    <p:sldId id="266" r:id="rId12"/>
-    <p:sldId id="267" r:id="rId13"/>
-    <p:sldId id="268" r:id="rId14"/>
+    <p:sldId id="265" r:id="rId10"/>
+    <p:sldId id="266" r:id="rId11"/>
+    <p:sldId id="267" r:id="rId12"/>
+    <p:sldId id="268" r:id="rId13"/>
+    <p:sldId id="272" r:id="rId14"/>
     <p:sldId id="270" r:id="rId15"/>
     <p:sldId id="269" r:id="rId16"/>
   </p:sldIdLst>
@@ -210,7 +210,7 @@
             <a:fld id="{E0849B89-1FF6-4C86-913D-2041E081409D}" type="datetimeFigureOut">
               <a:rPr lang="ru-RU" smtClean="0"/>
               <a:pPr/>
-              <a:t>14.06.2015</a:t>
+              <a:t>15.06.2015</a:t>
             </a:fld>
             <a:endParaRPr lang="ru-RU"/>
           </a:p>
@@ -372,7 +372,7 @@
             <a:fld id="{B1730844-14C6-48C0-A5D6-3038B5537A2D}" type="datetimeFigureOut">
               <a:rPr lang="ru-RU" smtClean="0"/>
               <a:pPr/>
-              <a:t>14.06.2015</a:t>
+              <a:t>15.06.2015</a:t>
             </a:fld>
             <a:endParaRPr lang="ru-RU"/>
           </a:p>
@@ -799,26 +799,118 @@
           <a:lstStyle/>
           <a:p>
             <a:r>
-              <a:rPr lang="ru-RU" dirty="0" smtClean="0"/>
-              <a:t>На слайде</a:t>
-            </a:r>
-            <a:r>
-              <a:rPr lang="ru-RU" baseline="0" dirty="0" smtClean="0"/>
-              <a:t> </a:t>
-            </a:r>
-            <a:r>
-              <a:rPr lang="ru-RU" dirty="0" smtClean="0"/>
-              <a:t>представлен интерфейс программы редактора внешних связей, которая предназначена для создания схемы БМРЦ станции.</a:t>
-            </a:r>
-          </a:p>
-          <a:p>
-            <a:r>
-              <a:rPr lang="ru-RU" dirty="0" smtClean="0"/>
-              <a:t>Функционал каждого элемента схемы БМРЦ доступен</a:t>
-            </a:r>
-            <a:r>
-              <a:rPr lang="ru-RU" baseline="0" dirty="0" smtClean="0"/>
-              <a:t> по правому клику по нему.</a:t>
+              <a:rPr lang="ru-RU" sz="1200" kern="1200" dirty="0" smtClean="0">
+                <a:solidFill>
+                  <a:schemeClr val="tx1"/>
+                </a:solidFill>
+                <a:latin typeface="+mn-lt"/>
+                <a:ea typeface="+mn-ea"/>
+                <a:cs typeface="+mn-cs"/>
+              </a:rPr>
+              <a:t>Интерфейс рабочего места диспетчера разработан полностью в соответствии с железнодорожной тематикой. </a:t>
+            </a:r>
+            <a:endParaRPr lang="ru-RU" sz="1200" kern="1200" baseline="0" dirty="0" smtClean="0">
+              <a:solidFill>
+                <a:schemeClr val="tx1"/>
+              </a:solidFill>
+              <a:latin typeface="+mn-lt"/>
+              <a:ea typeface="+mn-ea"/>
+              <a:cs typeface="+mn-cs"/>
+            </a:endParaRPr>
+          </a:p>
+          <a:p>
+            <a:r>
+              <a:rPr lang="ru-RU" sz="1200" kern="1200" dirty="0" smtClean="0">
+                <a:solidFill>
+                  <a:schemeClr val="tx1"/>
+                </a:solidFill>
+                <a:latin typeface="+mn-lt"/>
+                <a:ea typeface="+mn-ea"/>
+                <a:cs typeface="+mn-cs"/>
+              </a:rPr>
+              <a:t>В системе предусмотрено включение и отключение режимов автоблокировки (кнопки АБ) и </a:t>
+            </a:r>
+            <a:r>
+              <a:rPr lang="ru-RU" sz="1200" kern="1200" dirty="0" err="1" smtClean="0">
+                <a:solidFill>
+                  <a:schemeClr val="tx1"/>
+                </a:solidFill>
+                <a:latin typeface="+mn-lt"/>
+                <a:ea typeface="+mn-ea"/>
+                <a:cs typeface="+mn-cs"/>
+              </a:rPr>
+              <a:t>автодействия</a:t>
+            </a:r>
+            <a:r>
+              <a:rPr lang="ru-RU" sz="1200" kern="1200" dirty="0" smtClean="0">
+                <a:solidFill>
+                  <a:schemeClr val="tx1"/>
+                </a:solidFill>
+                <a:latin typeface="+mn-lt"/>
+                <a:ea typeface="+mn-ea"/>
+                <a:cs typeface="+mn-cs"/>
+              </a:rPr>
+              <a:t> (кнопки АПРИЕМ, АД). </a:t>
+            </a:r>
+            <a:endParaRPr lang="ru-RU" dirty="0" smtClean="0"/>
+          </a:p>
+          <a:p>
+            <a:r>
+              <a:rPr lang="ru-RU" sz="1200" kern="1200" dirty="0" smtClean="0">
+                <a:solidFill>
+                  <a:schemeClr val="tx1"/>
+                </a:solidFill>
+                <a:latin typeface="+mn-lt"/>
+                <a:ea typeface="+mn-ea"/>
+                <a:cs typeface="+mn-cs"/>
+              </a:rPr>
+              <a:t>Автоблокировка</a:t>
+            </a:r>
+            <a:r>
+              <a:rPr lang="ru-RU" sz="1200" b="1" kern="1200" dirty="0" smtClean="0">
+                <a:solidFill>
+                  <a:schemeClr val="tx1"/>
+                </a:solidFill>
+                <a:latin typeface="+mn-lt"/>
+                <a:ea typeface="+mn-ea"/>
+                <a:cs typeface="+mn-cs"/>
+              </a:rPr>
+              <a:t> —</a:t>
+            </a:r>
+            <a:r>
+              <a:rPr lang="ru-RU" sz="1200" kern="1200" dirty="0" smtClean="0">
+                <a:solidFill>
+                  <a:schemeClr val="tx1"/>
+                </a:solidFill>
+                <a:latin typeface="+mn-lt"/>
+                <a:ea typeface="+mn-ea"/>
+                <a:cs typeface="+mn-cs"/>
+              </a:rPr>
+              <a:t> это система автоматического регулирования движением поездов, когда управление сигнальными показаниями светофоров происходит автоматически под воздействием поезда. </a:t>
+            </a:r>
+          </a:p>
+          <a:p>
+            <a:r>
+              <a:rPr lang="ru-RU" sz="1200" kern="1200" dirty="0" err="1" smtClean="0">
+                <a:solidFill>
+                  <a:schemeClr val="tx1"/>
+                </a:solidFill>
+                <a:latin typeface="+mn-lt"/>
+                <a:ea typeface="+mn-ea"/>
+                <a:cs typeface="+mn-cs"/>
+              </a:rPr>
+              <a:t>Автодействие</a:t>
+            </a:r>
+            <a:r>
+              <a:rPr lang="ru-RU" sz="1200" kern="1200" dirty="0" smtClean="0">
+                <a:solidFill>
+                  <a:schemeClr val="tx1"/>
+                </a:solidFill>
+                <a:latin typeface="+mn-lt"/>
+                <a:ea typeface="+mn-ea"/>
+                <a:cs typeface="+mn-cs"/>
+              </a:rPr>
+              <a:t> – режим автоматического циклического задания одного или нескольких маршрутов. </a:t>
             </a:r>
             <a:endParaRPr lang="ru-RU" dirty="0" smtClean="0"/>
           </a:p>
@@ -906,6 +998,14 @@
           <a:lstStyle/>
           <a:p>
             <a:r>
+              <a:rPr lang="ru-RU" dirty="0" smtClean="0"/>
+              <a:t>Имитатор – это программа</a:t>
+            </a:r>
+            <a:r>
+              <a:rPr lang="ru-RU" baseline="0" dirty="0" smtClean="0"/>
+              <a:t> имитирующая состояние поля станции. </a:t>
+            </a:r>
+            <a:r>
               <a:rPr lang="ru-RU" sz="1200" kern="1200" dirty="0" smtClean="0">
                 <a:solidFill>
                   <a:schemeClr val="tx1"/>
@@ -914,18 +1014,19 @@
                 <a:ea typeface="+mn-ea"/>
                 <a:cs typeface="+mn-cs"/>
               </a:rPr>
-              <a:t>Интерфейс рабочего места диспетчера разработан полностью в соответствии с железнодорожной тематикой. </a:t>
-            </a:r>
-            <a:endParaRPr lang="ru-RU" sz="1200" kern="1200" baseline="0" dirty="0" smtClean="0">
-              <a:solidFill>
-                <a:schemeClr val="tx1"/>
-              </a:solidFill>
-              <a:latin typeface="+mn-lt"/>
-              <a:ea typeface="+mn-ea"/>
-              <a:cs typeface="+mn-cs"/>
-            </a:endParaRPr>
-          </a:p>
-          <a:p>
+              <a:t>Для автоматического тестирования были разработанные специальные методы, моделирующие поведение станции в течение дня. А именно – подача поездов, включение и выключение </a:t>
+            </a:r>
+            <a:r>
+              <a:rPr lang="ru-RU" sz="1200" kern="1200" dirty="0" err="1" smtClean="0">
+                <a:solidFill>
+                  <a:schemeClr val="tx1"/>
+                </a:solidFill>
+                <a:latin typeface="+mn-lt"/>
+                <a:ea typeface="+mn-ea"/>
+                <a:cs typeface="+mn-cs"/>
+              </a:rPr>
+              <a:t>автодействий</a:t>
+            </a:r>
             <a:r>
               <a:rPr lang="ru-RU" sz="1200" kern="1200" dirty="0" smtClean="0">
                 <a:solidFill>
@@ -935,19 +1036,10 @@
                 <a:ea typeface="+mn-ea"/>
                 <a:cs typeface="+mn-cs"/>
               </a:rPr>
-              <a:t>В системе предусмотрено включение и отключение режимов автоблокировки (кнопки АБ) и </a:t>
-            </a:r>
-            <a:r>
-              <a:rPr lang="ru-RU" sz="1200" kern="1200" dirty="0" err="1" smtClean="0">
-                <a:solidFill>
-                  <a:schemeClr val="tx1"/>
-                </a:solidFill>
-                <a:latin typeface="+mn-lt"/>
-                <a:ea typeface="+mn-ea"/>
-                <a:cs typeface="+mn-cs"/>
-              </a:rPr>
-              <a:t>автодействия</a:t>
-            </a:r>
+              <a:t>, отказ работы стрелок и т.п. </a:t>
+            </a:r>
+          </a:p>
+          <a:p>
             <a:r>
               <a:rPr lang="ru-RU" sz="1200" kern="1200" dirty="0" smtClean="0">
                 <a:solidFill>
@@ -957,13 +1049,10 @@
                 <a:ea typeface="+mn-ea"/>
                 <a:cs typeface="+mn-cs"/>
               </a:rPr>
-              <a:t> (кнопки АПРИЕМ, АД). </a:t>
-            </a:r>
-            <a:endParaRPr lang="ru-RU" dirty="0" smtClean="0"/>
-          </a:p>
-          <a:p>
-            <a:r>
-              <a:rPr lang="ru-RU" sz="1200" kern="1200" dirty="0" smtClean="0">
+              <a:t>Программное</a:t>
+            </a:r>
+            <a:r>
+              <a:rPr lang="ru-RU" sz="1200" kern="1200" baseline="0" dirty="0" smtClean="0">
                 <a:solidFill>
                   <a:schemeClr val="tx1"/>
                 </a:solidFill>
@@ -971,57 +1060,8 @@
                 <a:ea typeface="+mn-ea"/>
                 <a:cs typeface="+mn-cs"/>
               </a:rPr>
-              <a:t>Автоблокировка</a:t>
-            </a:r>
-            <a:r>
-              <a:rPr lang="ru-RU" sz="1200" b="1" kern="1200" dirty="0" smtClean="0">
-                <a:solidFill>
-                  <a:schemeClr val="tx1"/>
-                </a:solidFill>
-                <a:latin typeface="+mn-lt"/>
-                <a:ea typeface="+mn-ea"/>
-                <a:cs typeface="+mn-cs"/>
-              </a:rPr>
-              <a:t> —</a:t>
-            </a:r>
-            <a:r>
-              <a:rPr lang="ru-RU" sz="1200" kern="1200" dirty="0" smtClean="0">
-                <a:solidFill>
-                  <a:schemeClr val="tx1"/>
-                </a:solidFill>
-                <a:latin typeface="+mn-lt"/>
-                <a:ea typeface="+mn-ea"/>
-                <a:cs typeface="+mn-cs"/>
-              </a:rPr>
-              <a:t> это система автоматического регулирования движением поездов, когда управление сигнальными показаниями светофоров происходит автоматически под воздействием поезда. </a:t>
-            </a:r>
-          </a:p>
-          <a:p>
-            <a:r>
-              <a:rPr lang="ru-RU" sz="1200" kern="1200" dirty="0" err="1" smtClean="0">
-                <a:solidFill>
-                  <a:schemeClr val="tx1"/>
-                </a:solidFill>
-                <a:latin typeface="+mn-lt"/>
-                <a:ea typeface="+mn-ea"/>
-                <a:cs typeface="+mn-cs"/>
-              </a:rPr>
-              <a:t>Автодействие</a:t>
-            </a:r>
-            <a:r>
-              <a:rPr lang="ru-RU" sz="1200" kern="1200" dirty="0" smtClean="0">
-                <a:solidFill>
-                  <a:schemeClr val="tx1"/>
-                </a:solidFill>
-                <a:latin typeface="+mn-lt"/>
-                <a:ea typeface="+mn-ea"/>
-                <a:cs typeface="+mn-cs"/>
-              </a:rPr>
-              <a:t> – режим автоматического циклического задания одного или нескольких маршрутов. </a:t>
-            </a:r>
-            <a:endParaRPr lang="ru-RU" dirty="0" smtClean="0"/>
-          </a:p>
-          <a:p>
+              <a:t> обеспечение отработало без сбоев.</a:t>
+            </a:r>
             <a:endParaRPr lang="ru-RU" dirty="0"/>
           </a:p>
         </p:txBody>
@@ -1104,153 +1144,6 @@
           </a:bodyPr>
           <a:lstStyle/>
           <a:p>
-            <a:r>
-              <a:rPr lang="ru-RU" dirty="0" smtClean="0"/>
-              <a:t>Имитатор – это программа</a:t>
-            </a:r>
-            <a:r>
-              <a:rPr lang="ru-RU" baseline="0" dirty="0" smtClean="0"/>
-              <a:t> имитирующая состояние поля станции. </a:t>
-            </a:r>
-            <a:r>
-              <a:rPr lang="ru-RU" sz="1200" kern="1200" dirty="0" smtClean="0">
-                <a:solidFill>
-                  <a:schemeClr val="tx1"/>
-                </a:solidFill>
-                <a:latin typeface="+mn-lt"/>
-                <a:ea typeface="+mn-ea"/>
-                <a:cs typeface="+mn-cs"/>
-              </a:rPr>
-              <a:t>Для автоматического тестирования были разработанные специальные методы, моделирующие поведение станции в течение дня. А именно – подача поездов, включение и выключение </a:t>
-            </a:r>
-            <a:r>
-              <a:rPr lang="ru-RU" sz="1200" kern="1200" dirty="0" err="1" smtClean="0">
-                <a:solidFill>
-                  <a:schemeClr val="tx1"/>
-                </a:solidFill>
-                <a:latin typeface="+mn-lt"/>
-                <a:ea typeface="+mn-ea"/>
-                <a:cs typeface="+mn-cs"/>
-              </a:rPr>
-              <a:t>автодействий</a:t>
-            </a:r>
-            <a:r>
-              <a:rPr lang="ru-RU" sz="1200" kern="1200" dirty="0" smtClean="0">
-                <a:solidFill>
-                  <a:schemeClr val="tx1"/>
-                </a:solidFill>
-                <a:latin typeface="+mn-lt"/>
-                <a:ea typeface="+mn-ea"/>
-                <a:cs typeface="+mn-cs"/>
-              </a:rPr>
-              <a:t>, отказ работы стрелок и т.п. </a:t>
-            </a:r>
-          </a:p>
-          <a:p>
-            <a:r>
-              <a:rPr lang="ru-RU" sz="1200" kern="1200" dirty="0" smtClean="0">
-                <a:solidFill>
-                  <a:schemeClr val="tx1"/>
-                </a:solidFill>
-                <a:latin typeface="+mn-lt"/>
-                <a:ea typeface="+mn-ea"/>
-                <a:cs typeface="+mn-cs"/>
-              </a:rPr>
-              <a:t>Программное</a:t>
-            </a:r>
-            <a:r>
-              <a:rPr lang="ru-RU" sz="1200" kern="1200" baseline="0" dirty="0" smtClean="0">
-                <a:solidFill>
-                  <a:schemeClr val="tx1"/>
-                </a:solidFill>
-                <a:latin typeface="+mn-lt"/>
-                <a:ea typeface="+mn-ea"/>
-                <a:cs typeface="+mn-cs"/>
-              </a:rPr>
-              <a:t> обеспечение отработало без сбоев.</a:t>
-            </a:r>
-            <a:endParaRPr lang="ru-RU" dirty="0"/>
-          </a:p>
-        </p:txBody>
-      </p:sp>
-      <p:sp>
-        <p:nvSpPr>
-          <p:cNvPr id="4" name="Номер слайда 3"/>
-          <p:cNvSpPr>
-            <a:spLocks noGrp="1"/>
-          </p:cNvSpPr>
-          <p:nvPr>
-            <p:ph type="sldNum" sz="quarter" idx="10"/>
-          </p:nvPr>
-        </p:nvSpPr>
-        <p:spPr/>
-        <p:txBody>
-          <a:bodyPr/>
-          <a:lstStyle/>
-          <a:p>
-            <a:fld id="{89B21455-E0D5-40E1-8154-12887F6AA80C}" type="slidenum">
-              <a:rPr lang="ru-RU" smtClean="0"/>
-              <a:pPr/>
-              <a:t>12</a:t>
-            </a:fld>
-            <a:endParaRPr lang="ru-RU"/>
-          </a:p>
-        </p:txBody>
-      </p:sp>
-    </p:spTree>
-  </p:cSld>
-  <p:clrMapOvr>
-    <a:masterClrMapping/>
-  </p:clrMapOvr>
-</p:notes>
-</file>
-
-<file path=ppt/notesSlides/notesSlide13.xml><?xml version="1.0" encoding="utf-8"?>
-<p:notes xmlns:a="http://schemas.openxmlformats.org/drawingml/2006/main" xmlns:r="http://schemas.openxmlformats.org/officeDocument/2006/relationships" xmlns:p="http://schemas.openxmlformats.org/presentationml/2006/main">
-  <p:cSld>
-    <p:spTree>
-      <p:nvGrpSpPr>
-        <p:cNvPr id="1" name=""/>
-        <p:cNvGrpSpPr/>
-        <p:nvPr/>
-      </p:nvGrpSpPr>
-      <p:grpSpPr>
-        <a:xfrm>
-          <a:off x="0" y="0"/>
-          <a:ext cx="0" cy="0"/>
-          <a:chOff x="0" y="0"/>
-          <a:chExt cx="0" cy="0"/>
-        </a:xfrm>
-      </p:grpSpPr>
-      <p:sp>
-        <p:nvSpPr>
-          <p:cNvPr id="2" name="Образ слайда 1"/>
-          <p:cNvSpPr>
-            <a:spLocks noGrp="1" noRot="1" noChangeAspect="1"/>
-          </p:cNvSpPr>
-          <p:nvPr>
-            <p:ph type="sldImg"/>
-          </p:nvPr>
-        </p:nvSpPr>
-        <p:spPr/>
-      </p:sp>
-      <p:sp>
-        <p:nvSpPr>
-          <p:cNvPr id="3" name="Заметки 2"/>
-          <p:cNvSpPr>
-            <a:spLocks noGrp="1"/>
-          </p:cNvSpPr>
-          <p:nvPr>
-            <p:ph type="body" idx="1"/>
-          </p:nvPr>
-        </p:nvSpPr>
-        <p:spPr/>
-        <p:txBody>
-          <a:bodyPr>
-            <a:normAutofit/>
-          </a:bodyPr>
-          <a:lstStyle/>
-          <a:p>
             <a:pPr marL="0" marR="0" indent="0" algn="l" defTabSz="914400" rtl="0" eaLnBrk="1" fontAlgn="auto" latinLnBrk="0" hangingPunct="1">
               <a:lnSpc>
                 <a:spcPct val="100000"/>
@@ -1314,8 +1207,29 @@
                 <a:ea typeface="+mn-ea"/>
                 <a:cs typeface="+mn-cs"/>
               </a:rPr>
-              <a:t> обеспечения.</a:t>
-            </a:r>
+              <a:t> </a:t>
+            </a:r>
+            <a:r>
+              <a:rPr lang="ru-RU" sz="1200" kern="1200" baseline="0" dirty="0" smtClean="0">
+                <a:solidFill>
+                  <a:schemeClr val="tx1"/>
+                </a:solidFill>
+                <a:effectLst/>
+                <a:latin typeface="+mn-lt"/>
+                <a:ea typeface="+mn-ea"/>
+                <a:cs typeface="+mn-cs"/>
+              </a:rPr>
+              <a:t>обеспечения.</a:t>
+            </a:r>
+            <a:endParaRPr lang="ru-RU" sz="1200" kern="1200" baseline="0" dirty="0" smtClean="0">
+              <a:solidFill>
+                <a:schemeClr val="tx1"/>
+              </a:solidFill>
+              <a:effectLst/>
+              <a:latin typeface="+mn-lt"/>
+              <a:ea typeface="+mn-ea"/>
+              <a:cs typeface="+mn-cs"/>
+            </a:endParaRPr>
           </a:p>
           <a:p>
             <a:pPr marL="0" marR="0" indent="0" algn="l" defTabSz="914400" rtl="0" eaLnBrk="1" fontAlgn="auto" latinLnBrk="0" hangingPunct="1">
@@ -1368,6 +1282,104 @@
             <a:fld id="{89B21455-E0D5-40E1-8154-12887F6AA80C}" type="slidenum">
               <a:rPr lang="ru-RU" smtClean="0"/>
               <a:pPr/>
+              <a:t>12</a:t>
+            </a:fld>
+            <a:endParaRPr lang="ru-RU"/>
+          </a:p>
+        </p:txBody>
+      </p:sp>
+    </p:spTree>
+  </p:cSld>
+  <p:clrMapOvr>
+    <a:masterClrMapping/>
+  </p:clrMapOvr>
+</p:notes>
+</file>
+
+<file path=ppt/notesSlides/notesSlide13.xml><?xml version="1.0" encoding="utf-8"?>
+<p:notes xmlns:a="http://schemas.openxmlformats.org/drawingml/2006/main" xmlns:r="http://schemas.openxmlformats.org/officeDocument/2006/relationships" xmlns:p="http://schemas.openxmlformats.org/presentationml/2006/main">
+  <p:cSld>
+    <p:spTree>
+      <p:nvGrpSpPr>
+        <p:cNvPr id="1" name=""/>
+        <p:cNvGrpSpPr/>
+        <p:nvPr/>
+      </p:nvGrpSpPr>
+      <p:grpSpPr>
+        <a:xfrm>
+          <a:off x="0" y="0"/>
+          <a:ext cx="0" cy="0"/>
+          <a:chOff x="0" y="0"/>
+          <a:chExt cx="0" cy="0"/>
+        </a:xfrm>
+      </p:grpSpPr>
+      <p:sp>
+        <p:nvSpPr>
+          <p:cNvPr id="2" name="Образ слайда 1"/>
+          <p:cNvSpPr>
+            <a:spLocks noGrp="1" noRot="1" noChangeAspect="1"/>
+          </p:cNvSpPr>
+          <p:nvPr>
+            <p:ph type="sldImg"/>
+          </p:nvPr>
+        </p:nvSpPr>
+        <p:spPr/>
+      </p:sp>
+      <p:sp>
+        <p:nvSpPr>
+          <p:cNvPr id="3" name="Заметки 2"/>
+          <p:cNvSpPr>
+            <a:spLocks noGrp="1"/>
+          </p:cNvSpPr>
+          <p:nvPr>
+            <p:ph type="body" idx="1"/>
+          </p:nvPr>
+        </p:nvSpPr>
+        <p:spPr/>
+        <p:txBody>
+          <a:bodyPr>
+            <a:normAutofit/>
+          </a:bodyPr>
+          <a:lstStyle/>
+          <a:p>
+            <a:r>
+              <a:rPr lang="ru-RU" dirty="0" smtClean="0"/>
+              <a:t>Помимо того выполнен расчет</a:t>
+            </a:r>
+            <a:r>
+              <a:rPr lang="ru-RU" baseline="0" dirty="0" smtClean="0"/>
+              <a:t> системы искусственного освещения для рабочего помещения. Расчет производился в программе </a:t>
+            </a:r>
+            <a:r>
+              <a:rPr lang="en-US" baseline="0" dirty="0" err="1" smtClean="0"/>
+              <a:t>Dialux</a:t>
+            </a:r>
+            <a:r>
+              <a:rPr lang="ru-RU" baseline="0" dirty="0" smtClean="0"/>
+              <a:t>, результаты представлены на слайде. </a:t>
+            </a:r>
+            <a:endParaRPr lang="ru-RU" dirty="0"/>
+          </a:p>
+        </p:txBody>
+      </p:sp>
+      <p:sp>
+        <p:nvSpPr>
+          <p:cNvPr id="4" name="Номер слайда 3"/>
+          <p:cNvSpPr>
+            <a:spLocks noGrp="1"/>
+          </p:cNvSpPr>
+          <p:nvPr>
+            <p:ph type="sldNum" sz="quarter" idx="10"/>
+          </p:nvPr>
+        </p:nvSpPr>
+        <p:spPr/>
+        <p:txBody>
+          <a:bodyPr/>
+          <a:lstStyle/>
+          <a:p>
+            <a:fld id="{89B21455-E0D5-40E1-8154-12887F6AA80C}" type="slidenum">
+              <a:rPr lang="ru-RU" smtClean="0"/>
+              <a:pPr/>
               <a:t>13</a:t>
             </a:fld>
             <a:endParaRPr lang="ru-RU"/>
@@ -1436,11 +1448,7 @@
           <a:p>
             <a:r>
               <a:rPr lang="ru-RU" dirty="0" smtClean="0"/>
-              <a:t>Работа по автоматизации и ускорению разработки системы МПЦ еще не закончена, но уже есть наработки в этом направлении в виде реализации комплекса программ САПР и начала работ по созданию технического </a:t>
-            </a:r>
-            <a:r>
-              <a:rPr lang="ru-RU" dirty="0" smtClean="0"/>
-              <a:t>приложения</a:t>
+              <a:t>Работа по автоматизации и ускорению разработки системы МПЦ еще не закончена, но уже есть наработки в этом направлении в виде реализации комплекса программ САПР и начала работ по созданию технического приложения</a:t>
             </a:r>
             <a:r>
               <a:rPr lang="ru-RU" baseline="0" dirty="0" smtClean="0"/>
@@ -1550,10 +1558,8 @@
                 <a:ea typeface="+mn-ea"/>
                 <a:cs typeface="+mn-cs"/>
               </a:rPr>
-              <a:t> системы микропроцессорной централизации стрелок и сигналов для станции метрополитена, а также комплекса программ САПР для автоматизированного проектирования технических алгоритмов. </a:t>
-            </a:r>
-          </a:p>
-          <a:p>
+              <a:t> системы микропроцессорной централизации стрелок и сигналов для станции </a:t>
+            </a:r>
             <a:r>
               <a:rPr lang="ru-RU" sz="1200" b="0" i="0" kern="1200" baseline="0" dirty="0" smtClean="0">
                 <a:solidFill>
@@ -1564,7 +1570,7 @@
                 <a:ea typeface="+mn-ea"/>
                 <a:cs typeface="+mn-cs"/>
               </a:rPr>
-              <a:t>Хочу отметить, что непосредственно </a:t>
+              <a:t>железнодорожного транспорта, </a:t>
             </a:r>
             <a:r>
               <a:rPr lang="ru-RU" sz="1200" b="0" i="0" kern="1200" baseline="0" dirty="0" smtClean="0">
@@ -1576,7 +1582,7 @@
                 <a:ea typeface="+mn-ea"/>
                 <a:cs typeface="+mn-cs"/>
               </a:rPr>
-              <a:t>создание системы МПЦ предполагалось в первую очередь для проработки структуры и функционала системы в общем, и вторично в рекламных целях для демонстрации возможностей компании.</a:t>
+              <a:t>а также комплекса программ САПР для автоматизированного проектирования технических алгоритмов. </a:t>
             </a:r>
           </a:p>
         </p:txBody>
@@ -1660,12 +1666,8 @@
           <a:lstStyle/>
           <a:p>
             <a:r>
-              <a:rPr lang="ru-RU" dirty="0" smtClean="0"/>
-              <a:t>Системы</a:t>
-            </a:r>
-            <a:r>
               <a:rPr lang="ru-RU" baseline="0" dirty="0" smtClean="0"/>
-              <a:t> централизации стрелок и сигналов могут быть релейными или микропроцессорными. В независимости от типа такие системы представляют собой комплекс технических решений, основные функции которого это контроль и управление станционными </a:t>
+              <a:t>Системы централизации стрелок и сигналов представляют собой комплекс технических решений, основные функции которого это контроль и управление станционными </a:t>
             </a:r>
             <a:r>
               <a:rPr lang="ru-RU" baseline="0" dirty="0" err="1" smtClean="0"/>
@@ -1673,11 +1675,27 @@
             </a:r>
             <a:r>
               <a:rPr lang="ru-RU" baseline="0" dirty="0" smtClean="0"/>
-              <a:t>. По сравнению с устаревающими системами релейной централизации, системы микропроцессорной централизации обладают рядом </a:t>
+              <a:t>. </a:t>
+            </a:r>
+            <a:r>
+              <a:rPr lang="ru-RU" dirty="0" smtClean="0"/>
+              <a:t>Такие системы </a:t>
             </a:r>
             <a:r>
               <a:rPr lang="ru-RU" baseline="0" dirty="0" smtClean="0"/>
-              <a:t>преимуществ, основные из которых представлены на слайде.</a:t>
+              <a:t>могут </a:t>
+            </a:r>
+            <a:r>
+              <a:rPr lang="ru-RU" baseline="0" dirty="0" smtClean="0"/>
+              <a:t>быть релейными или микропроцессорными. </a:t>
+            </a:r>
+            <a:r>
+              <a:rPr lang="ru-RU" baseline="0" dirty="0" smtClean="0"/>
+              <a:t>По </a:t>
+            </a:r>
+            <a:r>
+              <a:rPr lang="ru-RU" baseline="0" dirty="0" smtClean="0"/>
+              <a:t>сравнению с устаревающими системами релейной централизации, системы микропроцессорной централизации обладают рядом преимуществ, основные из которых представлены на слайде.</a:t>
             </a:r>
             <a:endParaRPr lang="ru-RU" dirty="0"/>
           </a:p>
@@ -1792,40 +1810,7 @@
                 <a:ea typeface="+mn-ea"/>
                 <a:cs typeface="+mn-cs"/>
               </a:rPr>
-              <a:t>Верхним уровнем являются автоматизированные рабочие места диспетчера в количестве до 3-х штук</a:t>
-            </a:r>
-            <a:r>
-              <a:rPr lang="ru-RU" sz="1200" kern="1200" dirty="0" smtClean="0">
-                <a:solidFill>
-                  <a:schemeClr val="tx1"/>
-                </a:solidFill>
-                <a:latin typeface="+mn-lt"/>
-                <a:ea typeface="+mn-ea"/>
-                <a:cs typeface="+mn-cs"/>
-              </a:rPr>
-              <a:t>, </a:t>
-            </a:r>
-            <a:r>
-              <a:rPr lang="ru-RU" sz="1200" kern="1200" dirty="0" smtClean="0">
-                <a:solidFill>
-                  <a:schemeClr val="tx1"/>
-                </a:solidFill>
-                <a:latin typeface="+mn-lt"/>
-                <a:ea typeface="+mn-ea"/>
-                <a:cs typeface="+mn-cs"/>
-              </a:rPr>
-              <a:t>дежурного </a:t>
-            </a:r>
-            <a:r>
-              <a:rPr lang="ru-RU" sz="1200" kern="1200" dirty="0" smtClean="0">
-                <a:solidFill>
-                  <a:schemeClr val="tx1"/>
-                </a:solidFill>
-                <a:latin typeface="+mn-lt"/>
-                <a:ea typeface="+mn-ea"/>
-                <a:cs typeface="+mn-cs"/>
-              </a:rPr>
-              <a:t>электромеханика</a:t>
+              <a:t>Верхним уровнем являются автоматизированные рабочие места диспетчера в количестве до 3-х штук, дежурного электромеханика</a:t>
             </a:r>
             <a:r>
               <a:rPr lang="ru-RU" sz="1200" kern="1200" baseline="0" dirty="0" smtClean="0">
@@ -1847,18 +1832,7 @@
                 <a:ea typeface="+mn-ea"/>
                 <a:cs typeface="+mn-cs"/>
               </a:rPr>
-              <a:t> </a:t>
-            </a:r>
-            <a:r>
-              <a:rPr lang="ru-RU" sz="1200" kern="1200" dirty="0" smtClean="0">
-                <a:solidFill>
-                  <a:schemeClr val="tx1"/>
-                </a:solidFill>
-                <a:latin typeface="+mn-lt"/>
-                <a:ea typeface="+mn-ea"/>
-                <a:cs typeface="+mn-cs"/>
-              </a:rPr>
-              <a:t>Второй уровень включает в себя источники питания, контроллеры, </a:t>
+              <a:t> Второй уровень включает в себя источники питания, контроллеры, </a:t>
             </a:r>
             <a:r>
               <a:rPr lang="ru-RU" sz="1200" kern="1200" baseline="0" dirty="0" smtClean="0">
@@ -1891,18 +1865,7 @@
                 <a:ea typeface="+mn-ea"/>
                 <a:cs typeface="+mn-cs"/>
               </a:rPr>
-              <a:t> вычислительный комплекс (УВК), в который и устанавливается разработанное </a:t>
-            </a:r>
-            <a:r>
-              <a:rPr lang="ru-RU" sz="1200" kern="1200" baseline="0" dirty="0" smtClean="0">
-                <a:solidFill>
-                  <a:schemeClr val="tx1"/>
-                </a:solidFill>
-                <a:latin typeface="+mn-lt"/>
-                <a:ea typeface="+mn-ea"/>
-                <a:cs typeface="+mn-cs"/>
-              </a:rPr>
-              <a:t>ядро станции. </a:t>
+              <a:t> вычислительный комплекс (УВК), в который и устанавливается разработанное ядро станции. </a:t>
             </a:r>
             <a:r>
               <a:rPr lang="ru-RU" sz="1200" kern="1200" dirty="0" smtClean="0">
@@ -2309,18 +2272,7 @@
                 <a:ea typeface="+mn-ea"/>
                 <a:cs typeface="+mn-cs"/>
               </a:rPr>
-              <a:t>Изначально программировались все элементы </a:t>
-            </a:r>
-            <a:r>
-              <a:rPr lang="ru-RU" sz="1200" kern="1200" dirty="0" smtClean="0">
-                <a:solidFill>
-                  <a:schemeClr val="tx1"/>
-                </a:solidFill>
-                <a:latin typeface="+mn-lt"/>
-                <a:ea typeface="+mn-ea"/>
-                <a:cs typeface="+mn-cs"/>
-              </a:rPr>
-              <a:t>станции,</a:t>
+              <a:t>Изначально программировались все элементы станции,</a:t>
             </a:r>
             <a:r>
               <a:rPr lang="ru-RU" sz="1200" kern="1200" baseline="0" dirty="0" smtClean="0">
@@ -2524,11 +2476,7 @@
             </a:r>
             <a:r>
               <a:rPr lang="ru-RU" dirty="0" smtClean="0"/>
-              <a:t>В основе этой идеи лежит </a:t>
-            </a:r>
-            <a:r>
-              <a:rPr lang="ru-RU" dirty="0" smtClean="0"/>
-              <a:t>БМРЦ (блочная </a:t>
+              <a:t>В основе этой идеи лежит БМРЦ (блочная </a:t>
             </a:r>
             <a:r>
               <a:rPr lang="ru-RU" dirty="0" err="1" smtClean="0"/>
@@ -2584,18 +2532,7 @@
                 <a:ea typeface="+mn-ea"/>
                 <a:cs typeface="+mn-cs"/>
               </a:rPr>
-              <a:t>Комплекс программ </a:t>
-            </a:r>
-            <a:r>
-              <a:rPr lang="ru-RU" sz="1200" kern="1200" dirty="0" smtClean="0">
-                <a:solidFill>
-                  <a:schemeClr val="tx1"/>
-                </a:solidFill>
-                <a:latin typeface="+mn-lt"/>
-                <a:ea typeface="+mn-ea"/>
-                <a:cs typeface="+mn-cs"/>
-              </a:rPr>
-              <a:t>САПР</a:t>
+              <a:t>Комплекс программ САПР</a:t>
             </a:r>
             <a:r>
               <a:rPr lang="ru-RU" sz="1200" kern="1200" baseline="0" dirty="0" smtClean="0">
@@ -2687,14 +2624,6 @@
               </a:rPr>
               <a:t>.</a:t>
             </a:r>
-            <a:endParaRPr lang="ru-RU" sz="1200" kern="1200" baseline="0" dirty="0" smtClean="0">
-              <a:solidFill>
-                <a:schemeClr val="tx1"/>
-              </a:solidFill>
-              <a:latin typeface="+mn-lt"/>
-              <a:ea typeface="+mn-ea"/>
-              <a:cs typeface="+mn-cs"/>
-            </a:endParaRPr>
           </a:p>
           <a:p>
             <a:r>
@@ -2814,55 +2743,29 @@
           <a:p>
             <a:r>
               <a:rPr lang="ru-RU" dirty="0" smtClean="0"/>
-              <a:t>Структура технического</a:t>
+              <a:t>На слайде</a:t>
             </a:r>
             <a:r>
               <a:rPr lang="ru-RU" baseline="0" dirty="0" smtClean="0"/>
-              <a:t> приложения при автоматизированном кодировании алгоритмов с помощью САПР фактически повторяет структуру ТП при ручном кодировании, с той разницей, что вместо классов элементов и маршрутов выступают классы блоков БМРЦ, а вместо функций технических алгоритмов функция связей между блоками. </a:t>
-            </a:r>
-            <a:endParaRPr lang="ru-RU" sz="1200" kern="1200" dirty="0" smtClean="0">
-              <a:solidFill>
-                <a:schemeClr val="tx1"/>
-              </a:solidFill>
-              <a:latin typeface="+mn-lt"/>
-              <a:ea typeface="+mn-ea"/>
-              <a:cs typeface="+mn-cs"/>
-            </a:endParaRPr>
-          </a:p>
-          <a:p>
-            <a:r>
-              <a:rPr lang="ru-RU" sz="1200" kern="1200" dirty="0" smtClean="0">
-                <a:solidFill>
-                  <a:schemeClr val="tx1"/>
-                </a:solidFill>
-                <a:latin typeface="+mn-lt"/>
-                <a:ea typeface="+mn-ea"/>
-                <a:cs typeface="+mn-cs"/>
-              </a:rPr>
-              <a:t>На данный момент указанная</a:t>
-            </a:r>
-            <a:r>
-              <a:rPr lang="ru-RU" sz="1200" kern="1200" baseline="0" dirty="0" smtClean="0">
-                <a:solidFill>
-                  <a:schemeClr val="tx1"/>
-                </a:solidFill>
-                <a:latin typeface="+mn-lt"/>
-                <a:ea typeface="+mn-ea"/>
-                <a:cs typeface="+mn-cs"/>
-              </a:rPr>
-              <a:t> структура неокончательная, так как работы по созданию ТП по схеме БМРЦ еще не закончены.</a:t>
-            </a:r>
-            <a:r>
-              <a:rPr lang="ru-RU" sz="1200" kern="1200" dirty="0" smtClean="0">
-                <a:solidFill>
-                  <a:schemeClr val="tx1"/>
-                </a:solidFill>
-                <a:latin typeface="+mn-lt"/>
-                <a:ea typeface="+mn-ea"/>
-                <a:cs typeface="+mn-cs"/>
-              </a:rPr>
               <a:t> </a:t>
             </a:r>
+            <a:r>
+              <a:rPr lang="ru-RU" dirty="0" smtClean="0"/>
+              <a:t>представлен интерфейс программы редактора внешних связей, которая предназначена для создания схемы БМРЦ станции.</a:t>
+            </a:r>
+          </a:p>
+          <a:p>
+            <a:r>
+              <a:rPr lang="ru-RU" dirty="0" smtClean="0"/>
+              <a:t>Функционал каждого элемента схемы БМРЦ доступен</a:t>
+            </a:r>
+            <a:r>
+              <a:rPr lang="ru-RU" baseline="0" dirty="0" smtClean="0"/>
+              <a:t> по правому клику по нему.</a:t>
+            </a:r>
+            <a:endParaRPr lang="ru-RU" dirty="0" smtClean="0"/>
+          </a:p>
+          <a:p>
             <a:endParaRPr lang="ru-RU" dirty="0"/>
           </a:p>
         </p:txBody>
@@ -3558,7 +3461,7 @@
             <a:fld id="{48E37FCD-18DD-4FBC-90DA-BB2303EEE3FF}" type="datetime1">
               <a:rPr lang="en-US" smtClean="0"/>
               <a:pPr/>
-              <a:t>6/14/2015</a:t>
+              <a:t>6/15/2015</a:t>
             </a:fld>
             <a:endParaRPr lang="en-US"/>
           </a:p>
@@ -3748,7 +3651,7 @@
             <a:fld id="{DD9A3D04-91E5-4BFB-91C6-04F52EB81EC8}" type="datetime1">
               <a:rPr lang="en-US" smtClean="0"/>
               <a:pPr/>
-              <a:t>6/14/2015</a:t>
+              <a:t>6/15/2015</a:t>
             </a:fld>
             <a:endParaRPr lang="en-US"/>
           </a:p>
@@ -3925,7 +3828,7 @@
             <a:fld id="{15143BF9-5E8A-401A-A113-06380E4B83F0}" type="datetime1">
               <a:rPr lang="en-US" smtClean="0"/>
               <a:pPr/>
-              <a:t>6/14/2015</a:t>
+              <a:t>6/15/2015</a:t>
             </a:fld>
             <a:endParaRPr lang="en-US"/>
           </a:p>
@@ -4092,7 +3995,7 @@
             <a:fld id="{26DA0763-3922-4437-AF89-AC8B183BD659}" type="datetime1">
               <a:rPr lang="en-US" smtClean="0"/>
               <a:pPr/>
-              <a:t>6/14/2015</a:t>
+              <a:t>6/15/2015</a:t>
             </a:fld>
             <a:endParaRPr lang="en-US"/>
           </a:p>
@@ -4315,7 +4218,7 @@
             <a:fld id="{7356CE78-0819-4007-850E-A56894881B6D}" type="datetime1">
               <a:rPr lang="en-US" smtClean="0"/>
               <a:pPr/>
-              <a:t>6/14/2015</a:t>
+              <a:t>6/15/2015</a:t>
             </a:fld>
             <a:endParaRPr lang="en-US"/>
           </a:p>
@@ -4576,7 +4479,7 @@
             <a:fld id="{CC1AF57D-4E56-4047-B968-686F182F59DF}" type="datetime1">
               <a:rPr lang="en-US" smtClean="0"/>
               <a:pPr/>
-              <a:t>6/14/2015</a:t>
+              <a:t>6/15/2015</a:t>
             </a:fld>
             <a:endParaRPr lang="en-US"/>
           </a:p>
@@ -4983,7 +4886,7 @@
             <a:fld id="{63CD4A00-FE57-4764-B17E-2A7D384E58FA}" type="datetime1">
               <a:rPr lang="en-US" smtClean="0"/>
               <a:pPr algn="l" eaLnBrk="1" latinLnBrk="0" hangingPunct="1"/>
-              <a:t>6/14/2015</a:t>
+              <a:t>6/15/2015</a:t>
             </a:fld>
             <a:endParaRPr lang="en-US"/>
           </a:p>
@@ -5117,7 +5020,7 @@
             <a:fld id="{37E51ED9-8AE5-4305-92B4-372BC19C8E57}" type="datetime1">
               <a:rPr lang="en-US" smtClean="0"/>
               <a:pPr/>
-              <a:t>6/14/2015</a:t>
+              <a:t>6/15/2015</a:t>
             </a:fld>
             <a:endParaRPr lang="en-US"/>
           </a:p>
@@ -5219,7 +5122,7 @@
             <a:fld id="{47B7250A-7741-4F9A-9CB2-FE4B75202625}" type="datetime1">
               <a:rPr lang="en-US" smtClean="0"/>
               <a:pPr/>
-              <a:t>6/14/2015</a:t>
+              <a:t>6/15/2015</a:t>
             </a:fld>
             <a:endParaRPr lang="en-US"/>
           </a:p>
@@ -5466,7 +5369,7 @@
             <a:fld id="{BEC804FC-2CE8-473C-90F5-D11ED6D0D396}" type="datetime1">
               <a:rPr lang="en-US" smtClean="0"/>
               <a:pPr/>
-              <a:t>6/14/2015</a:t>
+              <a:t>6/15/2015</a:t>
             </a:fld>
             <a:endParaRPr lang="en-US"/>
           </a:p>
@@ -5712,7 +5615,7 @@
             <a:fld id="{F5A78707-193E-4D94-A55F-CDBB83140EDF}" type="datetime1">
               <a:rPr lang="en-US" smtClean="0"/>
               <a:pPr/>
-              <a:t>6/14/2015</a:t>
+              <a:t>6/15/2015</a:t>
             </a:fld>
             <a:endParaRPr lang="en-US"/>
           </a:p>
@@ -6539,7 +6442,7 @@
             <a:fld id="{BBA285B1-AB10-47E3-B290-42F2FA703B52}" type="datetime1">
               <a:rPr lang="en-US" smtClean="0"/>
               <a:pPr algn="l" eaLnBrk="1" latinLnBrk="0" hangingPunct="1"/>
-              <a:t>6/14/2015</a:t>
+              <a:t>6/15/2015</a:t>
             </a:fld>
             <a:endParaRPr lang="en-US" sz="800" dirty="0">
               <a:solidFill>
@@ -7091,8 +6994,8 @@
         </p:nvSpPr>
         <p:spPr>
           <a:xfrm>
-            <a:off x="457200" y="642918"/>
-            <a:ext cx="8229600" cy="857256"/>
+            <a:off x="457200" y="714356"/>
+            <a:ext cx="8229600" cy="642942"/>
           </a:xfrm>
         </p:spPr>
         <p:txBody>
@@ -7103,15 +7006,39 @@
           <a:p>
             <a:r>
               <a:rPr lang="ru-RU" sz="3200" dirty="0" smtClean="0"/>
-              <a:t>Интерфейс разработанной САПР</a:t>
+              <a:t>Интерфейс рабочего места диспетчера</a:t>
             </a:r>
             <a:endParaRPr lang="ru-RU" sz="3200" dirty="0"/>
+          </a:p>
+        </p:txBody>
+      </p:sp>
+      <p:sp>
+        <p:nvSpPr>
+          <p:cNvPr id="5" name="Номер слайда 4"/>
+          <p:cNvSpPr>
+            <a:spLocks noGrp="1"/>
+          </p:cNvSpPr>
+          <p:nvPr>
+            <p:ph type="sldNum" sz="quarter" idx="12"/>
+          </p:nvPr>
+        </p:nvSpPr>
+        <p:spPr/>
+        <p:txBody>
+          <a:bodyPr/>
+          <a:lstStyle/>
+          <a:p>
+            <a:fld id="{96652B35-718D-4E28-AFEB-B694A3B357E8}" type="slidenum">
+              <a:rPr kumimoji="0" lang="en-US" smtClean="0"/>
+              <a:pPr/>
+              <a:t>10</a:t>
+            </a:fld>
+            <a:endParaRPr kumimoji="0" lang="en-US"/>
           </a:p>
         </p:txBody>
       </p:sp>
       <p:pic>
         <p:nvPicPr>
-          <p:cNvPr id="4" name="Содержимое 3" descr="Редактор внешних связей.jpg"/>
+          <p:cNvPr id="7" name="Содержимое 6" descr="Листы_temp(9).jpg"/>
           <p:cNvPicPr>
             <a:picLocks noGrp="1" noChangeAspect="1"/>
           </p:cNvPicPr>
@@ -7127,35 +7054,11 @@
         </p:blipFill>
         <p:spPr>
           <a:xfrm>
-            <a:off x="642910" y="1643050"/>
-            <a:ext cx="8101993" cy="4930788"/>
+            <a:off x="500034" y="1357299"/>
+            <a:ext cx="8286807" cy="5216540"/>
           </a:xfrm>
         </p:spPr>
       </p:pic>
-      <p:sp>
-        <p:nvSpPr>
-          <p:cNvPr id="5" name="Номер слайда 4"/>
-          <p:cNvSpPr>
-            <a:spLocks noGrp="1"/>
-          </p:cNvSpPr>
-          <p:nvPr>
-            <p:ph type="sldNum" sz="quarter" idx="12"/>
-          </p:nvPr>
-        </p:nvSpPr>
-        <p:spPr/>
-        <p:txBody>
-          <a:bodyPr/>
-          <a:lstStyle/>
-          <a:p>
-            <a:fld id="{96652B35-718D-4E28-AFEB-B694A3B357E8}" type="slidenum">
-              <a:rPr kumimoji="0" lang="en-US" smtClean="0"/>
-              <a:pPr/>
-              <a:t>10</a:t>
-            </a:fld>
-            <a:endParaRPr kumimoji="0" lang="en-US"/>
-          </a:p>
-        </p:txBody>
-      </p:sp>
     </p:spTree>
   </p:cSld>
   <p:clrMapOvr>
@@ -7200,8 +7103,8 @@
         </p:nvSpPr>
         <p:spPr>
           <a:xfrm>
-            <a:off x="457200" y="714356"/>
-            <a:ext cx="8229600" cy="642942"/>
+            <a:off x="457200" y="642918"/>
+            <a:ext cx="8229600" cy="714380"/>
           </a:xfrm>
         </p:spPr>
         <p:txBody>
@@ -7212,39 +7115,15 @@
           <a:p>
             <a:r>
               <a:rPr lang="ru-RU" sz="3200" dirty="0" smtClean="0"/>
-              <a:t>Интерфейс рабочего места диспетчера</a:t>
+              <a:t>Интерфейс имитатора станции</a:t>
             </a:r>
             <a:endParaRPr lang="ru-RU" sz="3200" dirty="0"/>
-          </a:p>
-        </p:txBody>
-      </p:sp>
-      <p:sp>
-        <p:nvSpPr>
-          <p:cNvPr id="5" name="Номер слайда 4"/>
-          <p:cNvSpPr>
-            <a:spLocks noGrp="1"/>
-          </p:cNvSpPr>
-          <p:nvPr>
-            <p:ph type="sldNum" sz="quarter" idx="12"/>
-          </p:nvPr>
-        </p:nvSpPr>
-        <p:spPr/>
-        <p:txBody>
-          <a:bodyPr/>
-          <a:lstStyle/>
-          <a:p>
-            <a:fld id="{96652B35-718D-4E28-AFEB-B694A3B357E8}" type="slidenum">
-              <a:rPr kumimoji="0" lang="en-US" smtClean="0"/>
-              <a:pPr/>
-              <a:t>11</a:t>
-            </a:fld>
-            <a:endParaRPr kumimoji="0" lang="en-US"/>
           </a:p>
         </p:txBody>
       </p:sp>
       <p:pic>
         <p:nvPicPr>
-          <p:cNvPr id="7" name="Содержимое 6" descr="Листы_temp(9).jpg"/>
+          <p:cNvPr id="4" name="Содержимое 3" descr="Интерфейс Иммитатор.jpg"/>
           <p:cNvPicPr>
             <a:picLocks noGrp="1" noChangeAspect="1"/>
           </p:cNvPicPr>
@@ -7260,11 +7139,35 @@
         </p:blipFill>
         <p:spPr>
           <a:xfrm>
-            <a:off x="500034" y="1357299"/>
-            <a:ext cx="8286807" cy="5216540"/>
+            <a:off x="357158" y="1346808"/>
+            <a:ext cx="8429684" cy="5227029"/>
           </a:xfrm>
         </p:spPr>
       </p:pic>
+      <p:sp>
+        <p:nvSpPr>
+          <p:cNvPr id="5" name="Номер слайда 4"/>
+          <p:cNvSpPr>
+            <a:spLocks noGrp="1"/>
+          </p:cNvSpPr>
+          <p:nvPr>
+            <p:ph type="sldNum" sz="quarter" idx="12"/>
+          </p:nvPr>
+        </p:nvSpPr>
+        <p:spPr/>
+        <p:txBody>
+          <a:bodyPr/>
+          <a:lstStyle/>
+          <a:p>
+            <a:fld id="{96652B35-718D-4E28-AFEB-B694A3B357E8}" type="slidenum">
+              <a:rPr kumimoji="0" lang="en-US" smtClean="0"/>
+              <a:pPr/>
+              <a:t>11</a:t>
+            </a:fld>
+            <a:endParaRPr kumimoji="0" lang="en-US"/>
+          </a:p>
+        </p:txBody>
+      </p:sp>
     </p:spTree>
   </p:cSld>
   <p:clrMapOvr>
@@ -7310,7 +7213,7 @@
         <p:spPr>
           <a:xfrm>
             <a:off x="457200" y="642918"/>
-            <a:ext cx="8229600" cy="714380"/>
+            <a:ext cx="8229600" cy="642942"/>
           </a:xfrm>
         </p:spPr>
         <p:txBody>
@@ -7321,7 +7224,7 @@
           <a:p>
             <a:r>
               <a:rPr lang="ru-RU" sz="3200" dirty="0" smtClean="0"/>
-              <a:t>Интерфейс имитатора станции</a:t>
+              <a:t>Организационно – экономическая часть</a:t>
             </a:r>
             <a:endParaRPr lang="ru-RU" sz="3200" dirty="0"/>
           </a:p>
@@ -7329,7 +7232,7 @@
       </p:sp>
       <p:pic>
         <p:nvPicPr>
-          <p:cNvPr id="4" name="Содержимое 3" descr="Интерфейс Иммитатор.jpg"/>
+          <p:cNvPr id="4" name="Содержимое 3" descr="Листы_temp(10).jpg"/>
           <p:cNvPicPr>
             <a:picLocks noGrp="1" noChangeAspect="1"/>
           </p:cNvPicPr>
@@ -7345,8 +7248,8 @@
         </p:blipFill>
         <p:spPr>
           <a:xfrm>
-            <a:off x="357158" y="1346808"/>
-            <a:ext cx="8429684" cy="5227029"/>
+            <a:off x="285720" y="1336456"/>
+            <a:ext cx="8538581" cy="5237384"/>
           </a:xfrm>
         </p:spPr>
       </p:pic>
@@ -7419,7 +7322,7 @@
         <p:spPr>
           <a:xfrm>
             <a:off x="457200" y="642918"/>
-            <a:ext cx="8229600" cy="642942"/>
+            <a:ext cx="8229600" cy="714380"/>
           </a:xfrm>
         </p:spPr>
         <p:txBody>
@@ -7430,7 +7333,7 @@
           <a:p>
             <a:r>
               <a:rPr lang="ru-RU" sz="3200" dirty="0" smtClean="0"/>
-              <a:t>Организационно – экономическая часть</a:t>
+              <a:t>Экология и промышленная безопасность</a:t>
             </a:r>
             <a:endParaRPr lang="ru-RU" sz="3200" dirty="0"/>
           </a:p>
@@ -7438,7 +7341,7 @@
       </p:sp>
       <p:pic>
         <p:nvPicPr>
-          <p:cNvPr id="4" name="Содержимое 3" descr="Листы_temp(10).jpg"/>
+          <p:cNvPr id="6" name="Содержимое 5" descr="экология.jpg"/>
           <p:cNvPicPr>
             <a:picLocks noGrp="1" noChangeAspect="1"/>
           </p:cNvPicPr>
@@ -7454,14 +7357,14 @@
         </p:blipFill>
         <p:spPr>
           <a:xfrm>
-            <a:off x="285720" y="1336456"/>
-            <a:ext cx="8538581" cy="5237384"/>
+            <a:off x="357158" y="1714488"/>
+            <a:ext cx="8401080" cy="3947231"/>
           </a:xfrm>
         </p:spPr>
       </p:pic>
       <p:sp>
         <p:nvSpPr>
-          <p:cNvPr id="5" name="Номер слайда 4"/>
+          <p:cNvPr id="4" name="Номер слайда 3"/>
           <p:cNvSpPr>
             <a:spLocks noGrp="1"/>
           </p:cNvSpPr>
@@ -7537,7 +7440,7 @@
           <a:p>
             <a:r>
               <a:rPr lang="ru-RU" dirty="0" smtClean="0"/>
-              <a:t>Выводы</a:t>
+              <a:t>Результаты</a:t>
             </a:r>
             <a:endParaRPr lang="ru-RU" dirty="0"/>
           </a:p>
@@ -7560,7 +7463,9 @@
           </a:xfrm>
         </p:spPr>
         <p:txBody>
-          <a:bodyPr/>
+          <a:bodyPr>
+            <a:normAutofit fontScale="92500" lnSpcReduction="10000"/>
+          </a:bodyPr>
           <a:lstStyle/>
           <a:p>
             <a:r>
@@ -7571,14 +7476,30 @@
           <a:p>
             <a:r>
               <a:rPr lang="ru-RU" dirty="0" smtClean="0"/>
-              <a:t>Разработан интерфейс рабочего места диспетчера</a:t>
-            </a:r>
-          </a:p>
-          <a:p>
+              <a:t>Разработан интерфейс рабочего места </a:t>
+            </a:r>
             <a:r>
               <a:rPr lang="ru-RU" dirty="0" smtClean="0"/>
-              <a:t>Разработан рабочий прототип системы МПЦ для типовой станции метрополитена</a:t>
-            </a:r>
+              <a:t>диспетчера</a:t>
+            </a:r>
+          </a:p>
+          <a:p>
+            <a:r>
+              <a:rPr lang="ru-RU" dirty="0" smtClean="0"/>
+              <a:t>Разработан имитатор станции</a:t>
+            </a:r>
+            <a:endParaRPr lang="ru-RU" dirty="0" smtClean="0"/>
+          </a:p>
+          <a:p>
+            <a:r>
+              <a:rPr lang="ru-RU" dirty="0" smtClean="0"/>
+              <a:t>Разработан рабочий прототип системы МПЦ для типовой станции </a:t>
+            </a:r>
+            <a:r>
+              <a:rPr lang="ru-RU" dirty="0" smtClean="0"/>
+              <a:t>железнодорожного транспорта</a:t>
+            </a:r>
+            <a:endParaRPr lang="ru-RU" dirty="0" smtClean="0"/>
           </a:p>
           <a:p>
             <a:r>
@@ -7790,8 +7711,13 @@
           <a:p>
             <a:r>
               <a:rPr lang="ru-RU" sz="3600" dirty="0" smtClean="0"/>
-              <a:t>Разработать рабочий прототип системы МПЦ для станции метрополитена.</a:t>
-            </a:r>
+              <a:t>Разработать рабочий прототип системы МПЦ для станции </a:t>
+            </a:r>
+            <a:r>
+              <a:rPr lang="ru-RU" sz="3600" dirty="0" smtClean="0"/>
+              <a:t>железнодорожного транспорта.</a:t>
+            </a:r>
+            <a:endParaRPr lang="ru-RU" sz="3600" dirty="0" smtClean="0"/>
           </a:p>
           <a:p>
             <a:pPr>
@@ -8554,7 +8480,7 @@
 </file>
 
 <file path=ppt/slides/slide9.xml><?xml version="1.0" encoding="utf-8"?>
-<p:sld xmlns:a="http://schemas.openxmlformats.org/drawingml/2006/main" xmlns:r="http://schemas.openxmlformats.org/officeDocument/2006/relationships" xmlns:p="http://schemas.openxmlformats.org/presentationml/2006/main" show="0">
+<p:sld xmlns:a="http://schemas.openxmlformats.org/drawingml/2006/main" xmlns:r="http://schemas.openxmlformats.org/officeDocument/2006/relationships" xmlns:p="http://schemas.openxmlformats.org/presentationml/2006/main">
   <p:cSld>
     <p:spTree>
       <p:nvGrpSpPr>
@@ -8583,7 +8509,7 @@
         <p:spPr>
           <a:xfrm>
             <a:off x="457200" y="642918"/>
-            <a:ext cx="8229600" cy="1000132"/>
+            <a:ext cx="8229600" cy="857256"/>
           </a:xfrm>
         </p:spPr>
         <p:txBody>
@@ -8593,16 +8519,16 @@
           <a:lstStyle/>
           <a:p>
             <a:r>
-              <a:rPr lang="ru-RU" sz="2800" dirty="0" smtClean="0"/>
-              <a:t>Структура технического приложения при автоматизированном кодировании алгоритмов</a:t>
-            </a:r>
-            <a:endParaRPr lang="ru-RU" sz="2800" dirty="0"/>
+              <a:rPr lang="ru-RU" sz="3200" dirty="0" smtClean="0"/>
+              <a:t>Интерфейс разработанной САПР</a:t>
+            </a:r>
+            <a:endParaRPr lang="ru-RU" sz="3200" dirty="0"/>
           </a:p>
         </p:txBody>
       </p:sp>
       <p:pic>
         <p:nvPicPr>
-          <p:cNvPr id="4" name="Содержимое 3" descr="Листы_temp(7).jpg"/>
+          <p:cNvPr id="4" name="Содержимое 3" descr="Редактор внешних связей.jpg"/>
           <p:cNvPicPr>
             <a:picLocks noGrp="1" noChangeAspect="1"/>
           </p:cNvPicPr>
@@ -8618,8 +8544,8 @@
         </p:blipFill>
         <p:spPr>
           <a:xfrm>
-            <a:off x="2000232" y="1571613"/>
-            <a:ext cx="5357850" cy="5072098"/>
+            <a:off x="642910" y="1643050"/>
+            <a:ext cx="8101993" cy="4930788"/>
           </a:xfrm>
         </p:spPr>
       </p:pic>
@@ -8652,7 +8578,6 @@
   <p:clrMapOvr>
     <a:masterClrMapping/>
   </p:clrMapOvr>
-  <p:transition/>
   <p:timing>
     <p:tnLst>
       <p:par>

--- a/Диплом мой/Презентация/Presentation_Filatov_RK6-123.pptx
+++ b/Диплом мой/Презентация/Presentation_Filatov_RK6-123.pptx
@@ -210,7 +210,7 @@
             <a:fld id="{E0849B89-1FF6-4C86-913D-2041E081409D}" type="datetimeFigureOut">
               <a:rPr lang="ru-RU" smtClean="0"/>
               <a:pPr/>
-              <a:t>15.06.2015</a:t>
+              <a:t>16.06.2015</a:t>
             </a:fld>
             <a:endParaRPr lang="ru-RU"/>
           </a:p>
@@ -372,7 +372,7 @@
             <a:fld id="{B1730844-14C6-48C0-A5D6-3038B5537A2D}" type="datetimeFigureOut">
               <a:rPr lang="ru-RU" smtClean="0"/>
               <a:pPr/>
-              <a:t>15.06.2015</a:t>
+              <a:t>16.06.2015</a:t>
             </a:fld>
             <a:endParaRPr lang="ru-RU"/>
           </a:p>
@@ -711,7 +711,31 @@
                 <a:ea typeface="+mn-ea"/>
                 <a:cs typeface="+mn-cs"/>
               </a:rPr>
-              <a:t>Здравствуйте уважаемые члены аттестационной комиссии.</a:t>
+              <a:t>Здравствуйте </a:t>
+            </a:r>
+            <a:r>
+              <a:rPr lang="ru-RU" sz="1200" kern="1200" smtClean="0">
+                <a:solidFill>
+                  <a:schemeClr val="tx1"/>
+                </a:solidFill>
+                <a:effectLst/>
+                <a:latin typeface="+mn-lt"/>
+                <a:ea typeface="+mn-ea"/>
+                <a:cs typeface="+mn-cs"/>
+              </a:rPr>
+              <a:t>уважаемая</a:t>
+            </a:r>
+            <a:r>
+              <a:rPr lang="ru-RU" sz="1200" kern="1200" baseline="0" smtClean="0">
+                <a:solidFill>
+                  <a:schemeClr val="tx1"/>
+                </a:solidFill>
+                <a:effectLst/>
+                <a:latin typeface="+mn-lt"/>
+                <a:ea typeface="+mn-ea"/>
+                <a:cs typeface="+mn-cs"/>
+              </a:rPr>
+              <a:t> комиссия.</a:t>
             </a:r>
             <a:endParaRPr lang="ru-RU" dirty="0" smtClean="0"/>
           </a:p>
@@ -1207,29 +1231,8 @@
                 <a:ea typeface="+mn-ea"/>
                 <a:cs typeface="+mn-cs"/>
               </a:rPr>
-              <a:t> </a:t>
-            </a:r>
-            <a:r>
-              <a:rPr lang="ru-RU" sz="1200" kern="1200" baseline="0" dirty="0" smtClean="0">
-                <a:solidFill>
-                  <a:schemeClr val="tx1"/>
-                </a:solidFill>
-                <a:effectLst/>
-                <a:latin typeface="+mn-lt"/>
-                <a:ea typeface="+mn-ea"/>
-                <a:cs typeface="+mn-cs"/>
-              </a:rPr>
-              <a:t>обеспечения.</a:t>
-            </a:r>
-            <a:endParaRPr lang="ru-RU" sz="1200" kern="1200" baseline="0" dirty="0" smtClean="0">
-              <a:solidFill>
-                <a:schemeClr val="tx1"/>
-              </a:solidFill>
-              <a:effectLst/>
-              <a:latin typeface="+mn-lt"/>
-              <a:ea typeface="+mn-ea"/>
-              <a:cs typeface="+mn-cs"/>
-            </a:endParaRPr>
+              <a:t> обеспечения.</a:t>
+            </a:r>
           </a:p>
           <a:p>
             <a:pPr marL="0" marR="0" indent="0" algn="l" defTabSz="914400" rtl="0" eaLnBrk="1" fontAlgn="auto" latinLnBrk="0" hangingPunct="1">
@@ -1558,31 +1561,7 @@
                 <a:ea typeface="+mn-ea"/>
                 <a:cs typeface="+mn-cs"/>
               </a:rPr>
-              <a:t> системы микропроцессорной централизации стрелок и сигналов для станции </a:t>
-            </a:r>
-            <a:r>
-              <a:rPr lang="ru-RU" sz="1200" b="0" i="0" kern="1200" baseline="0" dirty="0" smtClean="0">
-                <a:solidFill>
-                  <a:schemeClr val="tx1"/>
-                </a:solidFill>
-                <a:effectLst/>
-                <a:latin typeface="+mn-lt"/>
-                <a:ea typeface="+mn-ea"/>
-                <a:cs typeface="+mn-cs"/>
-              </a:rPr>
-              <a:t>железнодорожного транспорта, </a:t>
-            </a:r>
-            <a:r>
-              <a:rPr lang="ru-RU" sz="1200" b="0" i="0" kern="1200" baseline="0" dirty="0" smtClean="0">
-                <a:solidFill>
-                  <a:schemeClr val="tx1"/>
-                </a:solidFill>
-                <a:effectLst/>
-                <a:latin typeface="+mn-lt"/>
-                <a:ea typeface="+mn-ea"/>
-                <a:cs typeface="+mn-cs"/>
-              </a:rPr>
-              <a:t>а также комплекса программ САПР для автоматизированного проектирования технических алгоритмов. </a:t>
+              <a:t> системы микропроцессорной централизации стрелок и сигналов для станции железнодорожного транспорта, а также комплекса программ САПР для автоматизированного проектирования технических алгоритмов. </a:t>
             </a:r>
           </a:p>
         </p:txBody>
@@ -1683,19 +1662,7 @@
             </a:r>
             <a:r>
               <a:rPr lang="ru-RU" baseline="0" dirty="0" smtClean="0"/>
-              <a:t>могут </a:t>
-            </a:r>
-            <a:r>
-              <a:rPr lang="ru-RU" baseline="0" dirty="0" smtClean="0"/>
-              <a:t>быть релейными или микропроцессорными. </a:t>
-            </a:r>
-            <a:r>
-              <a:rPr lang="ru-RU" baseline="0" dirty="0" smtClean="0"/>
-              <a:t>По </a:t>
-            </a:r>
-            <a:r>
-              <a:rPr lang="ru-RU" baseline="0" dirty="0" smtClean="0"/>
-              <a:t>сравнению с устаревающими системами релейной централизации, системы микропроцессорной централизации обладают рядом преимуществ, основные из которых представлены на слайде.</a:t>
+              <a:t>могут быть релейными или микропроцессорными. По сравнению с устаревающими системами релейной централизации, системы микропроцессорной централизации обладают рядом преимуществ, основные из которых представлены на слайде.</a:t>
             </a:r>
             <a:endParaRPr lang="ru-RU" dirty="0"/>
           </a:p>
@@ -3461,7 +3428,7 @@
             <a:fld id="{48E37FCD-18DD-4FBC-90DA-BB2303EEE3FF}" type="datetime1">
               <a:rPr lang="en-US" smtClean="0"/>
               <a:pPr/>
-              <a:t>6/15/2015</a:t>
+              <a:t>6/16/2015</a:t>
             </a:fld>
             <a:endParaRPr lang="en-US"/>
           </a:p>
@@ -3651,7 +3618,7 @@
             <a:fld id="{DD9A3D04-91E5-4BFB-91C6-04F52EB81EC8}" type="datetime1">
               <a:rPr lang="en-US" smtClean="0"/>
               <a:pPr/>
-              <a:t>6/15/2015</a:t>
+              <a:t>6/16/2015</a:t>
             </a:fld>
             <a:endParaRPr lang="en-US"/>
           </a:p>
@@ -3828,7 +3795,7 @@
             <a:fld id="{15143BF9-5E8A-401A-A113-06380E4B83F0}" type="datetime1">
               <a:rPr lang="en-US" smtClean="0"/>
               <a:pPr/>
-              <a:t>6/15/2015</a:t>
+              <a:t>6/16/2015</a:t>
             </a:fld>
             <a:endParaRPr lang="en-US"/>
           </a:p>
@@ -3995,7 +3962,7 @@
             <a:fld id="{26DA0763-3922-4437-AF89-AC8B183BD659}" type="datetime1">
               <a:rPr lang="en-US" smtClean="0"/>
               <a:pPr/>
-              <a:t>6/15/2015</a:t>
+              <a:t>6/16/2015</a:t>
             </a:fld>
             <a:endParaRPr lang="en-US"/>
           </a:p>
@@ -4218,7 +4185,7 @@
             <a:fld id="{7356CE78-0819-4007-850E-A56894881B6D}" type="datetime1">
               <a:rPr lang="en-US" smtClean="0"/>
               <a:pPr/>
-              <a:t>6/15/2015</a:t>
+              <a:t>6/16/2015</a:t>
             </a:fld>
             <a:endParaRPr lang="en-US"/>
           </a:p>
@@ -4479,7 +4446,7 @@
             <a:fld id="{CC1AF57D-4E56-4047-B968-686F182F59DF}" type="datetime1">
               <a:rPr lang="en-US" smtClean="0"/>
               <a:pPr/>
-              <a:t>6/15/2015</a:t>
+              <a:t>6/16/2015</a:t>
             </a:fld>
             <a:endParaRPr lang="en-US"/>
           </a:p>
@@ -4886,7 +4853,7 @@
             <a:fld id="{63CD4A00-FE57-4764-B17E-2A7D384E58FA}" type="datetime1">
               <a:rPr lang="en-US" smtClean="0"/>
               <a:pPr algn="l" eaLnBrk="1" latinLnBrk="0" hangingPunct="1"/>
-              <a:t>6/15/2015</a:t>
+              <a:t>6/16/2015</a:t>
             </a:fld>
             <a:endParaRPr lang="en-US"/>
           </a:p>
@@ -5020,7 +4987,7 @@
             <a:fld id="{37E51ED9-8AE5-4305-92B4-372BC19C8E57}" type="datetime1">
               <a:rPr lang="en-US" smtClean="0"/>
               <a:pPr/>
-              <a:t>6/15/2015</a:t>
+              <a:t>6/16/2015</a:t>
             </a:fld>
             <a:endParaRPr lang="en-US"/>
           </a:p>
@@ -5122,7 +5089,7 @@
             <a:fld id="{47B7250A-7741-4F9A-9CB2-FE4B75202625}" type="datetime1">
               <a:rPr lang="en-US" smtClean="0"/>
               <a:pPr/>
-              <a:t>6/15/2015</a:t>
+              <a:t>6/16/2015</a:t>
             </a:fld>
             <a:endParaRPr lang="en-US"/>
           </a:p>
@@ -5369,7 +5336,7 @@
             <a:fld id="{BEC804FC-2CE8-473C-90F5-D11ED6D0D396}" type="datetime1">
               <a:rPr lang="en-US" smtClean="0"/>
               <a:pPr/>
-              <a:t>6/15/2015</a:t>
+              <a:t>6/16/2015</a:t>
             </a:fld>
             <a:endParaRPr lang="en-US"/>
           </a:p>
@@ -5615,7 +5582,7 @@
             <a:fld id="{F5A78707-193E-4D94-A55F-CDBB83140EDF}" type="datetime1">
               <a:rPr lang="en-US" smtClean="0"/>
               <a:pPr/>
-              <a:t>6/15/2015</a:t>
+              <a:t>6/16/2015</a:t>
             </a:fld>
             <a:endParaRPr lang="en-US"/>
           </a:p>
@@ -6442,7 +6409,7 @@
             <a:fld id="{BBA285B1-AB10-47E3-B290-42F2FA703B52}" type="datetime1">
               <a:rPr lang="en-US" smtClean="0"/>
               <a:pPr algn="l" eaLnBrk="1" latinLnBrk="0" hangingPunct="1"/>
-              <a:t>6/15/2015</a:t>
+              <a:t>6/16/2015</a:t>
             </a:fld>
             <a:endParaRPr lang="en-US" sz="800" dirty="0">
               <a:solidFill>
@@ -7476,11 +7443,7 @@
           <a:p>
             <a:r>
               <a:rPr lang="ru-RU" dirty="0" smtClean="0"/>
-              <a:t>Разработан интерфейс рабочего места </a:t>
-            </a:r>
-            <a:r>
-              <a:rPr lang="ru-RU" dirty="0" smtClean="0"/>
-              <a:t>диспетчера</a:t>
+              <a:t>Разработан интерфейс рабочего места диспетчера</a:t>
             </a:r>
           </a:p>
           <a:p>
@@ -7488,18 +7451,12 @@
               <a:rPr lang="ru-RU" dirty="0" smtClean="0"/>
               <a:t>Разработан имитатор станции</a:t>
             </a:r>
-            <a:endParaRPr lang="ru-RU" dirty="0" smtClean="0"/>
           </a:p>
           <a:p>
             <a:r>
               <a:rPr lang="ru-RU" dirty="0" smtClean="0"/>
-              <a:t>Разработан рабочий прототип системы МПЦ для типовой станции </a:t>
-            </a:r>
-            <a:r>
-              <a:rPr lang="ru-RU" dirty="0" smtClean="0"/>
-              <a:t>железнодорожного транспорта</a:t>
-            </a:r>
-            <a:endParaRPr lang="ru-RU" dirty="0" smtClean="0"/>
+              <a:t>Разработан рабочий прототип системы МПЦ для типовой станции железнодорожного транспорта</a:t>
+            </a:r>
           </a:p>
           <a:p>
             <a:r>
@@ -7711,13 +7668,8 @@
           <a:p>
             <a:r>
               <a:rPr lang="ru-RU" sz="3600" dirty="0" smtClean="0"/>
-              <a:t>Разработать рабочий прототип системы МПЦ для станции </a:t>
-            </a:r>
-            <a:r>
-              <a:rPr lang="ru-RU" sz="3600" dirty="0" smtClean="0"/>
-              <a:t>железнодорожного транспорта.</a:t>
-            </a:r>
-            <a:endParaRPr lang="ru-RU" sz="3600" dirty="0" smtClean="0"/>
+              <a:t>Разработать рабочий прототип системы МПЦ для станции железнодорожного транспорта.</a:t>
+            </a:r>
           </a:p>
           <a:p>
             <a:pPr>
